--- a/images.pptx
+++ b/images.pptx
@@ -18,9 +18,12 @@
     <p:sldId id="266" r:id="rId12"/>
     <p:sldId id="267" r:id="rId13"/>
     <p:sldId id="268" r:id="rId14"/>
-    <p:sldId id="269" r:id="rId15"/>
-    <p:sldId id="270" r:id="rId16"/>
-    <p:sldId id="271" r:id="rId17"/>
+    <p:sldId id="274" r:id="rId15"/>
+    <p:sldId id="269" r:id="rId16"/>
+    <p:sldId id="270" r:id="rId17"/>
+    <p:sldId id="271" r:id="rId18"/>
+    <p:sldId id="273" r:id="rId19"/>
+    <p:sldId id="272" r:id="rId20"/>
   </p:sldIdLst>
   <p:sldSz cx="12192000" cy="6858000"/>
   <p:notesSz cx="6858000" cy="9144000"/>
@@ -256,7 +259,7 @@
           <a:p>
             <a:fld id="{E667A7D7-1609-4F0D-9145-57B6D06A46FC}" type="datetimeFigureOut">
               <a:rPr lang="fr-FR" smtClean="0"/>
-              <a:t>19/10/2016</a:t>
+              <a:t>23/10/2016</a:t>
             </a:fld>
             <a:endParaRPr lang="fr-FR"/>
           </a:p>
@@ -424,7 +427,7 @@
           <a:p>
             <a:fld id="{E667A7D7-1609-4F0D-9145-57B6D06A46FC}" type="datetimeFigureOut">
               <a:rPr lang="fr-FR" smtClean="0"/>
-              <a:t>19/10/2016</a:t>
+              <a:t>23/10/2016</a:t>
             </a:fld>
             <a:endParaRPr lang="fr-FR"/>
           </a:p>
@@ -602,7 +605,7 @@
           <a:p>
             <a:fld id="{E667A7D7-1609-4F0D-9145-57B6D06A46FC}" type="datetimeFigureOut">
               <a:rPr lang="fr-FR" smtClean="0"/>
-              <a:t>19/10/2016</a:t>
+              <a:t>23/10/2016</a:t>
             </a:fld>
             <a:endParaRPr lang="fr-FR"/>
           </a:p>
@@ -770,7 +773,7 @@
           <a:p>
             <a:fld id="{E667A7D7-1609-4F0D-9145-57B6D06A46FC}" type="datetimeFigureOut">
               <a:rPr lang="fr-FR" smtClean="0"/>
-              <a:t>19/10/2016</a:t>
+              <a:t>23/10/2016</a:t>
             </a:fld>
             <a:endParaRPr lang="fr-FR"/>
           </a:p>
@@ -1015,7 +1018,7 @@
           <a:p>
             <a:fld id="{E667A7D7-1609-4F0D-9145-57B6D06A46FC}" type="datetimeFigureOut">
               <a:rPr lang="fr-FR" smtClean="0"/>
-              <a:t>19/10/2016</a:t>
+              <a:t>23/10/2016</a:t>
             </a:fld>
             <a:endParaRPr lang="fr-FR"/>
           </a:p>
@@ -1244,7 +1247,7 @@
           <a:p>
             <a:fld id="{E667A7D7-1609-4F0D-9145-57B6D06A46FC}" type="datetimeFigureOut">
               <a:rPr lang="fr-FR" smtClean="0"/>
-              <a:t>19/10/2016</a:t>
+              <a:t>23/10/2016</a:t>
             </a:fld>
             <a:endParaRPr lang="fr-FR"/>
           </a:p>
@@ -1608,7 +1611,7 @@
           <a:p>
             <a:fld id="{E667A7D7-1609-4F0D-9145-57B6D06A46FC}" type="datetimeFigureOut">
               <a:rPr lang="fr-FR" smtClean="0"/>
-              <a:t>19/10/2016</a:t>
+              <a:t>23/10/2016</a:t>
             </a:fld>
             <a:endParaRPr lang="fr-FR"/>
           </a:p>
@@ -1725,7 +1728,7 @@
           <a:p>
             <a:fld id="{E667A7D7-1609-4F0D-9145-57B6D06A46FC}" type="datetimeFigureOut">
               <a:rPr lang="fr-FR" smtClean="0"/>
-              <a:t>19/10/2016</a:t>
+              <a:t>23/10/2016</a:t>
             </a:fld>
             <a:endParaRPr lang="fr-FR"/>
           </a:p>
@@ -1820,7 +1823,7 @@
           <a:p>
             <a:fld id="{E667A7D7-1609-4F0D-9145-57B6D06A46FC}" type="datetimeFigureOut">
               <a:rPr lang="fr-FR" smtClean="0"/>
-              <a:t>19/10/2016</a:t>
+              <a:t>23/10/2016</a:t>
             </a:fld>
             <a:endParaRPr lang="fr-FR"/>
           </a:p>
@@ -2095,7 +2098,7 @@
           <a:p>
             <a:fld id="{E667A7D7-1609-4F0D-9145-57B6D06A46FC}" type="datetimeFigureOut">
               <a:rPr lang="fr-FR" smtClean="0"/>
-              <a:t>19/10/2016</a:t>
+              <a:t>23/10/2016</a:t>
             </a:fld>
             <a:endParaRPr lang="fr-FR"/>
           </a:p>
@@ -2347,7 +2350,7 @@
           <a:p>
             <a:fld id="{E667A7D7-1609-4F0D-9145-57B6D06A46FC}" type="datetimeFigureOut">
               <a:rPr lang="fr-FR" smtClean="0"/>
-              <a:t>19/10/2016</a:t>
+              <a:t>23/10/2016</a:t>
             </a:fld>
             <a:endParaRPr lang="fr-FR"/>
           </a:p>
@@ -2558,7 +2561,7 @@
           <a:p>
             <a:fld id="{E667A7D7-1609-4F0D-9145-57B6D06A46FC}" type="datetimeFigureOut">
               <a:rPr lang="fr-FR" smtClean="0"/>
-              <a:t>19/10/2016</a:t>
+              <a:t>23/10/2016</a:t>
             </a:fld>
             <a:endParaRPr lang="fr-FR"/>
           </a:p>
@@ -6063,45 +6066,129 @@
         </p:nvSpPr>
         <p:spPr>
           <a:xfrm>
-            <a:off x="702692" y="3087672"/>
-            <a:ext cx="1988659" cy="741750"/>
+            <a:off x="2895599" y="1783976"/>
+            <a:ext cx="2760171" cy="1782988"/>
           </a:xfrm>
           <a:prstGeom prst="roundRect">
             <a:avLst>
-              <a:gd name="adj" fmla="val 6322"/>
+              <a:gd name="adj" fmla="val 5730"/>
             </a:avLst>
           </a:prstGeom>
         </p:spPr>
         <p:style>
-          <a:lnRef idx="2">
-            <a:schemeClr val="accent3">
+          <a:lnRef idx="3">
+            <a:schemeClr val="lt1"/>
+          </a:lnRef>
+          <a:fillRef idx="1">
+            <a:schemeClr val="accent3"/>
+          </a:fillRef>
+          <a:effectRef idx="1">
+            <a:schemeClr val="accent3"/>
+          </a:effectRef>
+          <a:fontRef idx="minor">
+            <a:schemeClr val="lt1"/>
+          </a:fontRef>
+        </p:style>
+        <p:txBody>
+          <a:bodyPr rtlCol="0" anchor="t" anchorCtr="0"/>
+          <a:lstStyle/>
+          <a:p>
+            <a:pPr algn="ctr"/>
+            <a:r>
+              <a:rPr lang="fr-FR" sz="1400" dirty="0" err="1"/>
+              <a:t>Symfony</a:t>
+            </a:r>
+            <a:endParaRPr lang="fr-FR" sz="1400" dirty="0"/>
+          </a:p>
+        </p:txBody>
+      </p:sp>
+      <p:sp>
+        <p:nvSpPr>
+          <p:cNvPr id="5" name="Rectangle : coins arrondis 4"/>
+          <p:cNvSpPr/>
+          <p:nvPr/>
+        </p:nvSpPr>
+        <p:spPr>
+          <a:xfrm>
+            <a:off x="6680200" y="3199195"/>
+            <a:ext cx="2707640" cy="884724"/>
+          </a:xfrm>
+          <a:prstGeom prst="roundRect">
+            <a:avLst>
+              <a:gd name="adj" fmla="val 5730"/>
+            </a:avLst>
+          </a:prstGeom>
+        </p:spPr>
+        <p:style>
+          <a:lnRef idx="3">
+            <a:schemeClr val="lt1"/>
+          </a:lnRef>
+          <a:fillRef idx="1">
+            <a:schemeClr val="accent3"/>
+          </a:fillRef>
+          <a:effectRef idx="1">
+            <a:schemeClr val="accent3"/>
+          </a:effectRef>
+          <a:fontRef idx="minor">
+            <a:schemeClr val="lt1"/>
+          </a:fontRef>
+        </p:style>
+        <p:txBody>
+          <a:bodyPr rtlCol="0" anchor="t" anchorCtr="0"/>
+          <a:lstStyle/>
+          <a:p>
+            <a:pPr algn="ctr"/>
+            <a:r>
+              <a:rPr lang="fr-FR" sz="1400" dirty="0" err="1"/>
+              <a:t>WeatherApiServiceProvider</a:t>
+            </a:r>
+            <a:endParaRPr lang="fr-FR" sz="1400" dirty="0"/>
+          </a:p>
+        </p:txBody>
+      </p:sp>
+      <p:sp>
+        <p:nvSpPr>
+          <p:cNvPr id="7" name="Rectangle : coins arrondis 6"/>
+          <p:cNvSpPr/>
+          <p:nvPr/>
+        </p:nvSpPr>
+        <p:spPr>
+          <a:xfrm>
+            <a:off x="6794499" y="3595435"/>
+            <a:ext cx="2417233" cy="350520"/>
+          </a:xfrm>
+          <a:prstGeom prst="roundRect">
+            <a:avLst/>
+          </a:prstGeom>
+        </p:spPr>
+        <p:style>
+          <a:lnRef idx="2">
+            <a:schemeClr val="accent1">
               <a:shade val="50000"/>
             </a:schemeClr>
           </a:lnRef>
           <a:fillRef idx="1">
-            <a:schemeClr val="accent3"/>
-          </a:fillRef>
-          <a:effectRef idx="0">
-            <a:schemeClr val="accent3"/>
-          </a:effectRef>
-          <a:fontRef idx="minor">
-            <a:schemeClr val="lt1"/>
-          </a:fontRef>
-        </p:style>
-        <p:txBody>
-          <a:bodyPr rtlCol="0" anchor="ctr"/>
-          <a:lstStyle/>
-          <a:p>
-            <a:pPr algn="ctr"/>
-            <a:r>
-              <a:rPr lang="fr-FR" dirty="0"/>
-              <a:t>l33t/</a:t>
-            </a:r>
-            <a:r>
-              <a:rPr lang="fr-FR" dirty="0" err="1"/>
-              <a:t>weatherapi</a:t>
-            </a:r>
-            <a:endParaRPr lang="fr-FR" dirty="0">
+            <a:schemeClr val="accent1"/>
+          </a:fillRef>
+          <a:effectRef idx="0">
+            <a:schemeClr val="accent1"/>
+          </a:effectRef>
+          <a:fontRef idx="minor">
+            <a:schemeClr val="lt1"/>
+          </a:fontRef>
+        </p:style>
+        <p:txBody>
+          <a:bodyPr rtlCol="0" anchor="ctr"/>
+          <a:lstStyle/>
+          <a:p>
+            <a:pPr algn="ctr"/>
+            <a:r>
+              <a:rPr lang="fr-FR" sz="1200" dirty="0" err="1">
+                <a:latin typeface="Consolas" panose="020B0609020204030204" pitchFamily="49" charset="0"/>
+              </a:rPr>
+              <a:t>WeatherApi</a:t>
+            </a:r>
+            <a:endParaRPr lang="fr-FR" sz="1200" dirty="0">
               <a:latin typeface="Consolas" panose="020B0609020204030204" pitchFamily="49" charset="0"/>
             </a:endParaRPr>
           </a:p>
@@ -6109,144 +6196,366 @@
       </p:sp>
       <p:sp>
         <p:nvSpPr>
-          <p:cNvPr id="18" name="Flèche : droite 17"/>
-          <p:cNvSpPr/>
-          <p:nvPr/>
-        </p:nvSpPr>
-        <p:spPr>
-          <a:xfrm rot="18900000">
-            <a:off x="2819047" y="2833480"/>
-            <a:ext cx="664422" cy="204621"/>
-          </a:xfrm>
-          <a:prstGeom prst="rightArrow">
+          <p:cNvPr id="9" name="Rectangle : coins arrondis 8"/>
+          <p:cNvSpPr/>
+          <p:nvPr/>
+        </p:nvSpPr>
+        <p:spPr>
+          <a:xfrm>
+            <a:off x="3192780" y="3078480"/>
+            <a:ext cx="2229274" cy="350520"/>
+          </a:xfrm>
+          <a:prstGeom prst="roundRect">
             <a:avLst/>
           </a:prstGeom>
-          <a:ln/>
-        </p:spPr>
-        <p:style>
-          <a:lnRef idx="2">
-            <a:schemeClr val="accent3">
+        </p:spPr>
+        <p:style>
+          <a:lnRef idx="2">
+            <a:schemeClr val="accent1">
               <a:shade val="50000"/>
             </a:schemeClr>
           </a:lnRef>
           <a:fillRef idx="1">
-            <a:schemeClr val="accent3"/>
-          </a:fillRef>
-          <a:effectRef idx="0">
-            <a:schemeClr val="accent3"/>
-          </a:effectRef>
-          <a:fontRef idx="minor">
-            <a:schemeClr val="lt1"/>
-          </a:fontRef>
-        </p:style>
-        <p:txBody>
-          <a:bodyPr rtlCol="0" anchor="ctr"/>
-          <a:lstStyle/>
-          <a:p>
-            <a:pPr algn="ctr"/>
-            <a:endParaRPr lang="fr-FR"/>
-          </a:p>
-        </p:txBody>
-      </p:sp>
-      <p:sp>
-        <p:nvSpPr>
-          <p:cNvPr id="19" name="Rectangle : coins arrondis 18"/>
-          <p:cNvSpPr/>
-          <p:nvPr/>
-        </p:nvSpPr>
-        <p:spPr>
-          <a:xfrm>
-            <a:off x="3767259" y="455049"/>
-            <a:ext cx="3623492" cy="414716"/>
+            <a:schemeClr val="accent1"/>
+          </a:fillRef>
+          <a:effectRef idx="0">
+            <a:schemeClr val="accent1"/>
+          </a:effectRef>
+          <a:fontRef idx="minor">
+            <a:schemeClr val="lt1"/>
+          </a:fontRef>
+        </p:style>
+        <p:txBody>
+          <a:bodyPr rtlCol="0" anchor="ctr"/>
+          <a:lstStyle/>
+          <a:p>
+            <a:pPr algn="ctr"/>
+            <a:r>
+              <a:rPr lang="fr-FR" sz="1200" dirty="0" err="1">
+                <a:latin typeface="Consolas" panose="020B0609020204030204" pitchFamily="49" charset="0"/>
+              </a:rPr>
+              <a:t>Psr</a:t>
+            </a:r>
+            <a:r>
+              <a:rPr lang="fr-FR" sz="1200" dirty="0">
+                <a:latin typeface="Consolas" panose="020B0609020204030204" pitchFamily="49" charset="0"/>
+              </a:rPr>
+              <a:t>\Log\</a:t>
+            </a:r>
+            <a:r>
+              <a:rPr lang="fr-FR" sz="1200" dirty="0" err="1">
+                <a:latin typeface="Consolas" panose="020B0609020204030204" pitchFamily="49" charset="0"/>
+              </a:rPr>
+              <a:t>LoggerInterface</a:t>
+            </a:r>
+            <a:endParaRPr lang="fr-FR" sz="1200" dirty="0">
+              <a:latin typeface="Consolas" panose="020B0609020204030204" pitchFamily="49" charset="0"/>
+            </a:endParaRPr>
+          </a:p>
+        </p:txBody>
+      </p:sp>
+      <p:cxnSp>
+        <p:nvCxnSpPr>
+          <p:cNvPr id="15" name="Connecteur : en angle 14"/>
+          <p:cNvCxnSpPr>
+            <a:stCxn id="7" idx="1"/>
+            <a:endCxn id="9" idx="3"/>
+          </p:cNvCxnSpPr>
+          <p:nvPr/>
+        </p:nvCxnSpPr>
+        <p:spPr>
+          <a:xfrm rot="10800000">
+            <a:off x="5422055" y="3253741"/>
+            <a:ext cx="1372445" cy="516955"/>
+          </a:xfrm>
+          <a:prstGeom prst="bentConnector3">
+            <a:avLst>
+              <a:gd name="adj1" fmla="val 50000"/>
+            </a:avLst>
+          </a:prstGeom>
+          <a:ln>
+            <a:tailEnd type="triangle"/>
+          </a:ln>
+        </p:spPr>
+        <p:style>
+          <a:lnRef idx="3">
+            <a:schemeClr val="accent1"/>
+          </a:lnRef>
+          <a:fillRef idx="0">
+            <a:schemeClr val="accent1"/>
+          </a:fillRef>
+          <a:effectRef idx="2">
+            <a:schemeClr val="accent1"/>
+          </a:effectRef>
+          <a:fontRef idx="minor">
+            <a:schemeClr val="tx1"/>
+          </a:fontRef>
+        </p:style>
+      </p:cxnSp>
+      <p:sp>
+        <p:nvSpPr>
+          <p:cNvPr id="3" name="ZoneTexte 2"/>
+          <p:cNvSpPr txBox="1"/>
+          <p:nvPr/>
+        </p:nvSpPr>
+        <p:spPr>
+          <a:xfrm>
+            <a:off x="5655770" y="2794471"/>
+            <a:ext cx="4358886" cy="307777"/>
+          </a:xfrm>
+          <a:prstGeom prst="rect">
+            <a:avLst/>
+          </a:prstGeom>
+          <a:noFill/>
+        </p:spPr>
+        <p:txBody>
+          <a:bodyPr wrap="none" rtlCol="0">
+            <a:spAutoFit/>
+          </a:bodyPr>
+          <a:lstStyle/>
+          <a:p>
+            <a:r>
+              <a:rPr lang="fr-FR" sz="1400" dirty="0">
+                <a:latin typeface="Consolas" panose="020B0609020204030204" pitchFamily="49" charset="0"/>
+              </a:rPr>
+              <a:t>$container-&gt;</a:t>
+            </a:r>
+            <a:r>
+              <a:rPr lang="fr-FR" sz="1400" dirty="0" err="1">
+                <a:latin typeface="Consolas" panose="020B0609020204030204" pitchFamily="49" charset="0"/>
+              </a:rPr>
+              <a:t>get</a:t>
+            </a:r>
+            <a:r>
+              <a:rPr lang="fr-FR" sz="1400" dirty="0">
+                <a:latin typeface="Consolas" panose="020B0609020204030204" pitchFamily="49" charset="0"/>
+              </a:rPr>
+              <a:t>(‘</a:t>
+            </a:r>
+            <a:r>
+              <a:rPr lang="fr-FR" sz="1400" dirty="0" err="1">
+                <a:latin typeface="Consolas" panose="020B0609020204030204" pitchFamily="49" charset="0"/>
+              </a:rPr>
+              <a:t>Psr</a:t>
+            </a:r>
+            <a:r>
+              <a:rPr lang="fr-FR" sz="1400" dirty="0">
+                <a:latin typeface="Consolas" panose="020B0609020204030204" pitchFamily="49" charset="0"/>
+              </a:rPr>
+              <a:t>\Log\</a:t>
+            </a:r>
+            <a:r>
+              <a:rPr lang="fr-FR" sz="1400" dirty="0" err="1">
+                <a:latin typeface="Consolas" panose="020B0609020204030204" pitchFamily="49" charset="0"/>
+              </a:rPr>
+              <a:t>LoggerInterface</a:t>
+            </a:r>
+            <a:r>
+              <a:rPr lang="fr-FR" sz="1400" dirty="0">
+                <a:latin typeface="Consolas" panose="020B0609020204030204" pitchFamily="49" charset="0"/>
+              </a:rPr>
+              <a:t>’)</a:t>
+            </a:r>
+          </a:p>
+        </p:txBody>
+      </p:sp>
+      <p:sp>
+        <p:nvSpPr>
+          <p:cNvPr id="16" name="Rectangle : coins arrondis 15"/>
+          <p:cNvSpPr/>
+          <p:nvPr/>
+        </p:nvSpPr>
+        <p:spPr>
+          <a:xfrm>
+            <a:off x="2895599" y="3687679"/>
+            <a:ext cx="2760171" cy="884724"/>
           </a:xfrm>
           <a:prstGeom prst="roundRect">
             <a:avLst>
-              <a:gd name="adj" fmla="val 6322"/>
+              <a:gd name="adj" fmla="val 5730"/>
             </a:avLst>
           </a:prstGeom>
         </p:spPr>
         <p:style>
-          <a:lnRef idx="2">
-            <a:schemeClr val="accent3">
+          <a:lnRef idx="3">
+            <a:schemeClr val="lt1"/>
+          </a:lnRef>
+          <a:fillRef idx="1">
+            <a:schemeClr val="accent3"/>
+          </a:fillRef>
+          <a:effectRef idx="1">
+            <a:schemeClr val="accent3"/>
+          </a:effectRef>
+          <a:fontRef idx="minor">
+            <a:schemeClr val="lt1"/>
+          </a:fontRef>
+        </p:style>
+        <p:txBody>
+          <a:bodyPr rtlCol="0" anchor="t" anchorCtr="0"/>
+          <a:lstStyle/>
+          <a:p>
+            <a:pPr algn="ctr"/>
+            <a:r>
+              <a:rPr lang="fr-FR" sz="1400" dirty="0" err="1"/>
+              <a:t>Laravel</a:t>
+            </a:r>
+            <a:endParaRPr lang="fr-FR" sz="1400" dirty="0"/>
+          </a:p>
+        </p:txBody>
+      </p:sp>
+      <p:sp>
+        <p:nvSpPr>
+          <p:cNvPr id="17" name="Rectangle : coins arrondis 16"/>
+          <p:cNvSpPr/>
+          <p:nvPr/>
+        </p:nvSpPr>
+        <p:spPr>
+          <a:xfrm>
+            <a:off x="3192780" y="4083919"/>
+            <a:ext cx="2229274" cy="350520"/>
+          </a:xfrm>
+          <a:prstGeom prst="roundRect">
+            <a:avLst/>
+          </a:prstGeom>
+        </p:spPr>
+        <p:style>
+          <a:lnRef idx="2">
+            <a:schemeClr val="accent1">
               <a:shade val="50000"/>
             </a:schemeClr>
           </a:lnRef>
           <a:fillRef idx="1">
-            <a:schemeClr val="accent3"/>
-          </a:fillRef>
-          <a:effectRef idx="0">
-            <a:schemeClr val="accent3"/>
-          </a:effectRef>
-          <a:fontRef idx="minor">
-            <a:schemeClr val="lt1"/>
-          </a:fontRef>
-        </p:style>
-        <p:txBody>
-          <a:bodyPr rtlCol="0" anchor="ctr"/>
-          <a:lstStyle/>
-          <a:p>
-            <a:pPr algn="ctr"/>
-            <a:r>
-              <a:rPr lang="fr-FR" dirty="0"/>
-              <a:t>l33t/</a:t>
-            </a:r>
-            <a:r>
-              <a:rPr lang="fr-FR" dirty="0" err="1"/>
-              <a:t>weatherapi</a:t>
-            </a:r>
-            <a:r>
-              <a:rPr lang="fr-FR" dirty="0"/>
-              <a:t>-bundle</a:t>
-            </a:r>
-            <a:endParaRPr lang="fr-FR" dirty="0">
+            <a:schemeClr val="accent1"/>
+          </a:fillRef>
+          <a:effectRef idx="0">
+            <a:schemeClr val="accent1"/>
+          </a:effectRef>
+          <a:fontRef idx="minor">
+            <a:schemeClr val="lt1"/>
+          </a:fontRef>
+        </p:style>
+        <p:txBody>
+          <a:bodyPr rtlCol="0" anchor="ctr"/>
+          <a:lstStyle/>
+          <a:p>
+            <a:pPr algn="ctr"/>
+            <a:r>
+              <a:rPr lang="fr-FR" sz="1200" dirty="0" err="1">
+                <a:latin typeface="Consolas" panose="020B0609020204030204" pitchFamily="49" charset="0"/>
+              </a:rPr>
+              <a:t>Psr</a:t>
+            </a:r>
+            <a:r>
+              <a:rPr lang="fr-FR" sz="1200" dirty="0">
+                <a:latin typeface="Consolas" panose="020B0609020204030204" pitchFamily="49" charset="0"/>
+              </a:rPr>
+              <a:t>\Log\</a:t>
+            </a:r>
+            <a:r>
+              <a:rPr lang="fr-FR" sz="1200" dirty="0" err="1">
+                <a:latin typeface="Consolas" panose="020B0609020204030204" pitchFamily="49" charset="0"/>
+              </a:rPr>
+              <a:t>LoggerInterface</a:t>
+            </a:r>
+            <a:endParaRPr lang="fr-FR" sz="1200" dirty="0">
               <a:latin typeface="Consolas" panose="020B0609020204030204" pitchFamily="49" charset="0"/>
             </a:endParaRPr>
           </a:p>
         </p:txBody>
       </p:sp>
-      <p:sp>
-        <p:nvSpPr>
-          <p:cNvPr id="20" name="Rectangle : coins arrondis 19"/>
-          <p:cNvSpPr/>
-          <p:nvPr/>
-        </p:nvSpPr>
-        <p:spPr>
-          <a:xfrm>
-            <a:off x="3767259" y="955632"/>
-            <a:ext cx="3623492" cy="414716"/>
+      <p:cxnSp>
+        <p:nvCxnSpPr>
+          <p:cNvPr id="20" name="Connecteur : en angle 19"/>
+          <p:cNvCxnSpPr>
+            <a:stCxn id="7" idx="1"/>
+            <a:endCxn id="17" idx="3"/>
+          </p:cNvCxnSpPr>
+          <p:nvPr/>
+        </p:nvCxnSpPr>
+        <p:spPr>
+          <a:xfrm rot="10800000" flipV="1">
+            <a:off x="5422055" y="3770695"/>
+            <a:ext cx="1372445" cy="488484"/>
+          </a:xfrm>
+          <a:prstGeom prst="bentConnector3">
+            <a:avLst>
+              <a:gd name="adj1" fmla="val 50000"/>
+            </a:avLst>
+          </a:prstGeom>
+          <a:ln>
+            <a:tailEnd type="triangle"/>
+          </a:ln>
+        </p:spPr>
+        <p:style>
+          <a:lnRef idx="3">
+            <a:schemeClr val="accent1"/>
+          </a:lnRef>
+          <a:fillRef idx="0">
+            <a:schemeClr val="accent1"/>
+          </a:fillRef>
+          <a:effectRef idx="2">
+            <a:schemeClr val="accent1"/>
+          </a:effectRef>
+          <a:fontRef idx="minor">
+            <a:schemeClr val="tx1"/>
+          </a:fontRef>
+        </p:style>
+      </p:cxnSp>
+      <p:sp>
+        <p:nvSpPr>
+          <p:cNvPr id="19" name="Rectangle : coins arrondis 18"/>
+          <p:cNvSpPr/>
+          <p:nvPr/>
+        </p:nvSpPr>
+        <p:spPr>
+          <a:xfrm>
+            <a:off x="3192780" y="2619211"/>
+            <a:ext cx="2229274" cy="350520"/>
           </a:xfrm>
           <a:prstGeom prst="roundRect">
-            <a:avLst>
-              <a:gd name="adj" fmla="val 6322"/>
-            </a:avLst>
-          </a:prstGeom>
-        </p:spPr>
-        <p:style>
-          <a:lnRef idx="2">
-            <a:schemeClr val="accent3">
+            <a:avLst/>
+          </a:prstGeom>
+        </p:spPr>
+        <p:style>
+          <a:lnRef idx="2">
+            <a:schemeClr val="accent1">
               <a:shade val="50000"/>
             </a:schemeClr>
           </a:lnRef>
           <a:fillRef idx="1">
-            <a:schemeClr val="accent3"/>
-          </a:fillRef>
-          <a:effectRef idx="0">
-            <a:schemeClr val="accent3"/>
-          </a:effectRef>
-          <a:fontRef idx="minor">
-            <a:schemeClr val="lt1"/>
-          </a:fontRef>
-        </p:style>
-        <p:txBody>
-          <a:bodyPr rtlCol="0" anchor="ctr"/>
-          <a:lstStyle/>
-          <a:p>
-            <a:pPr algn="ctr"/>
-            <a:r>
-              <a:rPr lang="fr-FR" dirty="0"/>
-              <a:t>l33t/weatherapi-zf2-module</a:t>
-            </a:r>
-            <a:endParaRPr lang="fr-FR" dirty="0">
+            <a:schemeClr val="accent1"/>
+          </a:fillRef>
+          <a:effectRef idx="0">
+            <a:schemeClr val="accent1"/>
+          </a:effectRef>
+          <a:fontRef idx="minor">
+            <a:schemeClr val="lt1"/>
+          </a:fontRef>
+        </p:style>
+        <p:txBody>
+          <a:bodyPr rtlCol="0" anchor="ctr"/>
+          <a:lstStyle/>
+          <a:p>
+            <a:pPr algn="ctr"/>
+            <a:r>
+              <a:rPr lang="fr-FR" sz="1200" dirty="0" err="1">
+                <a:latin typeface="Consolas" panose="020B0609020204030204" pitchFamily="49" charset="0"/>
+              </a:rPr>
+              <a:t>Monolog</a:t>
+            </a:r>
+            <a:r>
+              <a:rPr lang="fr-FR" sz="1200" dirty="0">
+                <a:latin typeface="Consolas" panose="020B0609020204030204" pitchFamily="49" charset="0"/>
+              </a:rPr>
+              <a:t>\</a:t>
+            </a:r>
+            <a:r>
+              <a:rPr lang="fr-FR" sz="1200" dirty="0" err="1">
+                <a:latin typeface="Consolas" panose="020B0609020204030204" pitchFamily="49" charset="0"/>
+              </a:rPr>
+              <a:t>Logger</a:t>
+            </a:r>
+            <a:endParaRPr lang="fr-FR" sz="1200" dirty="0">
               <a:latin typeface="Consolas" panose="020B0609020204030204" pitchFamily="49" charset="0"/>
             </a:endParaRPr>
           </a:p>
@@ -6260,1745 +6569,184 @@
         </p:nvSpPr>
         <p:spPr>
           <a:xfrm>
-            <a:off x="3767259" y="1456215"/>
-            <a:ext cx="3623492" cy="414716"/>
+            <a:off x="3192780" y="2168338"/>
+            <a:ext cx="2229274" cy="350520"/>
           </a:xfrm>
           <a:prstGeom prst="roundRect">
+            <a:avLst/>
+          </a:prstGeom>
+        </p:spPr>
+        <p:style>
+          <a:lnRef idx="2">
+            <a:schemeClr val="accent1">
+              <a:shade val="50000"/>
+            </a:schemeClr>
+          </a:lnRef>
+          <a:fillRef idx="1">
+            <a:schemeClr val="accent1"/>
+          </a:fillRef>
+          <a:effectRef idx="0">
+            <a:schemeClr val="accent1"/>
+          </a:effectRef>
+          <a:fontRef idx="minor">
+            <a:schemeClr val="lt1"/>
+          </a:fontRef>
+        </p:style>
+        <p:txBody>
+          <a:bodyPr rtlCol="0" anchor="ctr"/>
+          <a:lstStyle/>
+          <a:p>
+            <a:pPr algn="ctr"/>
+            <a:r>
+              <a:rPr lang="fr-FR" sz="1200" dirty="0" err="1">
+                <a:latin typeface="Consolas" panose="020B0609020204030204" pitchFamily="49" charset="0"/>
+              </a:rPr>
+              <a:t>logger</a:t>
+            </a:r>
+            <a:endParaRPr lang="fr-FR" sz="1200" dirty="0">
+              <a:latin typeface="Consolas" panose="020B0609020204030204" pitchFamily="49" charset="0"/>
+            </a:endParaRPr>
+          </a:p>
+        </p:txBody>
+      </p:sp>
+      <p:cxnSp>
+        <p:nvCxnSpPr>
+          <p:cNvPr id="11" name="Connecteur : en arc 10"/>
+          <p:cNvCxnSpPr>
+            <a:stCxn id="9" idx="1"/>
+            <a:endCxn id="19" idx="1"/>
+          </p:cNvCxnSpPr>
+          <p:nvPr/>
+        </p:nvCxnSpPr>
+        <p:spPr>
+          <a:xfrm rot="10800000">
+            <a:off x="3192780" y="2794472"/>
+            <a:ext cx="12700" cy="459269"/>
+          </a:xfrm>
+          <a:prstGeom prst="curvedConnector3">
             <a:avLst>
-              <a:gd name="adj" fmla="val 6322"/>
+              <a:gd name="adj1" fmla="val 1800000"/>
             </a:avLst>
           </a:prstGeom>
-        </p:spPr>
-        <p:style>
-          <a:lnRef idx="2">
-            <a:schemeClr val="accent3">
-              <a:shade val="50000"/>
-            </a:schemeClr>
-          </a:lnRef>
-          <a:fillRef idx="1">
-            <a:schemeClr val="accent3"/>
-          </a:fillRef>
-          <a:effectRef idx="0">
-            <a:schemeClr val="accent3"/>
-          </a:effectRef>
-          <a:fontRef idx="minor">
-            <a:schemeClr val="lt1"/>
-          </a:fontRef>
-        </p:style>
-        <p:txBody>
-          <a:bodyPr rtlCol="0" anchor="ctr"/>
-          <a:lstStyle/>
-          <a:p>
-            <a:pPr algn="ctr"/>
-            <a:r>
-              <a:rPr lang="fr-FR" dirty="0"/>
-              <a:t>l33t/</a:t>
-            </a:r>
-            <a:r>
-              <a:rPr lang="fr-FR" dirty="0" err="1"/>
-              <a:t>weatherapi</a:t>
-            </a:r>
-            <a:r>
-              <a:rPr lang="fr-FR" dirty="0"/>
-              <a:t>-</a:t>
-            </a:r>
-            <a:r>
-              <a:rPr lang="fr-FR" dirty="0" err="1"/>
-              <a:t>laravel</a:t>
-            </a:r>
-            <a:r>
-              <a:rPr lang="fr-FR" dirty="0"/>
-              <a:t>-module</a:t>
-            </a:r>
-          </a:p>
-        </p:txBody>
-      </p:sp>
-      <p:sp>
-        <p:nvSpPr>
-          <p:cNvPr id="22" name="Rectangle : coins arrondis 21"/>
-          <p:cNvSpPr/>
-          <p:nvPr/>
-        </p:nvSpPr>
-        <p:spPr>
-          <a:xfrm>
-            <a:off x="3767259" y="1956798"/>
-            <a:ext cx="3623492" cy="414716"/>
-          </a:xfrm>
-          <a:prstGeom prst="roundRect">
+          <a:ln>
+            <a:tailEnd type="triangle"/>
+          </a:ln>
+        </p:spPr>
+        <p:style>
+          <a:lnRef idx="3">
+            <a:schemeClr val="accent1"/>
+          </a:lnRef>
+          <a:fillRef idx="0">
+            <a:schemeClr val="accent1"/>
+          </a:fillRef>
+          <a:effectRef idx="2">
+            <a:schemeClr val="accent1"/>
+          </a:effectRef>
+          <a:fontRef idx="minor">
+            <a:schemeClr val="tx1"/>
+          </a:fontRef>
+        </p:style>
+      </p:cxnSp>
+      <p:cxnSp>
+        <p:nvCxnSpPr>
+          <p:cNvPr id="22" name="Connecteur : en arc 21"/>
+          <p:cNvCxnSpPr>
+            <a:stCxn id="19" idx="1"/>
+            <a:endCxn id="21" idx="1"/>
+          </p:cNvCxnSpPr>
+          <p:nvPr/>
+        </p:nvCxnSpPr>
+        <p:spPr>
+          <a:xfrm rot="10800000">
+            <a:off x="3192780" y="2343599"/>
+            <a:ext cx="12700" cy="450873"/>
+          </a:xfrm>
+          <a:prstGeom prst="curvedConnector3">
             <a:avLst>
-              <a:gd name="adj" fmla="val 6322"/>
+              <a:gd name="adj1" fmla="val 1800000"/>
             </a:avLst>
           </a:prstGeom>
-        </p:spPr>
-        <p:style>
-          <a:lnRef idx="2">
-            <a:schemeClr val="accent3">
-              <a:shade val="50000"/>
-            </a:schemeClr>
-          </a:lnRef>
-          <a:fillRef idx="1">
-            <a:schemeClr val="accent3"/>
-          </a:fillRef>
-          <a:effectRef idx="0">
-            <a:schemeClr val="accent3"/>
-          </a:effectRef>
-          <a:fontRef idx="minor">
-            <a:schemeClr val="lt1"/>
-          </a:fontRef>
-        </p:style>
-        <p:txBody>
-          <a:bodyPr rtlCol="0" anchor="ctr"/>
-          <a:lstStyle/>
-          <a:p>
-            <a:pPr algn="ctr"/>
-            <a:r>
-              <a:rPr lang="fr-FR" dirty="0"/>
-              <a:t>l33t/</a:t>
-            </a:r>
-            <a:r>
-              <a:rPr lang="fr-FR" dirty="0" err="1"/>
-              <a:t>weatherapi</a:t>
-            </a:r>
-            <a:r>
-              <a:rPr lang="fr-FR" dirty="0"/>
-              <a:t>-</a:t>
-            </a:r>
-            <a:r>
-              <a:rPr lang="fr-FR" dirty="0" err="1"/>
-              <a:t>drupal</a:t>
-            </a:r>
-            <a:r>
-              <a:rPr lang="fr-FR" dirty="0"/>
-              <a:t>-module</a:t>
-            </a:r>
-          </a:p>
-        </p:txBody>
-      </p:sp>
-      <p:sp>
-        <p:nvSpPr>
-          <p:cNvPr id="23" name="Flèche : droite 22"/>
-          <p:cNvSpPr/>
-          <p:nvPr/>
-        </p:nvSpPr>
-        <p:spPr>
-          <a:xfrm rot="2700000">
-            <a:off x="2819049" y="3881265"/>
-            <a:ext cx="664422" cy="204621"/>
-          </a:xfrm>
-          <a:prstGeom prst="rightArrow">
+          <a:ln>
+            <a:tailEnd type="triangle"/>
+          </a:ln>
+        </p:spPr>
+        <p:style>
+          <a:lnRef idx="3">
+            <a:schemeClr val="accent1"/>
+          </a:lnRef>
+          <a:fillRef idx="0">
+            <a:schemeClr val="accent1"/>
+          </a:fillRef>
+          <a:effectRef idx="2">
+            <a:schemeClr val="accent1"/>
+          </a:effectRef>
+          <a:fontRef idx="minor">
+            <a:schemeClr val="tx1"/>
+          </a:fontRef>
+        </p:style>
+      </p:cxnSp>
+      <p:sp>
+        <p:nvSpPr>
+          <p:cNvPr id="24" name="ZoneTexte 23"/>
+          <p:cNvSpPr txBox="1"/>
+          <p:nvPr/>
+        </p:nvSpPr>
+        <p:spPr>
+          <a:xfrm>
+            <a:off x="2398811" y="2415147"/>
+            <a:ext cx="529312" cy="307777"/>
+          </a:xfrm>
+          <a:prstGeom prst="rect">
             <a:avLst/>
           </a:prstGeom>
-          <a:ln/>
-        </p:spPr>
-        <p:style>
-          <a:lnRef idx="2">
-            <a:schemeClr val="accent3">
-              <a:shade val="50000"/>
-            </a:schemeClr>
-          </a:lnRef>
-          <a:fillRef idx="1">
-            <a:schemeClr val="accent3"/>
-          </a:fillRef>
-          <a:effectRef idx="0">
-            <a:schemeClr val="accent3"/>
-          </a:effectRef>
-          <a:fontRef idx="minor">
-            <a:schemeClr val="lt1"/>
-          </a:fontRef>
-        </p:style>
-        <p:txBody>
-          <a:bodyPr rtlCol="0" anchor="ctr"/>
-          <a:lstStyle/>
-          <a:p>
-            <a:pPr algn="ctr"/>
-            <a:endParaRPr lang="fr-FR"/>
-          </a:p>
-        </p:txBody>
-      </p:sp>
-      <p:sp>
-        <p:nvSpPr>
-          <p:cNvPr id="24" name="Flèche : droite 23"/>
-          <p:cNvSpPr/>
-          <p:nvPr/>
-        </p:nvSpPr>
-        <p:spPr>
-          <a:xfrm rot="900000">
-            <a:off x="2937226" y="3549992"/>
-            <a:ext cx="584670" cy="204621"/>
-          </a:xfrm>
-          <a:prstGeom prst="rightArrow">
+          <a:noFill/>
+        </p:spPr>
+        <p:txBody>
+          <a:bodyPr wrap="none" rtlCol="0">
+            <a:spAutoFit/>
+          </a:bodyPr>
+          <a:lstStyle/>
+          <a:p>
+            <a:r>
+              <a:rPr lang="fr-FR" sz="1400" dirty="0"/>
+              <a:t>Alias</a:t>
+            </a:r>
+          </a:p>
+        </p:txBody>
+      </p:sp>
+      <p:sp>
+        <p:nvSpPr>
+          <p:cNvPr id="25" name="ZoneTexte 24"/>
+          <p:cNvSpPr txBox="1"/>
+          <p:nvPr/>
+        </p:nvSpPr>
+        <p:spPr>
+          <a:xfrm>
+            <a:off x="2382549" y="2870218"/>
+            <a:ext cx="529312" cy="307777"/>
+          </a:xfrm>
+          <a:prstGeom prst="rect">
             <a:avLst/>
           </a:prstGeom>
-          <a:ln/>
-        </p:spPr>
-        <p:style>
-          <a:lnRef idx="2">
-            <a:schemeClr val="accent3">
-              <a:shade val="50000"/>
-            </a:schemeClr>
-          </a:lnRef>
-          <a:fillRef idx="1">
-            <a:schemeClr val="accent3"/>
-          </a:fillRef>
-          <a:effectRef idx="0">
-            <a:schemeClr val="accent3"/>
-          </a:effectRef>
-          <a:fontRef idx="minor">
-            <a:schemeClr val="lt1"/>
-          </a:fontRef>
-        </p:style>
-        <p:txBody>
-          <a:bodyPr rtlCol="0" anchor="ctr"/>
-          <a:lstStyle/>
-          <a:p>
-            <a:pPr algn="ctr"/>
-            <a:endParaRPr lang="fr-FR"/>
-          </a:p>
-        </p:txBody>
-      </p:sp>
-      <p:sp>
-        <p:nvSpPr>
-          <p:cNvPr id="25" name="Flèche : droite 24"/>
-          <p:cNvSpPr/>
-          <p:nvPr/>
-        </p:nvSpPr>
-        <p:spPr>
-          <a:xfrm rot="19800000">
-            <a:off x="2914460" y="3140734"/>
-            <a:ext cx="584670" cy="204621"/>
-          </a:xfrm>
-          <a:prstGeom prst="rightArrow">
-            <a:avLst/>
-          </a:prstGeom>
-          <a:ln/>
-        </p:spPr>
-        <p:style>
-          <a:lnRef idx="2">
-            <a:schemeClr val="accent3">
-              <a:shade val="50000"/>
-            </a:schemeClr>
-          </a:lnRef>
-          <a:fillRef idx="1">
-            <a:schemeClr val="accent3"/>
-          </a:fillRef>
-          <a:effectRef idx="0">
-            <a:schemeClr val="accent3"/>
-          </a:effectRef>
-          <a:fontRef idx="minor">
-            <a:schemeClr val="lt1"/>
-          </a:fontRef>
-        </p:style>
-        <p:txBody>
-          <a:bodyPr rtlCol="0" anchor="ctr"/>
-          <a:lstStyle/>
-          <a:p>
-            <a:pPr algn="ctr"/>
-            <a:endParaRPr lang="fr-FR"/>
-          </a:p>
-        </p:txBody>
-      </p:sp>
-      <p:sp>
-        <p:nvSpPr>
-          <p:cNvPr id="41" name="Rectangle : coins arrondis 40"/>
-          <p:cNvSpPr/>
-          <p:nvPr/>
-        </p:nvSpPr>
-        <p:spPr>
-          <a:xfrm>
-            <a:off x="8157914" y="455049"/>
-            <a:ext cx="2122362" cy="414716"/>
-          </a:xfrm>
-          <a:prstGeom prst="roundRect">
-            <a:avLst>
-              <a:gd name="adj" fmla="val 6322"/>
-            </a:avLst>
-          </a:prstGeom>
-        </p:spPr>
-        <p:style>
-          <a:lnRef idx="2">
-            <a:schemeClr val="accent4">
-              <a:shade val="50000"/>
-            </a:schemeClr>
-          </a:lnRef>
-          <a:fillRef idx="1">
-            <a:schemeClr val="accent4"/>
-          </a:fillRef>
-          <a:effectRef idx="0">
-            <a:schemeClr val="accent4"/>
-          </a:effectRef>
-          <a:fontRef idx="minor">
-            <a:schemeClr val="lt1"/>
-          </a:fontRef>
-        </p:style>
-        <p:txBody>
-          <a:bodyPr rtlCol="0" anchor="ctr"/>
-          <a:lstStyle/>
-          <a:p>
-            <a:pPr algn="ctr"/>
-            <a:r>
-              <a:rPr lang="fr-FR" dirty="0" err="1"/>
-              <a:t>Symfony</a:t>
-            </a:r>
-            <a:endParaRPr lang="fr-FR" dirty="0"/>
-          </a:p>
-        </p:txBody>
-      </p:sp>
-      <p:sp>
-        <p:nvSpPr>
-          <p:cNvPr id="42" name="Rectangle : coins arrondis 41"/>
-          <p:cNvSpPr/>
-          <p:nvPr/>
-        </p:nvSpPr>
-        <p:spPr>
-          <a:xfrm>
-            <a:off x="8157914" y="955632"/>
-            <a:ext cx="2122362" cy="414716"/>
-          </a:xfrm>
-          <a:prstGeom prst="roundRect">
-            <a:avLst>
-              <a:gd name="adj" fmla="val 6322"/>
-            </a:avLst>
-          </a:prstGeom>
-        </p:spPr>
-        <p:style>
-          <a:lnRef idx="2">
-            <a:schemeClr val="accent4">
-              <a:shade val="50000"/>
-            </a:schemeClr>
-          </a:lnRef>
-          <a:fillRef idx="1">
-            <a:schemeClr val="accent4"/>
-          </a:fillRef>
-          <a:effectRef idx="0">
-            <a:schemeClr val="accent4"/>
-          </a:effectRef>
-          <a:fontRef idx="minor">
-            <a:schemeClr val="lt1"/>
-          </a:fontRef>
-        </p:style>
-        <p:txBody>
-          <a:bodyPr rtlCol="0" anchor="ctr"/>
-          <a:lstStyle/>
-          <a:p>
-            <a:pPr algn="ctr"/>
-            <a:r>
-              <a:rPr lang="fr-FR" dirty="0"/>
-              <a:t>Zend Framework</a:t>
-            </a:r>
-          </a:p>
-        </p:txBody>
-      </p:sp>
-      <p:sp>
-        <p:nvSpPr>
-          <p:cNvPr id="43" name="Rectangle : coins arrondis 42"/>
-          <p:cNvSpPr/>
-          <p:nvPr/>
-        </p:nvSpPr>
-        <p:spPr>
-          <a:xfrm>
-            <a:off x="8157914" y="1456215"/>
-            <a:ext cx="2122362" cy="414716"/>
-          </a:xfrm>
-          <a:prstGeom prst="roundRect">
-            <a:avLst>
-              <a:gd name="adj" fmla="val 6322"/>
-            </a:avLst>
-          </a:prstGeom>
-        </p:spPr>
-        <p:style>
-          <a:lnRef idx="2">
-            <a:schemeClr val="accent4">
-              <a:shade val="50000"/>
-            </a:schemeClr>
-          </a:lnRef>
-          <a:fillRef idx="1">
-            <a:schemeClr val="accent4"/>
-          </a:fillRef>
-          <a:effectRef idx="0">
-            <a:schemeClr val="accent4"/>
-          </a:effectRef>
-          <a:fontRef idx="minor">
-            <a:schemeClr val="lt1"/>
-          </a:fontRef>
-        </p:style>
-        <p:txBody>
-          <a:bodyPr rtlCol="0" anchor="ctr"/>
-          <a:lstStyle/>
-          <a:p>
-            <a:pPr algn="ctr"/>
-            <a:r>
-              <a:rPr lang="fr-FR" dirty="0" err="1"/>
-              <a:t>Laravel</a:t>
-            </a:r>
-            <a:endParaRPr lang="fr-FR" dirty="0"/>
-          </a:p>
-        </p:txBody>
-      </p:sp>
-      <p:sp>
-        <p:nvSpPr>
-          <p:cNvPr id="44" name="Rectangle : coins arrondis 43"/>
-          <p:cNvSpPr/>
-          <p:nvPr/>
-        </p:nvSpPr>
-        <p:spPr>
-          <a:xfrm>
-            <a:off x="8157914" y="1956798"/>
-            <a:ext cx="2122362" cy="414716"/>
-          </a:xfrm>
-          <a:prstGeom prst="roundRect">
-            <a:avLst>
-              <a:gd name="adj" fmla="val 6322"/>
-            </a:avLst>
-          </a:prstGeom>
-        </p:spPr>
-        <p:style>
-          <a:lnRef idx="2">
-            <a:schemeClr val="accent4">
-              <a:shade val="50000"/>
-            </a:schemeClr>
-          </a:lnRef>
-          <a:fillRef idx="1">
-            <a:schemeClr val="accent4"/>
-          </a:fillRef>
-          <a:effectRef idx="0">
-            <a:schemeClr val="accent4"/>
-          </a:effectRef>
-          <a:fontRef idx="minor">
-            <a:schemeClr val="lt1"/>
-          </a:fontRef>
-        </p:style>
-        <p:txBody>
-          <a:bodyPr rtlCol="0" anchor="ctr"/>
-          <a:lstStyle/>
-          <a:p>
-            <a:pPr algn="ctr"/>
-            <a:r>
-              <a:rPr lang="fr-FR" dirty="0" err="1"/>
-              <a:t>Drupal</a:t>
-            </a:r>
-            <a:endParaRPr lang="fr-FR" dirty="0"/>
-          </a:p>
-        </p:txBody>
-      </p:sp>
-      <p:sp>
-        <p:nvSpPr>
-          <p:cNvPr id="45" name="Flèche : droite 44"/>
-          <p:cNvSpPr/>
-          <p:nvPr/>
-        </p:nvSpPr>
-        <p:spPr>
-          <a:xfrm>
-            <a:off x="7529558" y="566789"/>
-            <a:ext cx="518886" cy="204621"/>
-          </a:xfrm>
-          <a:prstGeom prst="rightArrow">
-            <a:avLst/>
-          </a:prstGeom>
-          <a:ln w="22225"/>
-        </p:spPr>
-        <p:style>
-          <a:lnRef idx="2">
-            <a:schemeClr val="accent4"/>
-          </a:lnRef>
-          <a:fillRef idx="1">
-            <a:schemeClr val="lt1"/>
-          </a:fillRef>
-          <a:effectRef idx="0">
-            <a:schemeClr val="accent4"/>
-          </a:effectRef>
-          <a:fontRef idx="minor">
-            <a:schemeClr val="dk1"/>
-          </a:fontRef>
-        </p:style>
-        <p:txBody>
-          <a:bodyPr rtlCol="0" anchor="ctr"/>
-          <a:lstStyle/>
-          <a:p>
-            <a:pPr algn="ctr"/>
-            <a:endParaRPr lang="fr-FR"/>
-          </a:p>
-        </p:txBody>
-      </p:sp>
-      <p:sp>
-        <p:nvSpPr>
-          <p:cNvPr id="46" name="Flèche : droite 45"/>
-          <p:cNvSpPr/>
-          <p:nvPr/>
-        </p:nvSpPr>
-        <p:spPr>
-          <a:xfrm>
-            <a:off x="7529558" y="1066580"/>
-            <a:ext cx="518886" cy="204621"/>
-          </a:xfrm>
-          <a:prstGeom prst="rightArrow">
-            <a:avLst/>
-          </a:prstGeom>
-          <a:ln w="22225"/>
-        </p:spPr>
-        <p:style>
-          <a:lnRef idx="2">
-            <a:schemeClr val="accent4"/>
-          </a:lnRef>
-          <a:fillRef idx="1">
-            <a:schemeClr val="lt1"/>
-          </a:fillRef>
-          <a:effectRef idx="0">
-            <a:schemeClr val="accent4"/>
-          </a:effectRef>
-          <a:fontRef idx="minor">
-            <a:schemeClr val="dk1"/>
-          </a:fontRef>
-        </p:style>
-        <p:txBody>
-          <a:bodyPr rtlCol="0" anchor="ctr"/>
-          <a:lstStyle/>
-          <a:p>
-            <a:pPr algn="ctr"/>
-            <a:endParaRPr lang="fr-FR"/>
-          </a:p>
-        </p:txBody>
-      </p:sp>
-      <p:sp>
-        <p:nvSpPr>
-          <p:cNvPr id="47" name="Flèche : droite 46"/>
-          <p:cNvSpPr/>
-          <p:nvPr/>
-        </p:nvSpPr>
-        <p:spPr>
-          <a:xfrm>
-            <a:off x="7529558" y="1566371"/>
-            <a:ext cx="518886" cy="204621"/>
-          </a:xfrm>
-          <a:prstGeom prst="rightArrow">
-            <a:avLst/>
-          </a:prstGeom>
-          <a:ln w="22225"/>
-        </p:spPr>
-        <p:style>
-          <a:lnRef idx="2">
-            <a:schemeClr val="accent4"/>
-          </a:lnRef>
-          <a:fillRef idx="1">
-            <a:schemeClr val="lt1"/>
-          </a:fillRef>
-          <a:effectRef idx="0">
-            <a:schemeClr val="accent4"/>
-          </a:effectRef>
-          <a:fontRef idx="minor">
-            <a:schemeClr val="dk1"/>
-          </a:fontRef>
-        </p:style>
-        <p:txBody>
-          <a:bodyPr rtlCol="0" anchor="ctr"/>
-          <a:lstStyle/>
-          <a:p>
-            <a:pPr algn="ctr"/>
-            <a:endParaRPr lang="fr-FR"/>
-          </a:p>
-        </p:txBody>
-      </p:sp>
-      <p:sp>
-        <p:nvSpPr>
-          <p:cNvPr id="48" name="Flèche : droite 47"/>
-          <p:cNvSpPr/>
-          <p:nvPr/>
-        </p:nvSpPr>
-        <p:spPr>
-          <a:xfrm>
-            <a:off x="7529558" y="2066162"/>
-            <a:ext cx="518886" cy="204621"/>
-          </a:xfrm>
-          <a:prstGeom prst="rightArrow">
-            <a:avLst/>
-          </a:prstGeom>
-          <a:ln w="22225"/>
-        </p:spPr>
-        <p:style>
-          <a:lnRef idx="2">
-            <a:schemeClr val="accent4"/>
-          </a:lnRef>
-          <a:fillRef idx="1">
-            <a:schemeClr val="lt1"/>
-          </a:fillRef>
-          <a:effectRef idx="0">
-            <a:schemeClr val="accent4"/>
-          </a:effectRef>
-          <a:fontRef idx="minor">
-            <a:schemeClr val="dk1"/>
-          </a:fontRef>
-        </p:style>
-        <p:txBody>
-          <a:bodyPr rtlCol="0" anchor="ctr"/>
-          <a:lstStyle/>
-          <a:p>
-            <a:pPr algn="ctr"/>
-            <a:endParaRPr lang="fr-FR"/>
-          </a:p>
-        </p:txBody>
-      </p:sp>
-      <p:sp>
-        <p:nvSpPr>
-          <p:cNvPr id="49" name="Rectangle : coins arrondis 48"/>
-          <p:cNvSpPr/>
-          <p:nvPr/>
-        </p:nvSpPr>
-        <p:spPr>
-          <a:xfrm>
-            <a:off x="3767259" y="2457381"/>
-            <a:ext cx="3623492" cy="414716"/>
-          </a:xfrm>
-          <a:prstGeom prst="roundRect">
-            <a:avLst>
-              <a:gd name="adj" fmla="val 6322"/>
-            </a:avLst>
-          </a:prstGeom>
-        </p:spPr>
-        <p:style>
-          <a:lnRef idx="2">
-            <a:schemeClr val="accent3">
-              <a:shade val="50000"/>
-            </a:schemeClr>
-          </a:lnRef>
-          <a:fillRef idx="1">
-            <a:schemeClr val="accent3"/>
-          </a:fillRef>
-          <a:effectRef idx="0">
-            <a:schemeClr val="accent3"/>
-          </a:effectRef>
-          <a:fontRef idx="minor">
-            <a:schemeClr val="lt1"/>
-          </a:fontRef>
-        </p:style>
-        <p:txBody>
-          <a:bodyPr rtlCol="0" anchor="ctr"/>
-          <a:lstStyle/>
-          <a:p>
-            <a:pPr algn="ctr"/>
-            <a:r>
-              <a:rPr lang="fr-FR" dirty="0"/>
-              <a:t>l33t/</a:t>
-            </a:r>
-            <a:r>
-              <a:rPr lang="fr-FR" dirty="0" err="1"/>
-              <a:t>weatherapi</a:t>
-            </a:r>
-            <a:r>
-              <a:rPr lang="fr-FR" dirty="0"/>
-              <a:t>-</a:t>
-            </a:r>
-            <a:r>
-              <a:rPr lang="fr-FR" dirty="0" err="1"/>
-              <a:t>wordpress</a:t>
-            </a:r>
-            <a:r>
-              <a:rPr lang="fr-FR" dirty="0"/>
-              <a:t>-module</a:t>
-            </a:r>
-          </a:p>
-        </p:txBody>
-      </p:sp>
-      <p:sp>
-        <p:nvSpPr>
-          <p:cNvPr id="50" name="Rectangle : coins arrondis 49"/>
-          <p:cNvSpPr/>
-          <p:nvPr/>
-        </p:nvSpPr>
-        <p:spPr>
-          <a:xfrm>
-            <a:off x="3767259" y="2957964"/>
-            <a:ext cx="3623492" cy="414716"/>
-          </a:xfrm>
-          <a:prstGeom prst="roundRect">
-            <a:avLst>
-              <a:gd name="adj" fmla="val 6322"/>
-            </a:avLst>
-          </a:prstGeom>
-        </p:spPr>
-        <p:style>
-          <a:lnRef idx="2">
-            <a:schemeClr val="accent3">
-              <a:shade val="50000"/>
-            </a:schemeClr>
-          </a:lnRef>
-          <a:fillRef idx="1">
-            <a:schemeClr val="accent3"/>
-          </a:fillRef>
-          <a:effectRef idx="0">
-            <a:schemeClr val="accent3"/>
-          </a:effectRef>
-          <a:fontRef idx="minor">
-            <a:schemeClr val="lt1"/>
-          </a:fontRef>
-        </p:style>
-        <p:txBody>
-          <a:bodyPr rtlCol="0" anchor="ctr"/>
-          <a:lstStyle/>
-          <a:p>
-            <a:pPr algn="ctr"/>
-            <a:r>
-              <a:rPr lang="fr-FR" dirty="0"/>
-              <a:t>l33t/</a:t>
-            </a:r>
-            <a:r>
-              <a:rPr lang="fr-FR" dirty="0" err="1"/>
-              <a:t>weatherapi</a:t>
-            </a:r>
-            <a:r>
-              <a:rPr lang="fr-FR" dirty="0"/>
-              <a:t>-</a:t>
-            </a:r>
-            <a:r>
-              <a:rPr lang="fr-FR" dirty="0" err="1"/>
-              <a:t>yii</a:t>
-            </a:r>
-            <a:r>
-              <a:rPr lang="fr-FR" dirty="0"/>
-              <a:t>-module</a:t>
-            </a:r>
-          </a:p>
-        </p:txBody>
-      </p:sp>
-      <p:sp>
-        <p:nvSpPr>
-          <p:cNvPr id="51" name="Rectangle : coins arrondis 50"/>
-          <p:cNvSpPr/>
-          <p:nvPr/>
-        </p:nvSpPr>
-        <p:spPr>
-          <a:xfrm>
-            <a:off x="3767259" y="3458547"/>
-            <a:ext cx="3623492" cy="414716"/>
-          </a:xfrm>
-          <a:prstGeom prst="roundRect">
-            <a:avLst>
-              <a:gd name="adj" fmla="val 6322"/>
-            </a:avLst>
-          </a:prstGeom>
-        </p:spPr>
-        <p:style>
-          <a:lnRef idx="2">
-            <a:schemeClr val="accent3">
-              <a:shade val="50000"/>
-            </a:schemeClr>
-          </a:lnRef>
-          <a:fillRef idx="1">
-            <a:schemeClr val="accent3"/>
-          </a:fillRef>
-          <a:effectRef idx="0">
-            <a:schemeClr val="accent3"/>
-          </a:effectRef>
-          <a:fontRef idx="minor">
-            <a:schemeClr val="lt1"/>
-          </a:fontRef>
-        </p:style>
-        <p:txBody>
-          <a:bodyPr rtlCol="0" anchor="ctr"/>
-          <a:lstStyle/>
-          <a:p>
-            <a:pPr algn="ctr"/>
-            <a:r>
-              <a:rPr lang="fr-FR" dirty="0"/>
-              <a:t>l33t/</a:t>
-            </a:r>
-            <a:r>
-              <a:rPr lang="fr-FR" dirty="0" err="1"/>
-              <a:t>weatherapi</a:t>
-            </a:r>
-            <a:r>
-              <a:rPr lang="fr-FR" dirty="0"/>
-              <a:t>-silex-module</a:t>
-            </a:r>
-          </a:p>
-        </p:txBody>
-      </p:sp>
-      <p:sp>
-        <p:nvSpPr>
-          <p:cNvPr id="52" name="Rectangle : coins arrondis 51"/>
-          <p:cNvSpPr/>
-          <p:nvPr/>
-        </p:nvSpPr>
-        <p:spPr>
-          <a:xfrm>
-            <a:off x="3767259" y="3959130"/>
-            <a:ext cx="3623492" cy="414716"/>
-          </a:xfrm>
-          <a:prstGeom prst="roundRect">
-            <a:avLst>
-              <a:gd name="adj" fmla="val 6322"/>
-            </a:avLst>
-          </a:prstGeom>
-        </p:spPr>
-        <p:style>
-          <a:lnRef idx="2">
-            <a:schemeClr val="accent3">
-              <a:shade val="50000"/>
-            </a:schemeClr>
-          </a:lnRef>
-          <a:fillRef idx="1">
-            <a:schemeClr val="accent3"/>
-          </a:fillRef>
-          <a:effectRef idx="0">
-            <a:schemeClr val="accent3"/>
-          </a:effectRef>
-          <a:fontRef idx="minor">
-            <a:schemeClr val="lt1"/>
-          </a:fontRef>
-        </p:style>
-        <p:txBody>
-          <a:bodyPr rtlCol="0" anchor="ctr"/>
-          <a:lstStyle/>
-          <a:p>
-            <a:pPr algn="ctr"/>
-            <a:r>
-              <a:rPr lang="fr-FR" dirty="0"/>
-              <a:t>l33t/</a:t>
-            </a:r>
-            <a:r>
-              <a:rPr lang="fr-FR" dirty="0" err="1"/>
-              <a:t>weatherapi</a:t>
-            </a:r>
-            <a:r>
-              <a:rPr lang="fr-FR" dirty="0"/>
-              <a:t>-</a:t>
-            </a:r>
-            <a:r>
-              <a:rPr lang="fr-FR" dirty="0" err="1"/>
-              <a:t>mouf</a:t>
-            </a:r>
-            <a:r>
-              <a:rPr lang="fr-FR" dirty="0"/>
-              <a:t>-installer</a:t>
-            </a:r>
-          </a:p>
-        </p:txBody>
-      </p:sp>
-      <p:sp>
-        <p:nvSpPr>
-          <p:cNvPr id="53" name="Rectangle : coins arrondis 52"/>
-          <p:cNvSpPr/>
-          <p:nvPr/>
-        </p:nvSpPr>
-        <p:spPr>
-          <a:xfrm>
-            <a:off x="3767259" y="4459713"/>
-            <a:ext cx="3623492" cy="414716"/>
-          </a:xfrm>
-          <a:prstGeom prst="roundRect">
-            <a:avLst>
-              <a:gd name="adj" fmla="val 6322"/>
-            </a:avLst>
-          </a:prstGeom>
-        </p:spPr>
-        <p:style>
-          <a:lnRef idx="2">
-            <a:schemeClr val="accent3">
-              <a:shade val="50000"/>
-            </a:schemeClr>
-          </a:lnRef>
-          <a:fillRef idx="1">
-            <a:schemeClr val="accent3"/>
-          </a:fillRef>
-          <a:effectRef idx="0">
-            <a:schemeClr val="accent3"/>
-          </a:effectRef>
-          <a:fontRef idx="minor">
-            <a:schemeClr val="lt1"/>
-          </a:fontRef>
-        </p:style>
-        <p:txBody>
-          <a:bodyPr rtlCol="0" anchor="ctr"/>
-          <a:lstStyle/>
-          <a:p>
-            <a:pPr algn="ctr"/>
-            <a:r>
-              <a:rPr lang="fr-FR" dirty="0"/>
-              <a:t>l33t/</a:t>
-            </a:r>
-            <a:r>
-              <a:rPr lang="fr-FR" dirty="0" err="1"/>
-              <a:t>weatherapi</a:t>
-            </a:r>
-            <a:r>
-              <a:rPr lang="fr-FR" dirty="0"/>
-              <a:t>-</a:t>
-            </a:r>
-            <a:r>
-              <a:rPr lang="fr-FR" dirty="0" err="1"/>
-              <a:t>joomla</a:t>
-            </a:r>
-            <a:r>
-              <a:rPr lang="fr-FR" dirty="0"/>
-              <a:t>-module</a:t>
-            </a:r>
-          </a:p>
-        </p:txBody>
-      </p:sp>
-      <p:sp>
-        <p:nvSpPr>
-          <p:cNvPr id="54" name="Rectangle : coins arrondis 53"/>
-          <p:cNvSpPr/>
-          <p:nvPr/>
-        </p:nvSpPr>
-        <p:spPr>
-          <a:xfrm>
-            <a:off x="3767259" y="4960296"/>
-            <a:ext cx="3623492" cy="414716"/>
-          </a:xfrm>
-          <a:prstGeom prst="roundRect">
-            <a:avLst>
-              <a:gd name="adj" fmla="val 6322"/>
-            </a:avLst>
-          </a:prstGeom>
-        </p:spPr>
-        <p:style>
-          <a:lnRef idx="2">
-            <a:schemeClr val="accent3">
-              <a:shade val="50000"/>
-            </a:schemeClr>
-          </a:lnRef>
-          <a:fillRef idx="1">
-            <a:schemeClr val="accent3"/>
-          </a:fillRef>
-          <a:effectRef idx="0">
-            <a:schemeClr val="accent3"/>
-          </a:effectRef>
-          <a:fontRef idx="minor">
-            <a:schemeClr val="lt1"/>
-          </a:fontRef>
-        </p:style>
-        <p:txBody>
-          <a:bodyPr rtlCol="0" anchor="ctr"/>
-          <a:lstStyle/>
-          <a:p>
-            <a:pPr algn="ctr"/>
-            <a:r>
-              <a:rPr lang="fr-FR" dirty="0"/>
-              <a:t>l33t/</a:t>
-            </a:r>
-            <a:r>
-              <a:rPr lang="fr-FR" dirty="0" err="1"/>
-              <a:t>weatherapi</a:t>
-            </a:r>
-            <a:r>
-              <a:rPr lang="fr-FR" dirty="0"/>
-              <a:t>-</a:t>
-            </a:r>
-            <a:r>
-              <a:rPr lang="fr-FR" dirty="0" err="1"/>
-              <a:t>magento</a:t>
-            </a:r>
-            <a:r>
-              <a:rPr lang="fr-FR" dirty="0"/>
-              <a:t>-module</a:t>
-            </a:r>
-          </a:p>
-        </p:txBody>
-      </p:sp>
-      <p:sp>
-        <p:nvSpPr>
-          <p:cNvPr id="55" name="Rectangle : coins arrondis 54"/>
-          <p:cNvSpPr/>
-          <p:nvPr/>
-        </p:nvSpPr>
-        <p:spPr>
-          <a:xfrm>
-            <a:off x="3767259" y="5460879"/>
-            <a:ext cx="3623492" cy="414716"/>
-          </a:xfrm>
-          <a:prstGeom prst="roundRect">
-            <a:avLst>
-              <a:gd name="adj" fmla="val 6322"/>
-            </a:avLst>
-          </a:prstGeom>
-        </p:spPr>
-        <p:style>
-          <a:lnRef idx="2">
-            <a:schemeClr val="accent3">
-              <a:shade val="50000"/>
-            </a:schemeClr>
-          </a:lnRef>
-          <a:fillRef idx="1">
-            <a:schemeClr val="accent3"/>
-          </a:fillRef>
-          <a:effectRef idx="0">
-            <a:schemeClr val="accent3"/>
-          </a:effectRef>
-          <a:fontRef idx="minor">
-            <a:schemeClr val="lt1"/>
-          </a:fontRef>
-        </p:style>
-        <p:txBody>
-          <a:bodyPr rtlCol="0" anchor="ctr"/>
-          <a:lstStyle/>
-          <a:p>
-            <a:pPr algn="ctr"/>
-            <a:r>
-              <a:rPr lang="fr-FR" dirty="0"/>
-              <a:t>l33t/weatherapi-magento2-module</a:t>
-            </a:r>
-          </a:p>
-        </p:txBody>
-      </p:sp>
-      <p:sp>
-        <p:nvSpPr>
-          <p:cNvPr id="56" name="Rectangle : coins arrondis 55"/>
-          <p:cNvSpPr/>
-          <p:nvPr/>
-        </p:nvSpPr>
-        <p:spPr>
-          <a:xfrm>
-            <a:off x="8157914" y="2457381"/>
-            <a:ext cx="2122362" cy="414716"/>
-          </a:xfrm>
-          <a:prstGeom prst="roundRect">
-            <a:avLst>
-              <a:gd name="adj" fmla="val 6322"/>
-            </a:avLst>
-          </a:prstGeom>
-        </p:spPr>
-        <p:style>
-          <a:lnRef idx="2">
-            <a:schemeClr val="accent4">
-              <a:shade val="50000"/>
-            </a:schemeClr>
-          </a:lnRef>
-          <a:fillRef idx="1">
-            <a:schemeClr val="accent4"/>
-          </a:fillRef>
-          <a:effectRef idx="0">
-            <a:schemeClr val="accent4"/>
-          </a:effectRef>
-          <a:fontRef idx="minor">
-            <a:schemeClr val="lt1"/>
-          </a:fontRef>
-        </p:style>
-        <p:txBody>
-          <a:bodyPr rtlCol="0" anchor="ctr"/>
-          <a:lstStyle/>
-          <a:p>
-            <a:pPr algn="ctr"/>
-            <a:r>
-              <a:rPr lang="fr-FR" dirty="0" err="1"/>
-              <a:t>Wordpress</a:t>
-            </a:r>
-            <a:endParaRPr lang="fr-FR" dirty="0"/>
-          </a:p>
-        </p:txBody>
-      </p:sp>
-      <p:sp>
-        <p:nvSpPr>
-          <p:cNvPr id="57" name="Rectangle : coins arrondis 56"/>
-          <p:cNvSpPr/>
-          <p:nvPr/>
-        </p:nvSpPr>
-        <p:spPr>
-          <a:xfrm>
-            <a:off x="8157914" y="2957964"/>
-            <a:ext cx="2122362" cy="414716"/>
-          </a:xfrm>
-          <a:prstGeom prst="roundRect">
-            <a:avLst>
-              <a:gd name="adj" fmla="val 6322"/>
-            </a:avLst>
-          </a:prstGeom>
-        </p:spPr>
-        <p:style>
-          <a:lnRef idx="2">
-            <a:schemeClr val="accent4">
-              <a:shade val="50000"/>
-            </a:schemeClr>
-          </a:lnRef>
-          <a:fillRef idx="1">
-            <a:schemeClr val="accent4"/>
-          </a:fillRef>
-          <a:effectRef idx="0">
-            <a:schemeClr val="accent4"/>
-          </a:effectRef>
-          <a:fontRef idx="minor">
-            <a:schemeClr val="lt1"/>
-          </a:fontRef>
-        </p:style>
-        <p:txBody>
-          <a:bodyPr rtlCol="0" anchor="ctr"/>
-          <a:lstStyle/>
-          <a:p>
-            <a:pPr algn="ctr"/>
-            <a:r>
-              <a:rPr lang="fr-FR" dirty="0" err="1"/>
-              <a:t>Yii</a:t>
-            </a:r>
-            <a:endParaRPr lang="fr-FR" dirty="0"/>
-          </a:p>
-        </p:txBody>
-      </p:sp>
-      <p:sp>
-        <p:nvSpPr>
-          <p:cNvPr id="58" name="Rectangle : coins arrondis 57"/>
-          <p:cNvSpPr/>
-          <p:nvPr/>
-        </p:nvSpPr>
-        <p:spPr>
-          <a:xfrm>
-            <a:off x="8157914" y="3458547"/>
-            <a:ext cx="2122362" cy="414716"/>
-          </a:xfrm>
-          <a:prstGeom prst="roundRect">
-            <a:avLst>
-              <a:gd name="adj" fmla="val 6322"/>
-            </a:avLst>
-          </a:prstGeom>
-        </p:spPr>
-        <p:style>
-          <a:lnRef idx="2">
-            <a:schemeClr val="accent4">
-              <a:shade val="50000"/>
-            </a:schemeClr>
-          </a:lnRef>
-          <a:fillRef idx="1">
-            <a:schemeClr val="accent4"/>
-          </a:fillRef>
-          <a:effectRef idx="0">
-            <a:schemeClr val="accent4"/>
-          </a:effectRef>
-          <a:fontRef idx="minor">
-            <a:schemeClr val="lt1"/>
-          </a:fontRef>
-        </p:style>
-        <p:txBody>
-          <a:bodyPr rtlCol="0" anchor="ctr"/>
-          <a:lstStyle/>
-          <a:p>
-            <a:pPr algn="ctr"/>
-            <a:r>
-              <a:rPr lang="fr-FR" dirty="0"/>
-              <a:t>Silex</a:t>
-            </a:r>
-          </a:p>
-        </p:txBody>
-      </p:sp>
-      <p:sp>
-        <p:nvSpPr>
-          <p:cNvPr id="59" name="Rectangle : coins arrondis 58"/>
-          <p:cNvSpPr/>
-          <p:nvPr/>
-        </p:nvSpPr>
-        <p:spPr>
-          <a:xfrm>
-            <a:off x="8157914" y="3959130"/>
-            <a:ext cx="2122362" cy="414716"/>
-          </a:xfrm>
-          <a:prstGeom prst="roundRect">
-            <a:avLst>
-              <a:gd name="adj" fmla="val 6322"/>
-            </a:avLst>
-          </a:prstGeom>
-        </p:spPr>
-        <p:style>
-          <a:lnRef idx="2">
-            <a:schemeClr val="accent4">
-              <a:shade val="50000"/>
-            </a:schemeClr>
-          </a:lnRef>
-          <a:fillRef idx="1">
-            <a:schemeClr val="accent4"/>
-          </a:fillRef>
-          <a:effectRef idx="0">
-            <a:schemeClr val="accent4"/>
-          </a:effectRef>
-          <a:fontRef idx="minor">
-            <a:schemeClr val="lt1"/>
-          </a:fontRef>
-        </p:style>
-        <p:txBody>
-          <a:bodyPr rtlCol="0" anchor="ctr"/>
-          <a:lstStyle/>
-          <a:p>
-            <a:pPr algn="ctr"/>
-            <a:r>
-              <a:rPr lang="fr-FR" dirty="0" err="1"/>
-              <a:t>Mouf</a:t>
-            </a:r>
-            <a:endParaRPr lang="fr-FR" dirty="0"/>
-          </a:p>
-        </p:txBody>
-      </p:sp>
-      <p:sp>
-        <p:nvSpPr>
-          <p:cNvPr id="60" name="Flèche : droite 59"/>
-          <p:cNvSpPr/>
-          <p:nvPr/>
-        </p:nvSpPr>
-        <p:spPr>
-          <a:xfrm>
-            <a:off x="7529558" y="2565953"/>
-            <a:ext cx="518886" cy="204621"/>
-          </a:xfrm>
-          <a:prstGeom prst="rightArrow">
-            <a:avLst/>
-          </a:prstGeom>
-          <a:ln w="22225"/>
-        </p:spPr>
-        <p:style>
-          <a:lnRef idx="2">
-            <a:schemeClr val="accent4"/>
-          </a:lnRef>
-          <a:fillRef idx="1">
-            <a:schemeClr val="lt1"/>
-          </a:fillRef>
-          <a:effectRef idx="0">
-            <a:schemeClr val="accent4"/>
-          </a:effectRef>
-          <a:fontRef idx="minor">
-            <a:schemeClr val="dk1"/>
-          </a:fontRef>
-        </p:style>
-        <p:txBody>
-          <a:bodyPr rtlCol="0" anchor="ctr"/>
-          <a:lstStyle/>
-          <a:p>
-            <a:pPr algn="ctr"/>
-            <a:endParaRPr lang="fr-FR"/>
-          </a:p>
-        </p:txBody>
-      </p:sp>
-      <p:sp>
-        <p:nvSpPr>
-          <p:cNvPr id="61" name="Flèche : droite 60"/>
-          <p:cNvSpPr/>
-          <p:nvPr/>
-        </p:nvSpPr>
-        <p:spPr>
-          <a:xfrm>
-            <a:off x="7529558" y="3065744"/>
-            <a:ext cx="518886" cy="204621"/>
-          </a:xfrm>
-          <a:prstGeom prst="rightArrow">
-            <a:avLst/>
-          </a:prstGeom>
-          <a:ln w="22225"/>
-        </p:spPr>
-        <p:style>
-          <a:lnRef idx="2">
-            <a:schemeClr val="accent4"/>
-          </a:lnRef>
-          <a:fillRef idx="1">
-            <a:schemeClr val="lt1"/>
-          </a:fillRef>
-          <a:effectRef idx="0">
-            <a:schemeClr val="accent4"/>
-          </a:effectRef>
-          <a:fontRef idx="minor">
-            <a:schemeClr val="dk1"/>
-          </a:fontRef>
-        </p:style>
-        <p:txBody>
-          <a:bodyPr rtlCol="0" anchor="ctr"/>
-          <a:lstStyle/>
-          <a:p>
-            <a:pPr algn="ctr"/>
-            <a:endParaRPr lang="fr-FR"/>
-          </a:p>
-        </p:txBody>
-      </p:sp>
-      <p:sp>
-        <p:nvSpPr>
-          <p:cNvPr id="62" name="Flèche : droite 61"/>
-          <p:cNvSpPr/>
-          <p:nvPr/>
-        </p:nvSpPr>
-        <p:spPr>
-          <a:xfrm>
-            <a:off x="7529558" y="3565535"/>
-            <a:ext cx="518886" cy="204621"/>
-          </a:xfrm>
-          <a:prstGeom prst="rightArrow">
-            <a:avLst/>
-          </a:prstGeom>
-          <a:ln w="22225"/>
-        </p:spPr>
-        <p:style>
-          <a:lnRef idx="2">
-            <a:schemeClr val="accent4"/>
-          </a:lnRef>
-          <a:fillRef idx="1">
-            <a:schemeClr val="lt1"/>
-          </a:fillRef>
-          <a:effectRef idx="0">
-            <a:schemeClr val="accent4"/>
-          </a:effectRef>
-          <a:fontRef idx="minor">
-            <a:schemeClr val="dk1"/>
-          </a:fontRef>
-        </p:style>
-        <p:txBody>
-          <a:bodyPr rtlCol="0" anchor="ctr"/>
-          <a:lstStyle/>
-          <a:p>
-            <a:pPr algn="ctr"/>
-            <a:endParaRPr lang="fr-FR"/>
-          </a:p>
-        </p:txBody>
-      </p:sp>
-      <p:sp>
-        <p:nvSpPr>
-          <p:cNvPr id="63" name="Flèche : droite 62"/>
-          <p:cNvSpPr/>
-          <p:nvPr/>
-        </p:nvSpPr>
-        <p:spPr>
-          <a:xfrm>
-            <a:off x="7529558" y="4065326"/>
-            <a:ext cx="518886" cy="204621"/>
-          </a:xfrm>
-          <a:prstGeom prst="rightArrow">
-            <a:avLst/>
-          </a:prstGeom>
-          <a:ln w="22225"/>
-        </p:spPr>
-        <p:style>
-          <a:lnRef idx="2">
-            <a:schemeClr val="accent4"/>
-          </a:lnRef>
-          <a:fillRef idx="1">
-            <a:schemeClr val="lt1"/>
-          </a:fillRef>
-          <a:effectRef idx="0">
-            <a:schemeClr val="accent4"/>
-          </a:effectRef>
-          <a:fontRef idx="minor">
-            <a:schemeClr val="dk1"/>
-          </a:fontRef>
-        </p:style>
-        <p:txBody>
-          <a:bodyPr rtlCol="0" anchor="ctr"/>
-          <a:lstStyle/>
-          <a:p>
-            <a:pPr algn="ctr"/>
-            <a:endParaRPr lang="fr-FR"/>
-          </a:p>
-        </p:txBody>
-      </p:sp>
-      <p:sp>
-        <p:nvSpPr>
-          <p:cNvPr id="64" name="Rectangle : coins arrondis 63"/>
-          <p:cNvSpPr/>
-          <p:nvPr/>
-        </p:nvSpPr>
-        <p:spPr>
-          <a:xfrm>
-            <a:off x="8157914" y="4459713"/>
-            <a:ext cx="2122362" cy="414716"/>
-          </a:xfrm>
-          <a:prstGeom prst="roundRect">
-            <a:avLst>
-              <a:gd name="adj" fmla="val 6322"/>
-            </a:avLst>
-          </a:prstGeom>
-        </p:spPr>
-        <p:style>
-          <a:lnRef idx="2">
-            <a:schemeClr val="accent4">
-              <a:shade val="50000"/>
-            </a:schemeClr>
-          </a:lnRef>
-          <a:fillRef idx="1">
-            <a:schemeClr val="accent4"/>
-          </a:fillRef>
-          <a:effectRef idx="0">
-            <a:schemeClr val="accent4"/>
-          </a:effectRef>
-          <a:fontRef idx="minor">
-            <a:schemeClr val="lt1"/>
-          </a:fontRef>
-        </p:style>
-        <p:txBody>
-          <a:bodyPr rtlCol="0" anchor="ctr"/>
-          <a:lstStyle/>
-          <a:p>
-            <a:pPr algn="ctr"/>
-            <a:r>
-              <a:rPr lang="fr-FR" dirty="0"/>
-              <a:t>Joomla</a:t>
-            </a:r>
-          </a:p>
-        </p:txBody>
-      </p:sp>
-      <p:sp>
-        <p:nvSpPr>
-          <p:cNvPr id="65" name="Rectangle : coins arrondis 64"/>
-          <p:cNvSpPr/>
-          <p:nvPr/>
-        </p:nvSpPr>
-        <p:spPr>
-          <a:xfrm>
-            <a:off x="8157914" y="4960296"/>
-            <a:ext cx="2122362" cy="414716"/>
-          </a:xfrm>
-          <a:prstGeom prst="roundRect">
-            <a:avLst>
-              <a:gd name="adj" fmla="val 6322"/>
-            </a:avLst>
-          </a:prstGeom>
-        </p:spPr>
-        <p:style>
-          <a:lnRef idx="2">
-            <a:schemeClr val="accent4">
-              <a:shade val="50000"/>
-            </a:schemeClr>
-          </a:lnRef>
-          <a:fillRef idx="1">
-            <a:schemeClr val="accent4"/>
-          </a:fillRef>
-          <a:effectRef idx="0">
-            <a:schemeClr val="accent4"/>
-          </a:effectRef>
-          <a:fontRef idx="minor">
-            <a:schemeClr val="lt1"/>
-          </a:fontRef>
-        </p:style>
-        <p:txBody>
-          <a:bodyPr rtlCol="0" anchor="ctr"/>
-          <a:lstStyle/>
-          <a:p>
-            <a:pPr algn="ctr"/>
-            <a:r>
-              <a:rPr lang="fr-FR" dirty="0" err="1"/>
-              <a:t>Magento</a:t>
-            </a:r>
-            <a:endParaRPr lang="fr-FR" dirty="0"/>
-          </a:p>
-        </p:txBody>
-      </p:sp>
-      <p:sp>
-        <p:nvSpPr>
-          <p:cNvPr id="66" name="Rectangle : coins arrondis 65"/>
-          <p:cNvSpPr/>
-          <p:nvPr/>
-        </p:nvSpPr>
-        <p:spPr>
-          <a:xfrm>
-            <a:off x="8157914" y="5460879"/>
-            <a:ext cx="2122362" cy="414716"/>
-          </a:xfrm>
-          <a:prstGeom prst="roundRect">
-            <a:avLst>
-              <a:gd name="adj" fmla="val 6322"/>
-            </a:avLst>
-          </a:prstGeom>
-        </p:spPr>
-        <p:style>
-          <a:lnRef idx="2">
-            <a:schemeClr val="accent4">
-              <a:shade val="50000"/>
-            </a:schemeClr>
-          </a:lnRef>
-          <a:fillRef idx="1">
-            <a:schemeClr val="accent4"/>
-          </a:fillRef>
-          <a:effectRef idx="0">
-            <a:schemeClr val="accent4"/>
-          </a:effectRef>
-          <a:fontRef idx="minor">
-            <a:schemeClr val="lt1"/>
-          </a:fontRef>
-        </p:style>
-        <p:txBody>
-          <a:bodyPr rtlCol="0" anchor="ctr"/>
-          <a:lstStyle/>
-          <a:p>
-            <a:pPr algn="ctr"/>
-            <a:r>
-              <a:rPr lang="fr-FR" dirty="0"/>
-              <a:t>Magento2</a:t>
-            </a:r>
-          </a:p>
-        </p:txBody>
-      </p:sp>
-      <p:sp>
-        <p:nvSpPr>
-          <p:cNvPr id="67" name="Flèche : droite 66"/>
-          <p:cNvSpPr/>
-          <p:nvPr/>
-        </p:nvSpPr>
-        <p:spPr>
-          <a:xfrm>
-            <a:off x="7529558" y="4565117"/>
-            <a:ext cx="518886" cy="204621"/>
-          </a:xfrm>
-          <a:prstGeom prst="rightArrow">
-            <a:avLst/>
-          </a:prstGeom>
-          <a:ln w="22225"/>
-        </p:spPr>
-        <p:style>
-          <a:lnRef idx="2">
-            <a:schemeClr val="accent4"/>
-          </a:lnRef>
-          <a:fillRef idx="1">
-            <a:schemeClr val="lt1"/>
-          </a:fillRef>
-          <a:effectRef idx="0">
-            <a:schemeClr val="accent4"/>
-          </a:effectRef>
-          <a:fontRef idx="minor">
-            <a:schemeClr val="dk1"/>
-          </a:fontRef>
-        </p:style>
-        <p:txBody>
-          <a:bodyPr rtlCol="0" anchor="ctr"/>
-          <a:lstStyle/>
-          <a:p>
-            <a:pPr algn="ctr"/>
-            <a:endParaRPr lang="fr-FR"/>
-          </a:p>
-        </p:txBody>
-      </p:sp>
-      <p:sp>
-        <p:nvSpPr>
-          <p:cNvPr id="68" name="Flèche : droite 67"/>
-          <p:cNvSpPr/>
-          <p:nvPr/>
-        </p:nvSpPr>
-        <p:spPr>
-          <a:xfrm>
-            <a:off x="7529558" y="5064908"/>
-            <a:ext cx="518886" cy="204621"/>
-          </a:xfrm>
-          <a:prstGeom prst="rightArrow">
-            <a:avLst/>
-          </a:prstGeom>
-          <a:ln w="22225"/>
-        </p:spPr>
-        <p:style>
-          <a:lnRef idx="2">
-            <a:schemeClr val="accent4"/>
-          </a:lnRef>
-          <a:fillRef idx="1">
-            <a:schemeClr val="lt1"/>
-          </a:fillRef>
-          <a:effectRef idx="0">
-            <a:schemeClr val="accent4"/>
-          </a:effectRef>
-          <a:fontRef idx="minor">
-            <a:schemeClr val="dk1"/>
-          </a:fontRef>
-        </p:style>
-        <p:txBody>
-          <a:bodyPr rtlCol="0" anchor="ctr"/>
-          <a:lstStyle/>
-          <a:p>
-            <a:pPr algn="ctr"/>
-            <a:endParaRPr lang="fr-FR"/>
-          </a:p>
-        </p:txBody>
-      </p:sp>
-      <p:sp>
-        <p:nvSpPr>
-          <p:cNvPr id="69" name="Flèche : droite 68"/>
-          <p:cNvSpPr/>
-          <p:nvPr/>
-        </p:nvSpPr>
-        <p:spPr>
-          <a:xfrm>
-            <a:off x="7529558" y="5564703"/>
-            <a:ext cx="518886" cy="204621"/>
-          </a:xfrm>
-          <a:prstGeom prst="rightArrow">
-            <a:avLst/>
-          </a:prstGeom>
-          <a:ln w="22225"/>
-        </p:spPr>
-        <p:style>
-          <a:lnRef idx="2">
-            <a:schemeClr val="accent4"/>
-          </a:lnRef>
-          <a:fillRef idx="1">
-            <a:schemeClr val="lt1"/>
-          </a:fillRef>
-          <a:effectRef idx="0">
-            <a:schemeClr val="accent4"/>
-          </a:effectRef>
-          <a:fontRef idx="minor">
-            <a:schemeClr val="dk1"/>
-          </a:fontRef>
-        </p:style>
-        <p:txBody>
-          <a:bodyPr rtlCol="0" anchor="ctr"/>
-          <a:lstStyle/>
-          <a:p>
-            <a:pPr algn="ctr"/>
-            <a:endParaRPr lang="fr-FR"/>
-          </a:p>
-        </p:txBody>
-      </p:sp>
-      <p:sp>
-        <p:nvSpPr>
-          <p:cNvPr id="70" name="Flèche : droite 69"/>
-          <p:cNvSpPr/>
-          <p:nvPr/>
-        </p:nvSpPr>
-        <p:spPr>
-          <a:xfrm rot="18435399">
-            <a:off x="2666392" y="2560993"/>
-            <a:ext cx="664422" cy="204621"/>
-          </a:xfrm>
-          <a:prstGeom prst="rightArrow">
-            <a:avLst/>
-          </a:prstGeom>
-          <a:ln/>
-        </p:spPr>
-        <p:style>
-          <a:lnRef idx="2">
-            <a:schemeClr val="accent3">
-              <a:shade val="50000"/>
-            </a:schemeClr>
-          </a:lnRef>
-          <a:fillRef idx="1">
-            <a:schemeClr val="accent3"/>
-          </a:fillRef>
-          <a:effectRef idx="0">
-            <a:schemeClr val="accent3"/>
-          </a:effectRef>
-          <a:fontRef idx="minor">
-            <a:schemeClr val="lt1"/>
-          </a:fontRef>
-        </p:style>
-        <p:txBody>
-          <a:bodyPr rtlCol="0" anchor="ctr"/>
-          <a:lstStyle/>
-          <a:p>
-            <a:pPr algn="ctr"/>
-            <a:endParaRPr lang="fr-FR"/>
-          </a:p>
-        </p:txBody>
-      </p:sp>
-      <p:sp>
-        <p:nvSpPr>
-          <p:cNvPr id="71" name="Flèche : droite 70"/>
-          <p:cNvSpPr/>
-          <p:nvPr/>
-        </p:nvSpPr>
-        <p:spPr>
-          <a:xfrm rot="18014403">
-            <a:off x="2383843" y="2413705"/>
-            <a:ext cx="664422" cy="204621"/>
-          </a:xfrm>
-          <a:prstGeom prst="rightArrow">
-            <a:avLst/>
-          </a:prstGeom>
-          <a:ln/>
-        </p:spPr>
-        <p:style>
-          <a:lnRef idx="2">
-            <a:schemeClr val="accent3">
-              <a:shade val="50000"/>
-            </a:schemeClr>
-          </a:lnRef>
-          <a:fillRef idx="1">
-            <a:schemeClr val="accent3"/>
-          </a:fillRef>
-          <a:effectRef idx="0">
-            <a:schemeClr val="accent3"/>
-          </a:effectRef>
-          <a:fontRef idx="minor">
-            <a:schemeClr val="lt1"/>
-          </a:fontRef>
-        </p:style>
-        <p:txBody>
-          <a:bodyPr rtlCol="0" anchor="ctr"/>
-          <a:lstStyle/>
-          <a:p>
-            <a:pPr algn="ctr"/>
-            <a:endParaRPr lang="fr-FR"/>
-          </a:p>
-        </p:txBody>
-      </p:sp>
-      <p:sp>
-        <p:nvSpPr>
-          <p:cNvPr id="72" name="Flèche : droite 71"/>
-          <p:cNvSpPr/>
-          <p:nvPr/>
-        </p:nvSpPr>
-        <p:spPr>
-          <a:xfrm rot="3084857">
-            <a:off x="2639540" y="4064178"/>
-            <a:ext cx="664422" cy="204621"/>
-          </a:xfrm>
-          <a:prstGeom prst="rightArrow">
-            <a:avLst/>
-          </a:prstGeom>
-          <a:ln/>
-        </p:spPr>
-        <p:style>
-          <a:lnRef idx="2">
-            <a:schemeClr val="accent3">
-              <a:shade val="50000"/>
-            </a:schemeClr>
-          </a:lnRef>
-          <a:fillRef idx="1">
-            <a:schemeClr val="accent3"/>
-          </a:fillRef>
-          <a:effectRef idx="0">
-            <a:schemeClr val="accent3"/>
-          </a:effectRef>
-          <a:fontRef idx="minor">
-            <a:schemeClr val="lt1"/>
-          </a:fontRef>
-        </p:style>
-        <p:txBody>
-          <a:bodyPr rtlCol="0" anchor="ctr"/>
-          <a:lstStyle/>
-          <a:p>
-            <a:pPr algn="ctr"/>
-            <a:endParaRPr lang="fr-FR"/>
-          </a:p>
-        </p:txBody>
-      </p:sp>
-      <p:sp>
-        <p:nvSpPr>
-          <p:cNvPr id="73" name="Flèche : droite 72"/>
-          <p:cNvSpPr/>
-          <p:nvPr/>
-        </p:nvSpPr>
-        <p:spPr>
-          <a:xfrm rot="3551136">
-            <a:off x="2418280" y="4227037"/>
-            <a:ext cx="664422" cy="204621"/>
-          </a:xfrm>
-          <a:prstGeom prst="rightArrow">
-            <a:avLst/>
-          </a:prstGeom>
-          <a:ln/>
-        </p:spPr>
-        <p:style>
-          <a:lnRef idx="2">
-            <a:schemeClr val="accent3">
-              <a:shade val="50000"/>
-            </a:schemeClr>
-          </a:lnRef>
-          <a:fillRef idx="1">
-            <a:schemeClr val="accent3"/>
-          </a:fillRef>
-          <a:effectRef idx="0">
-            <a:schemeClr val="accent3"/>
-          </a:effectRef>
-          <a:fontRef idx="minor">
-            <a:schemeClr val="lt1"/>
-          </a:fontRef>
-        </p:style>
-        <p:txBody>
-          <a:bodyPr rtlCol="0" anchor="ctr"/>
-          <a:lstStyle/>
-          <a:p>
-            <a:pPr algn="ctr"/>
-            <a:endParaRPr lang="fr-FR"/>
+          <a:noFill/>
+        </p:spPr>
+        <p:txBody>
+          <a:bodyPr wrap="none" rtlCol="0">
+            <a:spAutoFit/>
+          </a:bodyPr>
+          <a:lstStyle/>
+          <a:p>
+            <a:r>
+              <a:rPr lang="fr-FR" sz="1400" dirty="0"/>
+              <a:t>Alias</a:t>
+            </a:r>
           </a:p>
         </p:txBody>
       </p:sp>
     </p:spTree>
     <p:extLst>
       <p:ext uri="{BB962C8B-B14F-4D97-AF65-F5344CB8AC3E}">
-        <p14:creationId xmlns:p14="http://schemas.microsoft.com/office/powerpoint/2010/main" val="3317508038"/>
+        <p14:creationId xmlns:p14="http://schemas.microsoft.com/office/powerpoint/2010/main" val="2813125756"/>
       </p:ext>
     </p:extLst>
   </p:cSld>
@@ -9965,6 +8713,1976 @@
           </a:p>
         </p:txBody>
       </p:sp>
+    </p:spTree>
+    <p:extLst>
+      <p:ext uri="{BB962C8B-B14F-4D97-AF65-F5344CB8AC3E}">
+        <p14:creationId xmlns:p14="http://schemas.microsoft.com/office/powerpoint/2010/main" val="3317508038"/>
+      </p:ext>
+    </p:extLst>
+  </p:cSld>
+  <p:clrMapOvr>
+    <a:masterClrMapping/>
+  </p:clrMapOvr>
+</p:sld>
+</file>
+
+<file path=ppt/slides/slide16.xml><?xml version="1.0" encoding="utf-8"?>
+<p:sld xmlns:a="http://schemas.openxmlformats.org/drawingml/2006/main" xmlns:r="http://schemas.openxmlformats.org/officeDocument/2006/relationships" xmlns:p="http://schemas.openxmlformats.org/presentationml/2006/main">
+  <p:cSld>
+    <p:spTree>
+      <p:nvGrpSpPr>
+        <p:cNvPr id="1" name=""/>
+        <p:cNvGrpSpPr/>
+        <p:nvPr/>
+      </p:nvGrpSpPr>
+      <p:grpSpPr>
+        <a:xfrm>
+          <a:off x="0" y="0"/>
+          <a:ext cx="0" cy="0"/>
+          <a:chOff x="0" y="0"/>
+          <a:chExt cx="0" cy="0"/>
+        </a:xfrm>
+      </p:grpSpPr>
+      <p:sp>
+        <p:nvSpPr>
+          <p:cNvPr id="4" name="Rectangle : coins arrondis 3"/>
+          <p:cNvSpPr/>
+          <p:nvPr/>
+        </p:nvSpPr>
+        <p:spPr>
+          <a:xfrm>
+            <a:off x="702692" y="3087672"/>
+            <a:ext cx="1988659" cy="741750"/>
+          </a:xfrm>
+          <a:prstGeom prst="roundRect">
+            <a:avLst>
+              <a:gd name="adj" fmla="val 6322"/>
+            </a:avLst>
+          </a:prstGeom>
+        </p:spPr>
+        <p:style>
+          <a:lnRef idx="2">
+            <a:schemeClr val="accent3">
+              <a:shade val="50000"/>
+            </a:schemeClr>
+          </a:lnRef>
+          <a:fillRef idx="1">
+            <a:schemeClr val="accent3"/>
+          </a:fillRef>
+          <a:effectRef idx="0">
+            <a:schemeClr val="accent3"/>
+          </a:effectRef>
+          <a:fontRef idx="minor">
+            <a:schemeClr val="lt1"/>
+          </a:fontRef>
+        </p:style>
+        <p:txBody>
+          <a:bodyPr rtlCol="0" anchor="ctr"/>
+          <a:lstStyle/>
+          <a:p>
+            <a:pPr algn="ctr"/>
+            <a:r>
+              <a:rPr lang="fr-FR" dirty="0"/>
+              <a:t>l33t/</a:t>
+            </a:r>
+            <a:r>
+              <a:rPr lang="fr-FR" dirty="0" err="1"/>
+              <a:t>weatherapi</a:t>
+            </a:r>
+            <a:endParaRPr lang="fr-FR" dirty="0">
+              <a:latin typeface="Consolas" panose="020B0609020204030204" pitchFamily="49" charset="0"/>
+            </a:endParaRPr>
+          </a:p>
+        </p:txBody>
+      </p:sp>
+      <p:sp>
+        <p:nvSpPr>
+          <p:cNvPr id="18" name="Flèche : droite 17"/>
+          <p:cNvSpPr/>
+          <p:nvPr/>
+        </p:nvSpPr>
+        <p:spPr>
+          <a:xfrm rot="18900000">
+            <a:off x="2819047" y="2833480"/>
+            <a:ext cx="664422" cy="204621"/>
+          </a:xfrm>
+          <a:prstGeom prst="rightArrow">
+            <a:avLst/>
+          </a:prstGeom>
+          <a:ln/>
+        </p:spPr>
+        <p:style>
+          <a:lnRef idx="2">
+            <a:schemeClr val="accent3">
+              <a:shade val="50000"/>
+            </a:schemeClr>
+          </a:lnRef>
+          <a:fillRef idx="1">
+            <a:schemeClr val="accent3"/>
+          </a:fillRef>
+          <a:effectRef idx="0">
+            <a:schemeClr val="accent3"/>
+          </a:effectRef>
+          <a:fontRef idx="minor">
+            <a:schemeClr val="lt1"/>
+          </a:fontRef>
+        </p:style>
+        <p:txBody>
+          <a:bodyPr rtlCol="0" anchor="ctr"/>
+          <a:lstStyle/>
+          <a:p>
+            <a:pPr algn="ctr"/>
+            <a:endParaRPr lang="fr-FR"/>
+          </a:p>
+        </p:txBody>
+      </p:sp>
+      <p:sp>
+        <p:nvSpPr>
+          <p:cNvPr id="19" name="Rectangle : coins arrondis 18"/>
+          <p:cNvSpPr/>
+          <p:nvPr/>
+        </p:nvSpPr>
+        <p:spPr>
+          <a:xfrm>
+            <a:off x="3767259" y="455049"/>
+            <a:ext cx="3623492" cy="414716"/>
+          </a:xfrm>
+          <a:prstGeom prst="roundRect">
+            <a:avLst>
+              <a:gd name="adj" fmla="val 6322"/>
+            </a:avLst>
+          </a:prstGeom>
+        </p:spPr>
+        <p:style>
+          <a:lnRef idx="2">
+            <a:schemeClr val="accent3">
+              <a:shade val="50000"/>
+            </a:schemeClr>
+          </a:lnRef>
+          <a:fillRef idx="1">
+            <a:schemeClr val="accent3"/>
+          </a:fillRef>
+          <a:effectRef idx="0">
+            <a:schemeClr val="accent3"/>
+          </a:effectRef>
+          <a:fontRef idx="minor">
+            <a:schemeClr val="lt1"/>
+          </a:fontRef>
+        </p:style>
+        <p:txBody>
+          <a:bodyPr rtlCol="0" anchor="ctr"/>
+          <a:lstStyle/>
+          <a:p>
+            <a:pPr algn="ctr"/>
+            <a:r>
+              <a:rPr lang="fr-FR" dirty="0"/>
+              <a:t>l33t/</a:t>
+            </a:r>
+            <a:r>
+              <a:rPr lang="fr-FR" dirty="0" err="1"/>
+              <a:t>weatherapi</a:t>
+            </a:r>
+            <a:r>
+              <a:rPr lang="fr-FR" dirty="0"/>
+              <a:t>-bundle</a:t>
+            </a:r>
+            <a:endParaRPr lang="fr-FR" dirty="0">
+              <a:latin typeface="Consolas" panose="020B0609020204030204" pitchFamily="49" charset="0"/>
+            </a:endParaRPr>
+          </a:p>
+        </p:txBody>
+      </p:sp>
+      <p:sp>
+        <p:nvSpPr>
+          <p:cNvPr id="20" name="Rectangle : coins arrondis 19"/>
+          <p:cNvSpPr/>
+          <p:nvPr/>
+        </p:nvSpPr>
+        <p:spPr>
+          <a:xfrm>
+            <a:off x="3767259" y="955632"/>
+            <a:ext cx="3623492" cy="414716"/>
+          </a:xfrm>
+          <a:prstGeom prst="roundRect">
+            <a:avLst>
+              <a:gd name="adj" fmla="val 6322"/>
+            </a:avLst>
+          </a:prstGeom>
+        </p:spPr>
+        <p:style>
+          <a:lnRef idx="2">
+            <a:schemeClr val="accent3">
+              <a:shade val="50000"/>
+            </a:schemeClr>
+          </a:lnRef>
+          <a:fillRef idx="1">
+            <a:schemeClr val="accent3"/>
+          </a:fillRef>
+          <a:effectRef idx="0">
+            <a:schemeClr val="accent3"/>
+          </a:effectRef>
+          <a:fontRef idx="minor">
+            <a:schemeClr val="lt1"/>
+          </a:fontRef>
+        </p:style>
+        <p:txBody>
+          <a:bodyPr rtlCol="0" anchor="ctr"/>
+          <a:lstStyle/>
+          <a:p>
+            <a:pPr algn="ctr"/>
+            <a:r>
+              <a:rPr lang="fr-FR" dirty="0"/>
+              <a:t>l33t/weatherapi-zf2-module</a:t>
+            </a:r>
+            <a:endParaRPr lang="fr-FR" dirty="0">
+              <a:latin typeface="Consolas" panose="020B0609020204030204" pitchFamily="49" charset="0"/>
+            </a:endParaRPr>
+          </a:p>
+        </p:txBody>
+      </p:sp>
+      <p:sp>
+        <p:nvSpPr>
+          <p:cNvPr id="21" name="Rectangle : coins arrondis 20"/>
+          <p:cNvSpPr/>
+          <p:nvPr/>
+        </p:nvSpPr>
+        <p:spPr>
+          <a:xfrm>
+            <a:off x="3767259" y="1456215"/>
+            <a:ext cx="3623492" cy="414716"/>
+          </a:xfrm>
+          <a:prstGeom prst="roundRect">
+            <a:avLst>
+              <a:gd name="adj" fmla="val 6322"/>
+            </a:avLst>
+          </a:prstGeom>
+        </p:spPr>
+        <p:style>
+          <a:lnRef idx="2">
+            <a:schemeClr val="accent3">
+              <a:shade val="50000"/>
+            </a:schemeClr>
+          </a:lnRef>
+          <a:fillRef idx="1">
+            <a:schemeClr val="accent3"/>
+          </a:fillRef>
+          <a:effectRef idx="0">
+            <a:schemeClr val="accent3"/>
+          </a:effectRef>
+          <a:fontRef idx="minor">
+            <a:schemeClr val="lt1"/>
+          </a:fontRef>
+        </p:style>
+        <p:txBody>
+          <a:bodyPr rtlCol="0" anchor="ctr"/>
+          <a:lstStyle/>
+          <a:p>
+            <a:pPr algn="ctr"/>
+            <a:r>
+              <a:rPr lang="fr-FR" dirty="0"/>
+              <a:t>l33t/</a:t>
+            </a:r>
+            <a:r>
+              <a:rPr lang="fr-FR" dirty="0" err="1"/>
+              <a:t>weatherapi</a:t>
+            </a:r>
+            <a:r>
+              <a:rPr lang="fr-FR" dirty="0"/>
+              <a:t>-</a:t>
+            </a:r>
+            <a:r>
+              <a:rPr lang="fr-FR" dirty="0" err="1"/>
+              <a:t>laravel</a:t>
+            </a:r>
+            <a:r>
+              <a:rPr lang="fr-FR" dirty="0"/>
+              <a:t>-module</a:t>
+            </a:r>
+          </a:p>
+        </p:txBody>
+      </p:sp>
+      <p:sp>
+        <p:nvSpPr>
+          <p:cNvPr id="22" name="Rectangle : coins arrondis 21"/>
+          <p:cNvSpPr/>
+          <p:nvPr/>
+        </p:nvSpPr>
+        <p:spPr>
+          <a:xfrm>
+            <a:off x="3767259" y="1956798"/>
+            <a:ext cx="3623492" cy="414716"/>
+          </a:xfrm>
+          <a:prstGeom prst="roundRect">
+            <a:avLst>
+              <a:gd name="adj" fmla="val 6322"/>
+            </a:avLst>
+          </a:prstGeom>
+        </p:spPr>
+        <p:style>
+          <a:lnRef idx="2">
+            <a:schemeClr val="accent3">
+              <a:shade val="50000"/>
+            </a:schemeClr>
+          </a:lnRef>
+          <a:fillRef idx="1">
+            <a:schemeClr val="accent3"/>
+          </a:fillRef>
+          <a:effectRef idx="0">
+            <a:schemeClr val="accent3"/>
+          </a:effectRef>
+          <a:fontRef idx="minor">
+            <a:schemeClr val="lt1"/>
+          </a:fontRef>
+        </p:style>
+        <p:txBody>
+          <a:bodyPr rtlCol="0" anchor="ctr"/>
+          <a:lstStyle/>
+          <a:p>
+            <a:pPr algn="ctr"/>
+            <a:r>
+              <a:rPr lang="fr-FR" dirty="0"/>
+              <a:t>l33t/</a:t>
+            </a:r>
+            <a:r>
+              <a:rPr lang="fr-FR" dirty="0" err="1"/>
+              <a:t>weatherapi</a:t>
+            </a:r>
+            <a:r>
+              <a:rPr lang="fr-FR" dirty="0"/>
+              <a:t>-</a:t>
+            </a:r>
+            <a:r>
+              <a:rPr lang="fr-FR" dirty="0" err="1"/>
+              <a:t>drupal</a:t>
+            </a:r>
+            <a:r>
+              <a:rPr lang="fr-FR" dirty="0"/>
+              <a:t>-module</a:t>
+            </a:r>
+          </a:p>
+        </p:txBody>
+      </p:sp>
+      <p:sp>
+        <p:nvSpPr>
+          <p:cNvPr id="23" name="Flèche : droite 22"/>
+          <p:cNvSpPr/>
+          <p:nvPr/>
+        </p:nvSpPr>
+        <p:spPr>
+          <a:xfrm rot="2700000">
+            <a:off x="2819049" y="3881265"/>
+            <a:ext cx="664422" cy="204621"/>
+          </a:xfrm>
+          <a:prstGeom prst="rightArrow">
+            <a:avLst/>
+          </a:prstGeom>
+          <a:ln/>
+        </p:spPr>
+        <p:style>
+          <a:lnRef idx="2">
+            <a:schemeClr val="accent3">
+              <a:shade val="50000"/>
+            </a:schemeClr>
+          </a:lnRef>
+          <a:fillRef idx="1">
+            <a:schemeClr val="accent3"/>
+          </a:fillRef>
+          <a:effectRef idx="0">
+            <a:schemeClr val="accent3"/>
+          </a:effectRef>
+          <a:fontRef idx="minor">
+            <a:schemeClr val="lt1"/>
+          </a:fontRef>
+        </p:style>
+        <p:txBody>
+          <a:bodyPr rtlCol="0" anchor="ctr"/>
+          <a:lstStyle/>
+          <a:p>
+            <a:pPr algn="ctr"/>
+            <a:endParaRPr lang="fr-FR"/>
+          </a:p>
+        </p:txBody>
+      </p:sp>
+      <p:sp>
+        <p:nvSpPr>
+          <p:cNvPr id="24" name="Flèche : droite 23"/>
+          <p:cNvSpPr/>
+          <p:nvPr/>
+        </p:nvSpPr>
+        <p:spPr>
+          <a:xfrm rot="900000">
+            <a:off x="2937226" y="3549992"/>
+            <a:ext cx="584670" cy="204621"/>
+          </a:xfrm>
+          <a:prstGeom prst="rightArrow">
+            <a:avLst/>
+          </a:prstGeom>
+          <a:ln/>
+        </p:spPr>
+        <p:style>
+          <a:lnRef idx="2">
+            <a:schemeClr val="accent3">
+              <a:shade val="50000"/>
+            </a:schemeClr>
+          </a:lnRef>
+          <a:fillRef idx="1">
+            <a:schemeClr val="accent3"/>
+          </a:fillRef>
+          <a:effectRef idx="0">
+            <a:schemeClr val="accent3"/>
+          </a:effectRef>
+          <a:fontRef idx="minor">
+            <a:schemeClr val="lt1"/>
+          </a:fontRef>
+        </p:style>
+        <p:txBody>
+          <a:bodyPr rtlCol="0" anchor="ctr"/>
+          <a:lstStyle/>
+          <a:p>
+            <a:pPr algn="ctr"/>
+            <a:endParaRPr lang="fr-FR"/>
+          </a:p>
+        </p:txBody>
+      </p:sp>
+      <p:sp>
+        <p:nvSpPr>
+          <p:cNvPr id="25" name="Flèche : droite 24"/>
+          <p:cNvSpPr/>
+          <p:nvPr/>
+        </p:nvSpPr>
+        <p:spPr>
+          <a:xfrm rot="19800000">
+            <a:off x="2914460" y="3140734"/>
+            <a:ext cx="584670" cy="204621"/>
+          </a:xfrm>
+          <a:prstGeom prst="rightArrow">
+            <a:avLst/>
+          </a:prstGeom>
+          <a:ln/>
+        </p:spPr>
+        <p:style>
+          <a:lnRef idx="2">
+            <a:schemeClr val="accent3">
+              <a:shade val="50000"/>
+            </a:schemeClr>
+          </a:lnRef>
+          <a:fillRef idx="1">
+            <a:schemeClr val="accent3"/>
+          </a:fillRef>
+          <a:effectRef idx="0">
+            <a:schemeClr val="accent3"/>
+          </a:effectRef>
+          <a:fontRef idx="minor">
+            <a:schemeClr val="lt1"/>
+          </a:fontRef>
+        </p:style>
+        <p:txBody>
+          <a:bodyPr rtlCol="0" anchor="ctr"/>
+          <a:lstStyle/>
+          <a:p>
+            <a:pPr algn="ctr"/>
+            <a:endParaRPr lang="fr-FR"/>
+          </a:p>
+        </p:txBody>
+      </p:sp>
+      <p:sp>
+        <p:nvSpPr>
+          <p:cNvPr id="41" name="Rectangle : coins arrondis 40"/>
+          <p:cNvSpPr/>
+          <p:nvPr/>
+        </p:nvSpPr>
+        <p:spPr>
+          <a:xfrm>
+            <a:off x="8157914" y="455049"/>
+            <a:ext cx="2122362" cy="414716"/>
+          </a:xfrm>
+          <a:prstGeom prst="roundRect">
+            <a:avLst>
+              <a:gd name="adj" fmla="val 6322"/>
+            </a:avLst>
+          </a:prstGeom>
+        </p:spPr>
+        <p:style>
+          <a:lnRef idx="2">
+            <a:schemeClr val="accent4">
+              <a:shade val="50000"/>
+            </a:schemeClr>
+          </a:lnRef>
+          <a:fillRef idx="1">
+            <a:schemeClr val="accent4"/>
+          </a:fillRef>
+          <a:effectRef idx="0">
+            <a:schemeClr val="accent4"/>
+          </a:effectRef>
+          <a:fontRef idx="minor">
+            <a:schemeClr val="lt1"/>
+          </a:fontRef>
+        </p:style>
+        <p:txBody>
+          <a:bodyPr rtlCol="0" anchor="ctr"/>
+          <a:lstStyle/>
+          <a:p>
+            <a:pPr algn="ctr"/>
+            <a:r>
+              <a:rPr lang="fr-FR" dirty="0" err="1"/>
+              <a:t>Symfony</a:t>
+            </a:r>
+            <a:endParaRPr lang="fr-FR" dirty="0"/>
+          </a:p>
+        </p:txBody>
+      </p:sp>
+      <p:sp>
+        <p:nvSpPr>
+          <p:cNvPr id="42" name="Rectangle : coins arrondis 41"/>
+          <p:cNvSpPr/>
+          <p:nvPr/>
+        </p:nvSpPr>
+        <p:spPr>
+          <a:xfrm>
+            <a:off x="8157914" y="955632"/>
+            <a:ext cx="2122362" cy="414716"/>
+          </a:xfrm>
+          <a:prstGeom prst="roundRect">
+            <a:avLst>
+              <a:gd name="adj" fmla="val 6322"/>
+            </a:avLst>
+          </a:prstGeom>
+        </p:spPr>
+        <p:style>
+          <a:lnRef idx="2">
+            <a:schemeClr val="accent4">
+              <a:shade val="50000"/>
+            </a:schemeClr>
+          </a:lnRef>
+          <a:fillRef idx="1">
+            <a:schemeClr val="accent4"/>
+          </a:fillRef>
+          <a:effectRef idx="0">
+            <a:schemeClr val="accent4"/>
+          </a:effectRef>
+          <a:fontRef idx="minor">
+            <a:schemeClr val="lt1"/>
+          </a:fontRef>
+        </p:style>
+        <p:txBody>
+          <a:bodyPr rtlCol="0" anchor="ctr"/>
+          <a:lstStyle/>
+          <a:p>
+            <a:pPr algn="ctr"/>
+            <a:r>
+              <a:rPr lang="fr-FR" dirty="0"/>
+              <a:t>Zend Framework</a:t>
+            </a:r>
+          </a:p>
+        </p:txBody>
+      </p:sp>
+      <p:sp>
+        <p:nvSpPr>
+          <p:cNvPr id="43" name="Rectangle : coins arrondis 42"/>
+          <p:cNvSpPr/>
+          <p:nvPr/>
+        </p:nvSpPr>
+        <p:spPr>
+          <a:xfrm>
+            <a:off x="8157914" y="1456215"/>
+            <a:ext cx="2122362" cy="414716"/>
+          </a:xfrm>
+          <a:prstGeom prst="roundRect">
+            <a:avLst>
+              <a:gd name="adj" fmla="val 6322"/>
+            </a:avLst>
+          </a:prstGeom>
+        </p:spPr>
+        <p:style>
+          <a:lnRef idx="2">
+            <a:schemeClr val="accent4">
+              <a:shade val="50000"/>
+            </a:schemeClr>
+          </a:lnRef>
+          <a:fillRef idx="1">
+            <a:schemeClr val="accent4"/>
+          </a:fillRef>
+          <a:effectRef idx="0">
+            <a:schemeClr val="accent4"/>
+          </a:effectRef>
+          <a:fontRef idx="minor">
+            <a:schemeClr val="lt1"/>
+          </a:fontRef>
+        </p:style>
+        <p:txBody>
+          <a:bodyPr rtlCol="0" anchor="ctr"/>
+          <a:lstStyle/>
+          <a:p>
+            <a:pPr algn="ctr"/>
+            <a:r>
+              <a:rPr lang="fr-FR" dirty="0" err="1"/>
+              <a:t>Laravel</a:t>
+            </a:r>
+            <a:endParaRPr lang="fr-FR" dirty="0"/>
+          </a:p>
+        </p:txBody>
+      </p:sp>
+      <p:sp>
+        <p:nvSpPr>
+          <p:cNvPr id="44" name="Rectangle : coins arrondis 43"/>
+          <p:cNvSpPr/>
+          <p:nvPr/>
+        </p:nvSpPr>
+        <p:spPr>
+          <a:xfrm>
+            <a:off x="8157914" y="1956798"/>
+            <a:ext cx="2122362" cy="414716"/>
+          </a:xfrm>
+          <a:prstGeom prst="roundRect">
+            <a:avLst>
+              <a:gd name="adj" fmla="val 6322"/>
+            </a:avLst>
+          </a:prstGeom>
+        </p:spPr>
+        <p:style>
+          <a:lnRef idx="2">
+            <a:schemeClr val="accent4">
+              <a:shade val="50000"/>
+            </a:schemeClr>
+          </a:lnRef>
+          <a:fillRef idx="1">
+            <a:schemeClr val="accent4"/>
+          </a:fillRef>
+          <a:effectRef idx="0">
+            <a:schemeClr val="accent4"/>
+          </a:effectRef>
+          <a:fontRef idx="minor">
+            <a:schemeClr val="lt1"/>
+          </a:fontRef>
+        </p:style>
+        <p:txBody>
+          <a:bodyPr rtlCol="0" anchor="ctr"/>
+          <a:lstStyle/>
+          <a:p>
+            <a:pPr algn="ctr"/>
+            <a:r>
+              <a:rPr lang="fr-FR" dirty="0" err="1"/>
+              <a:t>Drupal</a:t>
+            </a:r>
+            <a:endParaRPr lang="fr-FR" dirty="0"/>
+          </a:p>
+        </p:txBody>
+      </p:sp>
+      <p:sp>
+        <p:nvSpPr>
+          <p:cNvPr id="45" name="Flèche : droite 44"/>
+          <p:cNvSpPr/>
+          <p:nvPr/>
+        </p:nvSpPr>
+        <p:spPr>
+          <a:xfrm>
+            <a:off x="7529558" y="566789"/>
+            <a:ext cx="518886" cy="204621"/>
+          </a:xfrm>
+          <a:prstGeom prst="rightArrow">
+            <a:avLst/>
+          </a:prstGeom>
+          <a:ln w="22225"/>
+        </p:spPr>
+        <p:style>
+          <a:lnRef idx="2">
+            <a:schemeClr val="accent4"/>
+          </a:lnRef>
+          <a:fillRef idx="1">
+            <a:schemeClr val="lt1"/>
+          </a:fillRef>
+          <a:effectRef idx="0">
+            <a:schemeClr val="accent4"/>
+          </a:effectRef>
+          <a:fontRef idx="minor">
+            <a:schemeClr val="dk1"/>
+          </a:fontRef>
+        </p:style>
+        <p:txBody>
+          <a:bodyPr rtlCol="0" anchor="ctr"/>
+          <a:lstStyle/>
+          <a:p>
+            <a:pPr algn="ctr"/>
+            <a:endParaRPr lang="fr-FR"/>
+          </a:p>
+        </p:txBody>
+      </p:sp>
+      <p:sp>
+        <p:nvSpPr>
+          <p:cNvPr id="46" name="Flèche : droite 45"/>
+          <p:cNvSpPr/>
+          <p:nvPr/>
+        </p:nvSpPr>
+        <p:spPr>
+          <a:xfrm>
+            <a:off x="7529558" y="1066580"/>
+            <a:ext cx="518886" cy="204621"/>
+          </a:xfrm>
+          <a:prstGeom prst="rightArrow">
+            <a:avLst/>
+          </a:prstGeom>
+          <a:ln w="22225"/>
+        </p:spPr>
+        <p:style>
+          <a:lnRef idx="2">
+            <a:schemeClr val="accent4"/>
+          </a:lnRef>
+          <a:fillRef idx="1">
+            <a:schemeClr val="lt1"/>
+          </a:fillRef>
+          <a:effectRef idx="0">
+            <a:schemeClr val="accent4"/>
+          </a:effectRef>
+          <a:fontRef idx="minor">
+            <a:schemeClr val="dk1"/>
+          </a:fontRef>
+        </p:style>
+        <p:txBody>
+          <a:bodyPr rtlCol="0" anchor="ctr"/>
+          <a:lstStyle/>
+          <a:p>
+            <a:pPr algn="ctr"/>
+            <a:endParaRPr lang="fr-FR"/>
+          </a:p>
+        </p:txBody>
+      </p:sp>
+      <p:sp>
+        <p:nvSpPr>
+          <p:cNvPr id="47" name="Flèche : droite 46"/>
+          <p:cNvSpPr/>
+          <p:nvPr/>
+        </p:nvSpPr>
+        <p:spPr>
+          <a:xfrm>
+            <a:off x="7529558" y="1566371"/>
+            <a:ext cx="518886" cy="204621"/>
+          </a:xfrm>
+          <a:prstGeom prst="rightArrow">
+            <a:avLst/>
+          </a:prstGeom>
+          <a:ln w="22225"/>
+        </p:spPr>
+        <p:style>
+          <a:lnRef idx="2">
+            <a:schemeClr val="accent4"/>
+          </a:lnRef>
+          <a:fillRef idx="1">
+            <a:schemeClr val="lt1"/>
+          </a:fillRef>
+          <a:effectRef idx="0">
+            <a:schemeClr val="accent4"/>
+          </a:effectRef>
+          <a:fontRef idx="minor">
+            <a:schemeClr val="dk1"/>
+          </a:fontRef>
+        </p:style>
+        <p:txBody>
+          <a:bodyPr rtlCol="0" anchor="ctr"/>
+          <a:lstStyle/>
+          <a:p>
+            <a:pPr algn="ctr"/>
+            <a:endParaRPr lang="fr-FR"/>
+          </a:p>
+        </p:txBody>
+      </p:sp>
+      <p:sp>
+        <p:nvSpPr>
+          <p:cNvPr id="48" name="Flèche : droite 47"/>
+          <p:cNvSpPr/>
+          <p:nvPr/>
+        </p:nvSpPr>
+        <p:spPr>
+          <a:xfrm>
+            <a:off x="7529558" y="2066162"/>
+            <a:ext cx="518886" cy="204621"/>
+          </a:xfrm>
+          <a:prstGeom prst="rightArrow">
+            <a:avLst/>
+          </a:prstGeom>
+          <a:ln w="22225"/>
+        </p:spPr>
+        <p:style>
+          <a:lnRef idx="2">
+            <a:schemeClr val="accent4"/>
+          </a:lnRef>
+          <a:fillRef idx="1">
+            <a:schemeClr val="lt1"/>
+          </a:fillRef>
+          <a:effectRef idx="0">
+            <a:schemeClr val="accent4"/>
+          </a:effectRef>
+          <a:fontRef idx="minor">
+            <a:schemeClr val="dk1"/>
+          </a:fontRef>
+        </p:style>
+        <p:txBody>
+          <a:bodyPr rtlCol="0" anchor="ctr"/>
+          <a:lstStyle/>
+          <a:p>
+            <a:pPr algn="ctr"/>
+            <a:endParaRPr lang="fr-FR"/>
+          </a:p>
+        </p:txBody>
+      </p:sp>
+      <p:sp>
+        <p:nvSpPr>
+          <p:cNvPr id="49" name="Rectangle : coins arrondis 48"/>
+          <p:cNvSpPr/>
+          <p:nvPr/>
+        </p:nvSpPr>
+        <p:spPr>
+          <a:xfrm>
+            <a:off x="3767259" y="2457381"/>
+            <a:ext cx="3623492" cy="414716"/>
+          </a:xfrm>
+          <a:prstGeom prst="roundRect">
+            <a:avLst>
+              <a:gd name="adj" fmla="val 6322"/>
+            </a:avLst>
+          </a:prstGeom>
+        </p:spPr>
+        <p:style>
+          <a:lnRef idx="2">
+            <a:schemeClr val="accent3">
+              <a:shade val="50000"/>
+            </a:schemeClr>
+          </a:lnRef>
+          <a:fillRef idx="1">
+            <a:schemeClr val="accent3"/>
+          </a:fillRef>
+          <a:effectRef idx="0">
+            <a:schemeClr val="accent3"/>
+          </a:effectRef>
+          <a:fontRef idx="minor">
+            <a:schemeClr val="lt1"/>
+          </a:fontRef>
+        </p:style>
+        <p:txBody>
+          <a:bodyPr rtlCol="0" anchor="ctr"/>
+          <a:lstStyle/>
+          <a:p>
+            <a:pPr algn="ctr"/>
+            <a:r>
+              <a:rPr lang="fr-FR" dirty="0"/>
+              <a:t>l33t/</a:t>
+            </a:r>
+            <a:r>
+              <a:rPr lang="fr-FR" dirty="0" err="1"/>
+              <a:t>weatherapi</a:t>
+            </a:r>
+            <a:r>
+              <a:rPr lang="fr-FR" dirty="0"/>
+              <a:t>-</a:t>
+            </a:r>
+            <a:r>
+              <a:rPr lang="fr-FR" dirty="0" err="1"/>
+              <a:t>wordpress</a:t>
+            </a:r>
+            <a:r>
+              <a:rPr lang="fr-FR" dirty="0"/>
+              <a:t>-module</a:t>
+            </a:r>
+          </a:p>
+        </p:txBody>
+      </p:sp>
+      <p:sp>
+        <p:nvSpPr>
+          <p:cNvPr id="50" name="Rectangle : coins arrondis 49"/>
+          <p:cNvSpPr/>
+          <p:nvPr/>
+        </p:nvSpPr>
+        <p:spPr>
+          <a:xfrm>
+            <a:off x="3767259" y="2957964"/>
+            <a:ext cx="3623492" cy="414716"/>
+          </a:xfrm>
+          <a:prstGeom prst="roundRect">
+            <a:avLst>
+              <a:gd name="adj" fmla="val 6322"/>
+            </a:avLst>
+          </a:prstGeom>
+        </p:spPr>
+        <p:style>
+          <a:lnRef idx="2">
+            <a:schemeClr val="accent3">
+              <a:shade val="50000"/>
+            </a:schemeClr>
+          </a:lnRef>
+          <a:fillRef idx="1">
+            <a:schemeClr val="accent3"/>
+          </a:fillRef>
+          <a:effectRef idx="0">
+            <a:schemeClr val="accent3"/>
+          </a:effectRef>
+          <a:fontRef idx="minor">
+            <a:schemeClr val="lt1"/>
+          </a:fontRef>
+        </p:style>
+        <p:txBody>
+          <a:bodyPr rtlCol="0" anchor="ctr"/>
+          <a:lstStyle/>
+          <a:p>
+            <a:pPr algn="ctr"/>
+            <a:r>
+              <a:rPr lang="fr-FR" dirty="0"/>
+              <a:t>l33t/</a:t>
+            </a:r>
+            <a:r>
+              <a:rPr lang="fr-FR" dirty="0" err="1"/>
+              <a:t>weatherapi</a:t>
+            </a:r>
+            <a:r>
+              <a:rPr lang="fr-FR" dirty="0"/>
+              <a:t>-</a:t>
+            </a:r>
+            <a:r>
+              <a:rPr lang="fr-FR" dirty="0" err="1"/>
+              <a:t>yii</a:t>
+            </a:r>
+            <a:r>
+              <a:rPr lang="fr-FR" dirty="0"/>
+              <a:t>-module</a:t>
+            </a:r>
+          </a:p>
+        </p:txBody>
+      </p:sp>
+      <p:sp>
+        <p:nvSpPr>
+          <p:cNvPr id="51" name="Rectangle : coins arrondis 50"/>
+          <p:cNvSpPr/>
+          <p:nvPr/>
+        </p:nvSpPr>
+        <p:spPr>
+          <a:xfrm>
+            <a:off x="3767259" y="3458547"/>
+            <a:ext cx="3623492" cy="414716"/>
+          </a:xfrm>
+          <a:prstGeom prst="roundRect">
+            <a:avLst>
+              <a:gd name="adj" fmla="val 6322"/>
+            </a:avLst>
+          </a:prstGeom>
+        </p:spPr>
+        <p:style>
+          <a:lnRef idx="2">
+            <a:schemeClr val="accent3">
+              <a:shade val="50000"/>
+            </a:schemeClr>
+          </a:lnRef>
+          <a:fillRef idx="1">
+            <a:schemeClr val="accent3"/>
+          </a:fillRef>
+          <a:effectRef idx="0">
+            <a:schemeClr val="accent3"/>
+          </a:effectRef>
+          <a:fontRef idx="minor">
+            <a:schemeClr val="lt1"/>
+          </a:fontRef>
+        </p:style>
+        <p:txBody>
+          <a:bodyPr rtlCol="0" anchor="ctr"/>
+          <a:lstStyle/>
+          <a:p>
+            <a:pPr algn="ctr"/>
+            <a:r>
+              <a:rPr lang="fr-FR" dirty="0"/>
+              <a:t>l33t/</a:t>
+            </a:r>
+            <a:r>
+              <a:rPr lang="fr-FR" dirty="0" err="1"/>
+              <a:t>weatherapi</a:t>
+            </a:r>
+            <a:r>
+              <a:rPr lang="fr-FR" dirty="0"/>
+              <a:t>-silex-module</a:t>
+            </a:r>
+          </a:p>
+        </p:txBody>
+      </p:sp>
+      <p:sp>
+        <p:nvSpPr>
+          <p:cNvPr id="52" name="Rectangle : coins arrondis 51"/>
+          <p:cNvSpPr/>
+          <p:nvPr/>
+        </p:nvSpPr>
+        <p:spPr>
+          <a:xfrm>
+            <a:off x="3767259" y="3959130"/>
+            <a:ext cx="3623492" cy="414716"/>
+          </a:xfrm>
+          <a:prstGeom prst="roundRect">
+            <a:avLst>
+              <a:gd name="adj" fmla="val 6322"/>
+            </a:avLst>
+          </a:prstGeom>
+        </p:spPr>
+        <p:style>
+          <a:lnRef idx="2">
+            <a:schemeClr val="accent3">
+              <a:shade val="50000"/>
+            </a:schemeClr>
+          </a:lnRef>
+          <a:fillRef idx="1">
+            <a:schemeClr val="accent3"/>
+          </a:fillRef>
+          <a:effectRef idx="0">
+            <a:schemeClr val="accent3"/>
+          </a:effectRef>
+          <a:fontRef idx="minor">
+            <a:schemeClr val="lt1"/>
+          </a:fontRef>
+        </p:style>
+        <p:txBody>
+          <a:bodyPr rtlCol="0" anchor="ctr"/>
+          <a:lstStyle/>
+          <a:p>
+            <a:pPr algn="ctr"/>
+            <a:r>
+              <a:rPr lang="fr-FR" dirty="0"/>
+              <a:t>l33t/</a:t>
+            </a:r>
+            <a:r>
+              <a:rPr lang="fr-FR" dirty="0" err="1"/>
+              <a:t>weatherapi</a:t>
+            </a:r>
+            <a:r>
+              <a:rPr lang="fr-FR" dirty="0"/>
+              <a:t>-</a:t>
+            </a:r>
+            <a:r>
+              <a:rPr lang="fr-FR" dirty="0" err="1"/>
+              <a:t>mouf</a:t>
+            </a:r>
+            <a:r>
+              <a:rPr lang="fr-FR" dirty="0"/>
+              <a:t>-installer</a:t>
+            </a:r>
+          </a:p>
+        </p:txBody>
+      </p:sp>
+      <p:sp>
+        <p:nvSpPr>
+          <p:cNvPr id="53" name="Rectangle : coins arrondis 52"/>
+          <p:cNvSpPr/>
+          <p:nvPr/>
+        </p:nvSpPr>
+        <p:spPr>
+          <a:xfrm>
+            <a:off x="3767259" y="4459713"/>
+            <a:ext cx="3623492" cy="414716"/>
+          </a:xfrm>
+          <a:prstGeom prst="roundRect">
+            <a:avLst>
+              <a:gd name="adj" fmla="val 6322"/>
+            </a:avLst>
+          </a:prstGeom>
+        </p:spPr>
+        <p:style>
+          <a:lnRef idx="2">
+            <a:schemeClr val="accent3">
+              <a:shade val="50000"/>
+            </a:schemeClr>
+          </a:lnRef>
+          <a:fillRef idx="1">
+            <a:schemeClr val="accent3"/>
+          </a:fillRef>
+          <a:effectRef idx="0">
+            <a:schemeClr val="accent3"/>
+          </a:effectRef>
+          <a:fontRef idx="minor">
+            <a:schemeClr val="lt1"/>
+          </a:fontRef>
+        </p:style>
+        <p:txBody>
+          <a:bodyPr rtlCol="0" anchor="ctr"/>
+          <a:lstStyle/>
+          <a:p>
+            <a:pPr algn="ctr"/>
+            <a:r>
+              <a:rPr lang="fr-FR" dirty="0"/>
+              <a:t>l33t/</a:t>
+            </a:r>
+            <a:r>
+              <a:rPr lang="fr-FR" dirty="0" err="1"/>
+              <a:t>weatherapi</a:t>
+            </a:r>
+            <a:r>
+              <a:rPr lang="fr-FR" dirty="0"/>
+              <a:t>-</a:t>
+            </a:r>
+            <a:r>
+              <a:rPr lang="fr-FR" dirty="0" err="1"/>
+              <a:t>joomla</a:t>
+            </a:r>
+            <a:r>
+              <a:rPr lang="fr-FR" dirty="0"/>
+              <a:t>-module</a:t>
+            </a:r>
+          </a:p>
+        </p:txBody>
+      </p:sp>
+      <p:sp>
+        <p:nvSpPr>
+          <p:cNvPr id="54" name="Rectangle : coins arrondis 53"/>
+          <p:cNvSpPr/>
+          <p:nvPr/>
+        </p:nvSpPr>
+        <p:spPr>
+          <a:xfrm>
+            <a:off x="3767259" y="4960296"/>
+            <a:ext cx="3623492" cy="414716"/>
+          </a:xfrm>
+          <a:prstGeom prst="roundRect">
+            <a:avLst>
+              <a:gd name="adj" fmla="val 6322"/>
+            </a:avLst>
+          </a:prstGeom>
+        </p:spPr>
+        <p:style>
+          <a:lnRef idx="2">
+            <a:schemeClr val="accent3">
+              <a:shade val="50000"/>
+            </a:schemeClr>
+          </a:lnRef>
+          <a:fillRef idx="1">
+            <a:schemeClr val="accent3"/>
+          </a:fillRef>
+          <a:effectRef idx="0">
+            <a:schemeClr val="accent3"/>
+          </a:effectRef>
+          <a:fontRef idx="minor">
+            <a:schemeClr val="lt1"/>
+          </a:fontRef>
+        </p:style>
+        <p:txBody>
+          <a:bodyPr rtlCol="0" anchor="ctr"/>
+          <a:lstStyle/>
+          <a:p>
+            <a:pPr algn="ctr"/>
+            <a:r>
+              <a:rPr lang="fr-FR" dirty="0"/>
+              <a:t>l33t/</a:t>
+            </a:r>
+            <a:r>
+              <a:rPr lang="fr-FR" dirty="0" err="1"/>
+              <a:t>weatherapi</a:t>
+            </a:r>
+            <a:r>
+              <a:rPr lang="fr-FR" dirty="0"/>
+              <a:t>-</a:t>
+            </a:r>
+            <a:r>
+              <a:rPr lang="fr-FR" dirty="0" err="1"/>
+              <a:t>magento</a:t>
+            </a:r>
+            <a:r>
+              <a:rPr lang="fr-FR" dirty="0"/>
+              <a:t>-module</a:t>
+            </a:r>
+          </a:p>
+        </p:txBody>
+      </p:sp>
+      <p:sp>
+        <p:nvSpPr>
+          <p:cNvPr id="55" name="Rectangle : coins arrondis 54"/>
+          <p:cNvSpPr/>
+          <p:nvPr/>
+        </p:nvSpPr>
+        <p:spPr>
+          <a:xfrm>
+            <a:off x="3767259" y="5460879"/>
+            <a:ext cx="3623492" cy="414716"/>
+          </a:xfrm>
+          <a:prstGeom prst="roundRect">
+            <a:avLst>
+              <a:gd name="adj" fmla="val 6322"/>
+            </a:avLst>
+          </a:prstGeom>
+        </p:spPr>
+        <p:style>
+          <a:lnRef idx="2">
+            <a:schemeClr val="accent3">
+              <a:shade val="50000"/>
+            </a:schemeClr>
+          </a:lnRef>
+          <a:fillRef idx="1">
+            <a:schemeClr val="accent3"/>
+          </a:fillRef>
+          <a:effectRef idx="0">
+            <a:schemeClr val="accent3"/>
+          </a:effectRef>
+          <a:fontRef idx="minor">
+            <a:schemeClr val="lt1"/>
+          </a:fontRef>
+        </p:style>
+        <p:txBody>
+          <a:bodyPr rtlCol="0" anchor="ctr"/>
+          <a:lstStyle/>
+          <a:p>
+            <a:pPr algn="ctr"/>
+            <a:r>
+              <a:rPr lang="fr-FR" dirty="0"/>
+              <a:t>l33t/weatherapi-magento2-module</a:t>
+            </a:r>
+          </a:p>
+        </p:txBody>
+      </p:sp>
+      <p:sp>
+        <p:nvSpPr>
+          <p:cNvPr id="56" name="Rectangle : coins arrondis 55"/>
+          <p:cNvSpPr/>
+          <p:nvPr/>
+        </p:nvSpPr>
+        <p:spPr>
+          <a:xfrm>
+            <a:off x="8157914" y="2457381"/>
+            <a:ext cx="2122362" cy="414716"/>
+          </a:xfrm>
+          <a:prstGeom prst="roundRect">
+            <a:avLst>
+              <a:gd name="adj" fmla="val 6322"/>
+            </a:avLst>
+          </a:prstGeom>
+        </p:spPr>
+        <p:style>
+          <a:lnRef idx="2">
+            <a:schemeClr val="accent4">
+              <a:shade val="50000"/>
+            </a:schemeClr>
+          </a:lnRef>
+          <a:fillRef idx="1">
+            <a:schemeClr val="accent4"/>
+          </a:fillRef>
+          <a:effectRef idx="0">
+            <a:schemeClr val="accent4"/>
+          </a:effectRef>
+          <a:fontRef idx="minor">
+            <a:schemeClr val="lt1"/>
+          </a:fontRef>
+        </p:style>
+        <p:txBody>
+          <a:bodyPr rtlCol="0" anchor="ctr"/>
+          <a:lstStyle/>
+          <a:p>
+            <a:pPr algn="ctr"/>
+            <a:r>
+              <a:rPr lang="fr-FR" dirty="0" err="1"/>
+              <a:t>Wordpress</a:t>
+            </a:r>
+            <a:endParaRPr lang="fr-FR" dirty="0"/>
+          </a:p>
+        </p:txBody>
+      </p:sp>
+      <p:sp>
+        <p:nvSpPr>
+          <p:cNvPr id="57" name="Rectangle : coins arrondis 56"/>
+          <p:cNvSpPr/>
+          <p:nvPr/>
+        </p:nvSpPr>
+        <p:spPr>
+          <a:xfrm>
+            <a:off x="8157914" y="2957964"/>
+            <a:ext cx="2122362" cy="414716"/>
+          </a:xfrm>
+          <a:prstGeom prst="roundRect">
+            <a:avLst>
+              <a:gd name="adj" fmla="val 6322"/>
+            </a:avLst>
+          </a:prstGeom>
+        </p:spPr>
+        <p:style>
+          <a:lnRef idx="2">
+            <a:schemeClr val="accent4">
+              <a:shade val="50000"/>
+            </a:schemeClr>
+          </a:lnRef>
+          <a:fillRef idx="1">
+            <a:schemeClr val="accent4"/>
+          </a:fillRef>
+          <a:effectRef idx="0">
+            <a:schemeClr val="accent4"/>
+          </a:effectRef>
+          <a:fontRef idx="minor">
+            <a:schemeClr val="lt1"/>
+          </a:fontRef>
+        </p:style>
+        <p:txBody>
+          <a:bodyPr rtlCol="0" anchor="ctr"/>
+          <a:lstStyle/>
+          <a:p>
+            <a:pPr algn="ctr"/>
+            <a:r>
+              <a:rPr lang="fr-FR" dirty="0" err="1"/>
+              <a:t>Yii</a:t>
+            </a:r>
+            <a:endParaRPr lang="fr-FR" dirty="0"/>
+          </a:p>
+        </p:txBody>
+      </p:sp>
+      <p:sp>
+        <p:nvSpPr>
+          <p:cNvPr id="58" name="Rectangle : coins arrondis 57"/>
+          <p:cNvSpPr/>
+          <p:nvPr/>
+        </p:nvSpPr>
+        <p:spPr>
+          <a:xfrm>
+            <a:off x="8157914" y="3458547"/>
+            <a:ext cx="2122362" cy="414716"/>
+          </a:xfrm>
+          <a:prstGeom prst="roundRect">
+            <a:avLst>
+              <a:gd name="adj" fmla="val 6322"/>
+            </a:avLst>
+          </a:prstGeom>
+        </p:spPr>
+        <p:style>
+          <a:lnRef idx="2">
+            <a:schemeClr val="accent4">
+              <a:shade val="50000"/>
+            </a:schemeClr>
+          </a:lnRef>
+          <a:fillRef idx="1">
+            <a:schemeClr val="accent4"/>
+          </a:fillRef>
+          <a:effectRef idx="0">
+            <a:schemeClr val="accent4"/>
+          </a:effectRef>
+          <a:fontRef idx="minor">
+            <a:schemeClr val="lt1"/>
+          </a:fontRef>
+        </p:style>
+        <p:txBody>
+          <a:bodyPr rtlCol="0" anchor="ctr"/>
+          <a:lstStyle/>
+          <a:p>
+            <a:pPr algn="ctr"/>
+            <a:r>
+              <a:rPr lang="fr-FR" dirty="0"/>
+              <a:t>Silex</a:t>
+            </a:r>
+          </a:p>
+        </p:txBody>
+      </p:sp>
+      <p:sp>
+        <p:nvSpPr>
+          <p:cNvPr id="59" name="Rectangle : coins arrondis 58"/>
+          <p:cNvSpPr/>
+          <p:nvPr/>
+        </p:nvSpPr>
+        <p:spPr>
+          <a:xfrm>
+            <a:off x="8157914" y="3959130"/>
+            <a:ext cx="2122362" cy="414716"/>
+          </a:xfrm>
+          <a:prstGeom prst="roundRect">
+            <a:avLst>
+              <a:gd name="adj" fmla="val 6322"/>
+            </a:avLst>
+          </a:prstGeom>
+        </p:spPr>
+        <p:style>
+          <a:lnRef idx="2">
+            <a:schemeClr val="accent4">
+              <a:shade val="50000"/>
+            </a:schemeClr>
+          </a:lnRef>
+          <a:fillRef idx="1">
+            <a:schemeClr val="accent4"/>
+          </a:fillRef>
+          <a:effectRef idx="0">
+            <a:schemeClr val="accent4"/>
+          </a:effectRef>
+          <a:fontRef idx="minor">
+            <a:schemeClr val="lt1"/>
+          </a:fontRef>
+        </p:style>
+        <p:txBody>
+          <a:bodyPr rtlCol="0" anchor="ctr"/>
+          <a:lstStyle/>
+          <a:p>
+            <a:pPr algn="ctr"/>
+            <a:r>
+              <a:rPr lang="fr-FR" dirty="0" err="1"/>
+              <a:t>Mouf</a:t>
+            </a:r>
+            <a:endParaRPr lang="fr-FR" dirty="0"/>
+          </a:p>
+        </p:txBody>
+      </p:sp>
+      <p:sp>
+        <p:nvSpPr>
+          <p:cNvPr id="60" name="Flèche : droite 59"/>
+          <p:cNvSpPr/>
+          <p:nvPr/>
+        </p:nvSpPr>
+        <p:spPr>
+          <a:xfrm>
+            <a:off x="7529558" y="2565953"/>
+            <a:ext cx="518886" cy="204621"/>
+          </a:xfrm>
+          <a:prstGeom prst="rightArrow">
+            <a:avLst/>
+          </a:prstGeom>
+          <a:ln w="22225"/>
+        </p:spPr>
+        <p:style>
+          <a:lnRef idx="2">
+            <a:schemeClr val="accent4"/>
+          </a:lnRef>
+          <a:fillRef idx="1">
+            <a:schemeClr val="lt1"/>
+          </a:fillRef>
+          <a:effectRef idx="0">
+            <a:schemeClr val="accent4"/>
+          </a:effectRef>
+          <a:fontRef idx="minor">
+            <a:schemeClr val="dk1"/>
+          </a:fontRef>
+        </p:style>
+        <p:txBody>
+          <a:bodyPr rtlCol="0" anchor="ctr"/>
+          <a:lstStyle/>
+          <a:p>
+            <a:pPr algn="ctr"/>
+            <a:endParaRPr lang="fr-FR"/>
+          </a:p>
+        </p:txBody>
+      </p:sp>
+      <p:sp>
+        <p:nvSpPr>
+          <p:cNvPr id="61" name="Flèche : droite 60"/>
+          <p:cNvSpPr/>
+          <p:nvPr/>
+        </p:nvSpPr>
+        <p:spPr>
+          <a:xfrm>
+            <a:off x="7529558" y="3065744"/>
+            <a:ext cx="518886" cy="204621"/>
+          </a:xfrm>
+          <a:prstGeom prst="rightArrow">
+            <a:avLst/>
+          </a:prstGeom>
+          <a:ln w="22225"/>
+        </p:spPr>
+        <p:style>
+          <a:lnRef idx="2">
+            <a:schemeClr val="accent4"/>
+          </a:lnRef>
+          <a:fillRef idx="1">
+            <a:schemeClr val="lt1"/>
+          </a:fillRef>
+          <a:effectRef idx="0">
+            <a:schemeClr val="accent4"/>
+          </a:effectRef>
+          <a:fontRef idx="minor">
+            <a:schemeClr val="dk1"/>
+          </a:fontRef>
+        </p:style>
+        <p:txBody>
+          <a:bodyPr rtlCol="0" anchor="ctr"/>
+          <a:lstStyle/>
+          <a:p>
+            <a:pPr algn="ctr"/>
+            <a:endParaRPr lang="fr-FR"/>
+          </a:p>
+        </p:txBody>
+      </p:sp>
+      <p:sp>
+        <p:nvSpPr>
+          <p:cNvPr id="62" name="Flèche : droite 61"/>
+          <p:cNvSpPr/>
+          <p:nvPr/>
+        </p:nvSpPr>
+        <p:spPr>
+          <a:xfrm>
+            <a:off x="7529558" y="3565535"/>
+            <a:ext cx="518886" cy="204621"/>
+          </a:xfrm>
+          <a:prstGeom prst="rightArrow">
+            <a:avLst/>
+          </a:prstGeom>
+          <a:ln w="22225"/>
+        </p:spPr>
+        <p:style>
+          <a:lnRef idx="2">
+            <a:schemeClr val="accent4"/>
+          </a:lnRef>
+          <a:fillRef idx="1">
+            <a:schemeClr val="lt1"/>
+          </a:fillRef>
+          <a:effectRef idx="0">
+            <a:schemeClr val="accent4"/>
+          </a:effectRef>
+          <a:fontRef idx="minor">
+            <a:schemeClr val="dk1"/>
+          </a:fontRef>
+        </p:style>
+        <p:txBody>
+          <a:bodyPr rtlCol="0" anchor="ctr"/>
+          <a:lstStyle/>
+          <a:p>
+            <a:pPr algn="ctr"/>
+            <a:endParaRPr lang="fr-FR"/>
+          </a:p>
+        </p:txBody>
+      </p:sp>
+      <p:sp>
+        <p:nvSpPr>
+          <p:cNvPr id="63" name="Flèche : droite 62"/>
+          <p:cNvSpPr/>
+          <p:nvPr/>
+        </p:nvSpPr>
+        <p:spPr>
+          <a:xfrm>
+            <a:off x="7529558" y="4065326"/>
+            <a:ext cx="518886" cy="204621"/>
+          </a:xfrm>
+          <a:prstGeom prst="rightArrow">
+            <a:avLst/>
+          </a:prstGeom>
+          <a:ln w="22225"/>
+        </p:spPr>
+        <p:style>
+          <a:lnRef idx="2">
+            <a:schemeClr val="accent4"/>
+          </a:lnRef>
+          <a:fillRef idx="1">
+            <a:schemeClr val="lt1"/>
+          </a:fillRef>
+          <a:effectRef idx="0">
+            <a:schemeClr val="accent4"/>
+          </a:effectRef>
+          <a:fontRef idx="minor">
+            <a:schemeClr val="dk1"/>
+          </a:fontRef>
+        </p:style>
+        <p:txBody>
+          <a:bodyPr rtlCol="0" anchor="ctr"/>
+          <a:lstStyle/>
+          <a:p>
+            <a:pPr algn="ctr"/>
+            <a:endParaRPr lang="fr-FR"/>
+          </a:p>
+        </p:txBody>
+      </p:sp>
+      <p:sp>
+        <p:nvSpPr>
+          <p:cNvPr id="64" name="Rectangle : coins arrondis 63"/>
+          <p:cNvSpPr/>
+          <p:nvPr/>
+        </p:nvSpPr>
+        <p:spPr>
+          <a:xfrm>
+            <a:off x="8157914" y="4459713"/>
+            <a:ext cx="2122362" cy="414716"/>
+          </a:xfrm>
+          <a:prstGeom prst="roundRect">
+            <a:avLst>
+              <a:gd name="adj" fmla="val 6322"/>
+            </a:avLst>
+          </a:prstGeom>
+        </p:spPr>
+        <p:style>
+          <a:lnRef idx="2">
+            <a:schemeClr val="accent4">
+              <a:shade val="50000"/>
+            </a:schemeClr>
+          </a:lnRef>
+          <a:fillRef idx="1">
+            <a:schemeClr val="accent4"/>
+          </a:fillRef>
+          <a:effectRef idx="0">
+            <a:schemeClr val="accent4"/>
+          </a:effectRef>
+          <a:fontRef idx="minor">
+            <a:schemeClr val="lt1"/>
+          </a:fontRef>
+        </p:style>
+        <p:txBody>
+          <a:bodyPr rtlCol="0" anchor="ctr"/>
+          <a:lstStyle/>
+          <a:p>
+            <a:pPr algn="ctr"/>
+            <a:r>
+              <a:rPr lang="fr-FR" dirty="0"/>
+              <a:t>Joomla</a:t>
+            </a:r>
+          </a:p>
+        </p:txBody>
+      </p:sp>
+      <p:sp>
+        <p:nvSpPr>
+          <p:cNvPr id="65" name="Rectangle : coins arrondis 64"/>
+          <p:cNvSpPr/>
+          <p:nvPr/>
+        </p:nvSpPr>
+        <p:spPr>
+          <a:xfrm>
+            <a:off x="8157914" y="4960296"/>
+            <a:ext cx="2122362" cy="414716"/>
+          </a:xfrm>
+          <a:prstGeom prst="roundRect">
+            <a:avLst>
+              <a:gd name="adj" fmla="val 6322"/>
+            </a:avLst>
+          </a:prstGeom>
+        </p:spPr>
+        <p:style>
+          <a:lnRef idx="2">
+            <a:schemeClr val="accent4">
+              <a:shade val="50000"/>
+            </a:schemeClr>
+          </a:lnRef>
+          <a:fillRef idx="1">
+            <a:schemeClr val="accent4"/>
+          </a:fillRef>
+          <a:effectRef idx="0">
+            <a:schemeClr val="accent4"/>
+          </a:effectRef>
+          <a:fontRef idx="minor">
+            <a:schemeClr val="lt1"/>
+          </a:fontRef>
+        </p:style>
+        <p:txBody>
+          <a:bodyPr rtlCol="0" anchor="ctr"/>
+          <a:lstStyle/>
+          <a:p>
+            <a:pPr algn="ctr"/>
+            <a:r>
+              <a:rPr lang="fr-FR" dirty="0" err="1"/>
+              <a:t>Magento</a:t>
+            </a:r>
+            <a:endParaRPr lang="fr-FR" dirty="0"/>
+          </a:p>
+        </p:txBody>
+      </p:sp>
+      <p:sp>
+        <p:nvSpPr>
+          <p:cNvPr id="66" name="Rectangle : coins arrondis 65"/>
+          <p:cNvSpPr/>
+          <p:nvPr/>
+        </p:nvSpPr>
+        <p:spPr>
+          <a:xfrm>
+            <a:off x="8157914" y="5460879"/>
+            <a:ext cx="2122362" cy="414716"/>
+          </a:xfrm>
+          <a:prstGeom prst="roundRect">
+            <a:avLst>
+              <a:gd name="adj" fmla="val 6322"/>
+            </a:avLst>
+          </a:prstGeom>
+        </p:spPr>
+        <p:style>
+          <a:lnRef idx="2">
+            <a:schemeClr val="accent4">
+              <a:shade val="50000"/>
+            </a:schemeClr>
+          </a:lnRef>
+          <a:fillRef idx="1">
+            <a:schemeClr val="accent4"/>
+          </a:fillRef>
+          <a:effectRef idx="0">
+            <a:schemeClr val="accent4"/>
+          </a:effectRef>
+          <a:fontRef idx="minor">
+            <a:schemeClr val="lt1"/>
+          </a:fontRef>
+        </p:style>
+        <p:txBody>
+          <a:bodyPr rtlCol="0" anchor="ctr"/>
+          <a:lstStyle/>
+          <a:p>
+            <a:pPr algn="ctr"/>
+            <a:r>
+              <a:rPr lang="fr-FR" dirty="0"/>
+              <a:t>Magento2</a:t>
+            </a:r>
+          </a:p>
+        </p:txBody>
+      </p:sp>
+      <p:sp>
+        <p:nvSpPr>
+          <p:cNvPr id="67" name="Flèche : droite 66"/>
+          <p:cNvSpPr/>
+          <p:nvPr/>
+        </p:nvSpPr>
+        <p:spPr>
+          <a:xfrm>
+            <a:off x="7529558" y="4565117"/>
+            <a:ext cx="518886" cy="204621"/>
+          </a:xfrm>
+          <a:prstGeom prst="rightArrow">
+            <a:avLst/>
+          </a:prstGeom>
+          <a:ln w="22225"/>
+        </p:spPr>
+        <p:style>
+          <a:lnRef idx="2">
+            <a:schemeClr val="accent4"/>
+          </a:lnRef>
+          <a:fillRef idx="1">
+            <a:schemeClr val="lt1"/>
+          </a:fillRef>
+          <a:effectRef idx="0">
+            <a:schemeClr val="accent4"/>
+          </a:effectRef>
+          <a:fontRef idx="minor">
+            <a:schemeClr val="dk1"/>
+          </a:fontRef>
+        </p:style>
+        <p:txBody>
+          <a:bodyPr rtlCol="0" anchor="ctr"/>
+          <a:lstStyle/>
+          <a:p>
+            <a:pPr algn="ctr"/>
+            <a:endParaRPr lang="fr-FR"/>
+          </a:p>
+        </p:txBody>
+      </p:sp>
+      <p:sp>
+        <p:nvSpPr>
+          <p:cNvPr id="68" name="Flèche : droite 67"/>
+          <p:cNvSpPr/>
+          <p:nvPr/>
+        </p:nvSpPr>
+        <p:spPr>
+          <a:xfrm>
+            <a:off x="7529558" y="5064908"/>
+            <a:ext cx="518886" cy="204621"/>
+          </a:xfrm>
+          <a:prstGeom prst="rightArrow">
+            <a:avLst/>
+          </a:prstGeom>
+          <a:ln w="22225"/>
+        </p:spPr>
+        <p:style>
+          <a:lnRef idx="2">
+            <a:schemeClr val="accent4"/>
+          </a:lnRef>
+          <a:fillRef idx="1">
+            <a:schemeClr val="lt1"/>
+          </a:fillRef>
+          <a:effectRef idx="0">
+            <a:schemeClr val="accent4"/>
+          </a:effectRef>
+          <a:fontRef idx="minor">
+            <a:schemeClr val="dk1"/>
+          </a:fontRef>
+        </p:style>
+        <p:txBody>
+          <a:bodyPr rtlCol="0" anchor="ctr"/>
+          <a:lstStyle/>
+          <a:p>
+            <a:pPr algn="ctr"/>
+            <a:endParaRPr lang="fr-FR"/>
+          </a:p>
+        </p:txBody>
+      </p:sp>
+      <p:sp>
+        <p:nvSpPr>
+          <p:cNvPr id="69" name="Flèche : droite 68"/>
+          <p:cNvSpPr/>
+          <p:nvPr/>
+        </p:nvSpPr>
+        <p:spPr>
+          <a:xfrm>
+            <a:off x="7529558" y="5564703"/>
+            <a:ext cx="518886" cy="204621"/>
+          </a:xfrm>
+          <a:prstGeom prst="rightArrow">
+            <a:avLst/>
+          </a:prstGeom>
+          <a:ln w="22225"/>
+        </p:spPr>
+        <p:style>
+          <a:lnRef idx="2">
+            <a:schemeClr val="accent4"/>
+          </a:lnRef>
+          <a:fillRef idx="1">
+            <a:schemeClr val="lt1"/>
+          </a:fillRef>
+          <a:effectRef idx="0">
+            <a:schemeClr val="accent4"/>
+          </a:effectRef>
+          <a:fontRef idx="minor">
+            <a:schemeClr val="dk1"/>
+          </a:fontRef>
+        </p:style>
+        <p:txBody>
+          <a:bodyPr rtlCol="0" anchor="ctr"/>
+          <a:lstStyle/>
+          <a:p>
+            <a:pPr algn="ctr"/>
+            <a:endParaRPr lang="fr-FR"/>
+          </a:p>
+        </p:txBody>
+      </p:sp>
+      <p:sp>
+        <p:nvSpPr>
+          <p:cNvPr id="70" name="Flèche : droite 69"/>
+          <p:cNvSpPr/>
+          <p:nvPr/>
+        </p:nvSpPr>
+        <p:spPr>
+          <a:xfrm rot="18435399">
+            <a:off x="2666392" y="2560993"/>
+            <a:ext cx="664422" cy="204621"/>
+          </a:xfrm>
+          <a:prstGeom prst="rightArrow">
+            <a:avLst/>
+          </a:prstGeom>
+          <a:ln/>
+        </p:spPr>
+        <p:style>
+          <a:lnRef idx="2">
+            <a:schemeClr val="accent3">
+              <a:shade val="50000"/>
+            </a:schemeClr>
+          </a:lnRef>
+          <a:fillRef idx="1">
+            <a:schemeClr val="accent3"/>
+          </a:fillRef>
+          <a:effectRef idx="0">
+            <a:schemeClr val="accent3"/>
+          </a:effectRef>
+          <a:fontRef idx="minor">
+            <a:schemeClr val="lt1"/>
+          </a:fontRef>
+        </p:style>
+        <p:txBody>
+          <a:bodyPr rtlCol="0" anchor="ctr"/>
+          <a:lstStyle/>
+          <a:p>
+            <a:pPr algn="ctr"/>
+            <a:endParaRPr lang="fr-FR"/>
+          </a:p>
+        </p:txBody>
+      </p:sp>
+      <p:sp>
+        <p:nvSpPr>
+          <p:cNvPr id="71" name="Flèche : droite 70"/>
+          <p:cNvSpPr/>
+          <p:nvPr/>
+        </p:nvSpPr>
+        <p:spPr>
+          <a:xfrm rot="18014403">
+            <a:off x="2383843" y="2413705"/>
+            <a:ext cx="664422" cy="204621"/>
+          </a:xfrm>
+          <a:prstGeom prst="rightArrow">
+            <a:avLst/>
+          </a:prstGeom>
+          <a:ln/>
+        </p:spPr>
+        <p:style>
+          <a:lnRef idx="2">
+            <a:schemeClr val="accent3">
+              <a:shade val="50000"/>
+            </a:schemeClr>
+          </a:lnRef>
+          <a:fillRef idx="1">
+            <a:schemeClr val="accent3"/>
+          </a:fillRef>
+          <a:effectRef idx="0">
+            <a:schemeClr val="accent3"/>
+          </a:effectRef>
+          <a:fontRef idx="minor">
+            <a:schemeClr val="lt1"/>
+          </a:fontRef>
+        </p:style>
+        <p:txBody>
+          <a:bodyPr rtlCol="0" anchor="ctr"/>
+          <a:lstStyle/>
+          <a:p>
+            <a:pPr algn="ctr"/>
+            <a:endParaRPr lang="fr-FR"/>
+          </a:p>
+        </p:txBody>
+      </p:sp>
+      <p:sp>
+        <p:nvSpPr>
+          <p:cNvPr id="72" name="Flèche : droite 71"/>
+          <p:cNvSpPr/>
+          <p:nvPr/>
+        </p:nvSpPr>
+        <p:spPr>
+          <a:xfrm rot="3084857">
+            <a:off x="2639540" y="4064178"/>
+            <a:ext cx="664422" cy="204621"/>
+          </a:xfrm>
+          <a:prstGeom prst="rightArrow">
+            <a:avLst/>
+          </a:prstGeom>
+          <a:ln/>
+        </p:spPr>
+        <p:style>
+          <a:lnRef idx="2">
+            <a:schemeClr val="accent3">
+              <a:shade val="50000"/>
+            </a:schemeClr>
+          </a:lnRef>
+          <a:fillRef idx="1">
+            <a:schemeClr val="accent3"/>
+          </a:fillRef>
+          <a:effectRef idx="0">
+            <a:schemeClr val="accent3"/>
+          </a:effectRef>
+          <a:fontRef idx="minor">
+            <a:schemeClr val="lt1"/>
+          </a:fontRef>
+        </p:style>
+        <p:txBody>
+          <a:bodyPr rtlCol="0" anchor="ctr"/>
+          <a:lstStyle/>
+          <a:p>
+            <a:pPr algn="ctr"/>
+            <a:endParaRPr lang="fr-FR"/>
+          </a:p>
+        </p:txBody>
+      </p:sp>
+      <p:sp>
+        <p:nvSpPr>
+          <p:cNvPr id="73" name="Flèche : droite 72"/>
+          <p:cNvSpPr/>
+          <p:nvPr/>
+        </p:nvSpPr>
+        <p:spPr>
+          <a:xfrm rot="3551136">
+            <a:off x="2418280" y="4227037"/>
+            <a:ext cx="664422" cy="204621"/>
+          </a:xfrm>
+          <a:prstGeom prst="rightArrow">
+            <a:avLst/>
+          </a:prstGeom>
+          <a:ln/>
+        </p:spPr>
+        <p:style>
+          <a:lnRef idx="2">
+            <a:schemeClr val="accent3">
+              <a:shade val="50000"/>
+            </a:schemeClr>
+          </a:lnRef>
+          <a:fillRef idx="1">
+            <a:schemeClr val="accent3"/>
+          </a:fillRef>
+          <a:effectRef idx="0">
+            <a:schemeClr val="accent3"/>
+          </a:effectRef>
+          <a:fontRef idx="minor">
+            <a:schemeClr val="lt1"/>
+          </a:fontRef>
+        </p:style>
+        <p:txBody>
+          <a:bodyPr rtlCol="0" anchor="ctr"/>
+          <a:lstStyle/>
+          <a:p>
+            <a:pPr algn="ctr"/>
+            <a:endParaRPr lang="fr-FR"/>
+          </a:p>
+        </p:txBody>
+      </p:sp>
       <p:cxnSp>
         <p:nvCxnSpPr>
           <p:cNvPr id="3" name="Connecteur droit 2"/>
@@ -10040,7 +10758,7 @@
 </p:sld>
 </file>
 
-<file path=ppt/slides/slide16.xml><?xml version="1.0" encoding="utf-8"?>
+<file path=ppt/slides/slide17.xml><?xml version="1.0" encoding="utf-8"?>
 <p:sld xmlns:a="http://schemas.openxmlformats.org/drawingml/2006/main" xmlns:r="http://schemas.openxmlformats.org/officeDocument/2006/relationships" xmlns:p="http://schemas.openxmlformats.org/presentationml/2006/main">
   <p:cSld>
     <p:spTree>
@@ -11064,6 +11782,2697 @@
 </p:sld>
 </file>
 
+<file path=ppt/slides/slide18.xml><?xml version="1.0" encoding="utf-8"?>
+<p:sld xmlns:a="http://schemas.openxmlformats.org/drawingml/2006/main" xmlns:r="http://schemas.openxmlformats.org/officeDocument/2006/relationships" xmlns:p="http://schemas.openxmlformats.org/presentationml/2006/main">
+  <p:cSld>
+    <p:spTree>
+      <p:nvGrpSpPr>
+        <p:cNvPr id="1" name=""/>
+        <p:cNvGrpSpPr/>
+        <p:nvPr/>
+      </p:nvGrpSpPr>
+      <p:grpSpPr>
+        <a:xfrm>
+          <a:off x="0" y="0"/>
+          <a:ext cx="0" cy="0"/>
+          <a:chOff x="0" y="0"/>
+          <a:chExt cx="0" cy="0"/>
+        </a:xfrm>
+      </p:grpSpPr>
+      <p:sp>
+        <p:nvSpPr>
+          <p:cNvPr id="4" name="Rectangle : coins arrondis 3"/>
+          <p:cNvSpPr/>
+          <p:nvPr/>
+        </p:nvSpPr>
+        <p:spPr>
+          <a:xfrm>
+            <a:off x="-139990" y="3163872"/>
+            <a:ext cx="1988659" cy="741750"/>
+          </a:xfrm>
+          <a:prstGeom prst="roundRect">
+            <a:avLst>
+              <a:gd name="adj" fmla="val 6322"/>
+            </a:avLst>
+          </a:prstGeom>
+        </p:spPr>
+        <p:style>
+          <a:lnRef idx="2">
+            <a:schemeClr val="accent3">
+              <a:shade val="50000"/>
+            </a:schemeClr>
+          </a:lnRef>
+          <a:fillRef idx="1">
+            <a:schemeClr val="accent3"/>
+          </a:fillRef>
+          <a:effectRef idx="0">
+            <a:schemeClr val="accent3"/>
+          </a:effectRef>
+          <a:fontRef idx="minor">
+            <a:schemeClr val="lt1"/>
+          </a:fontRef>
+        </p:style>
+        <p:txBody>
+          <a:bodyPr rtlCol="0" anchor="ctr"/>
+          <a:lstStyle/>
+          <a:p>
+            <a:pPr algn="ctr"/>
+            <a:r>
+              <a:rPr lang="fr-FR" dirty="0"/>
+              <a:t>l33t/</a:t>
+            </a:r>
+            <a:r>
+              <a:rPr lang="fr-FR" dirty="0" err="1"/>
+              <a:t>weatherapi</a:t>
+            </a:r>
+            <a:endParaRPr lang="fr-FR" dirty="0">
+              <a:latin typeface="Consolas" panose="020B0609020204030204" pitchFamily="49" charset="0"/>
+            </a:endParaRPr>
+          </a:p>
+        </p:txBody>
+      </p:sp>
+      <p:sp>
+        <p:nvSpPr>
+          <p:cNvPr id="41" name="Rectangle : coins arrondis 40"/>
+          <p:cNvSpPr/>
+          <p:nvPr/>
+        </p:nvSpPr>
+        <p:spPr>
+          <a:xfrm>
+            <a:off x="7311154" y="1441166"/>
+            <a:ext cx="2122362" cy="414716"/>
+          </a:xfrm>
+          <a:prstGeom prst="roundRect">
+            <a:avLst>
+              <a:gd name="adj" fmla="val 6322"/>
+            </a:avLst>
+          </a:prstGeom>
+        </p:spPr>
+        <p:style>
+          <a:lnRef idx="2">
+            <a:schemeClr val="accent4">
+              <a:shade val="50000"/>
+            </a:schemeClr>
+          </a:lnRef>
+          <a:fillRef idx="1">
+            <a:schemeClr val="accent4"/>
+          </a:fillRef>
+          <a:effectRef idx="0">
+            <a:schemeClr val="accent4"/>
+          </a:effectRef>
+          <a:fontRef idx="minor">
+            <a:schemeClr val="lt1"/>
+          </a:fontRef>
+        </p:style>
+        <p:txBody>
+          <a:bodyPr rtlCol="0" anchor="ctr"/>
+          <a:lstStyle/>
+          <a:p>
+            <a:pPr algn="ctr"/>
+            <a:r>
+              <a:rPr lang="fr-FR" dirty="0" err="1"/>
+              <a:t>Symfony</a:t>
+            </a:r>
+            <a:r>
+              <a:rPr lang="fr-FR" dirty="0"/>
+              <a:t> bridge</a:t>
+            </a:r>
+          </a:p>
+        </p:txBody>
+      </p:sp>
+      <p:sp>
+        <p:nvSpPr>
+          <p:cNvPr id="42" name="Rectangle : coins arrondis 41"/>
+          <p:cNvSpPr/>
+          <p:nvPr/>
+        </p:nvSpPr>
+        <p:spPr>
+          <a:xfrm>
+            <a:off x="7311154" y="1941749"/>
+            <a:ext cx="2122362" cy="414716"/>
+          </a:xfrm>
+          <a:prstGeom prst="roundRect">
+            <a:avLst>
+              <a:gd name="adj" fmla="val 6322"/>
+            </a:avLst>
+          </a:prstGeom>
+        </p:spPr>
+        <p:style>
+          <a:lnRef idx="2">
+            <a:schemeClr val="accent4">
+              <a:shade val="50000"/>
+            </a:schemeClr>
+          </a:lnRef>
+          <a:fillRef idx="1">
+            <a:schemeClr val="accent4"/>
+          </a:fillRef>
+          <a:effectRef idx="0">
+            <a:schemeClr val="accent4"/>
+          </a:effectRef>
+          <a:fontRef idx="minor">
+            <a:schemeClr val="lt1"/>
+          </a:fontRef>
+        </p:style>
+        <p:txBody>
+          <a:bodyPr rtlCol="0" anchor="ctr"/>
+          <a:lstStyle/>
+          <a:p>
+            <a:pPr algn="ctr"/>
+            <a:r>
+              <a:rPr lang="fr-FR" dirty="0"/>
+              <a:t>ZF </a:t>
+            </a:r>
+            <a:r>
+              <a:rPr lang="fr-FR" dirty="0"/>
+              <a:t>bridge</a:t>
+            </a:r>
+            <a:endParaRPr lang="fr-FR" dirty="0"/>
+          </a:p>
+        </p:txBody>
+      </p:sp>
+      <p:sp>
+        <p:nvSpPr>
+          <p:cNvPr id="43" name="Rectangle : coins arrondis 42"/>
+          <p:cNvSpPr/>
+          <p:nvPr/>
+        </p:nvSpPr>
+        <p:spPr>
+          <a:xfrm>
+            <a:off x="7311154" y="2442332"/>
+            <a:ext cx="2122362" cy="414716"/>
+          </a:xfrm>
+          <a:prstGeom prst="roundRect">
+            <a:avLst>
+              <a:gd name="adj" fmla="val 6322"/>
+            </a:avLst>
+          </a:prstGeom>
+        </p:spPr>
+        <p:style>
+          <a:lnRef idx="2">
+            <a:schemeClr val="accent4">
+              <a:shade val="50000"/>
+            </a:schemeClr>
+          </a:lnRef>
+          <a:fillRef idx="1">
+            <a:schemeClr val="accent4"/>
+          </a:fillRef>
+          <a:effectRef idx="0">
+            <a:schemeClr val="accent4"/>
+          </a:effectRef>
+          <a:fontRef idx="minor">
+            <a:schemeClr val="lt1"/>
+          </a:fontRef>
+        </p:style>
+        <p:txBody>
+          <a:bodyPr rtlCol="0" anchor="ctr"/>
+          <a:lstStyle/>
+          <a:p>
+            <a:pPr algn="ctr"/>
+            <a:r>
+              <a:rPr lang="fr-FR" dirty="0" err="1"/>
+              <a:t>Laravel</a:t>
+            </a:r>
+            <a:r>
+              <a:rPr lang="fr-FR" dirty="0"/>
+              <a:t> </a:t>
+            </a:r>
+            <a:r>
+              <a:rPr lang="fr-FR" dirty="0"/>
+              <a:t>bridge</a:t>
+            </a:r>
+            <a:endParaRPr lang="fr-FR" dirty="0"/>
+          </a:p>
+        </p:txBody>
+      </p:sp>
+      <p:sp>
+        <p:nvSpPr>
+          <p:cNvPr id="51" name="Rectangle : coins arrondis 50"/>
+          <p:cNvSpPr/>
+          <p:nvPr/>
+        </p:nvSpPr>
+        <p:spPr>
+          <a:xfrm>
+            <a:off x="2456026" y="3157978"/>
+            <a:ext cx="3623492" cy="740532"/>
+          </a:xfrm>
+          <a:prstGeom prst="roundRect">
+            <a:avLst>
+              <a:gd name="adj" fmla="val 6322"/>
+            </a:avLst>
+          </a:prstGeom>
+          <a:solidFill>
+            <a:schemeClr val="accent3">
+              <a:lumMod val="60000"/>
+              <a:lumOff val="40000"/>
+            </a:schemeClr>
+          </a:solidFill>
+          <a:ln>
+            <a:solidFill>
+              <a:schemeClr val="accent3">
+                <a:shade val="50000"/>
+              </a:schemeClr>
+            </a:solidFill>
+          </a:ln>
+        </p:spPr>
+        <p:style>
+          <a:lnRef idx="2">
+            <a:schemeClr val="accent3">
+              <a:shade val="50000"/>
+            </a:schemeClr>
+          </a:lnRef>
+          <a:fillRef idx="1">
+            <a:schemeClr val="accent3"/>
+          </a:fillRef>
+          <a:effectRef idx="0">
+            <a:schemeClr val="accent3"/>
+          </a:effectRef>
+          <a:fontRef idx="minor">
+            <a:schemeClr val="lt1"/>
+          </a:fontRef>
+        </p:style>
+        <p:txBody>
+          <a:bodyPr rtlCol="0" anchor="ctr"/>
+          <a:lstStyle/>
+          <a:p>
+            <a:pPr algn="ctr"/>
+            <a:r>
+              <a:rPr lang="fr-FR" dirty="0"/>
+              <a:t>l33t/</a:t>
+            </a:r>
+            <a:r>
+              <a:rPr lang="fr-FR" dirty="0" err="1"/>
+              <a:t>weatherapi</a:t>
+            </a:r>
+            <a:r>
+              <a:rPr lang="fr-FR" dirty="0"/>
+              <a:t>-</a:t>
+            </a:r>
+            <a:r>
+              <a:rPr lang="fr-FR" dirty="0" err="1"/>
+              <a:t>universal</a:t>
+            </a:r>
+            <a:r>
+              <a:rPr lang="fr-FR" dirty="0"/>
+              <a:t>-module</a:t>
+            </a:r>
+          </a:p>
+        </p:txBody>
+      </p:sp>
+      <p:sp>
+        <p:nvSpPr>
+          <p:cNvPr id="58" name="Rectangle : coins arrondis 57"/>
+          <p:cNvSpPr/>
+          <p:nvPr/>
+        </p:nvSpPr>
+        <p:spPr>
+          <a:xfrm>
+            <a:off x="7311154" y="2951782"/>
+            <a:ext cx="2122362" cy="414716"/>
+          </a:xfrm>
+          <a:prstGeom prst="roundRect">
+            <a:avLst>
+              <a:gd name="adj" fmla="val 6322"/>
+            </a:avLst>
+          </a:prstGeom>
+        </p:spPr>
+        <p:style>
+          <a:lnRef idx="2">
+            <a:schemeClr val="accent4">
+              <a:shade val="50000"/>
+            </a:schemeClr>
+          </a:lnRef>
+          <a:fillRef idx="1">
+            <a:schemeClr val="accent4"/>
+          </a:fillRef>
+          <a:effectRef idx="0">
+            <a:schemeClr val="accent4"/>
+          </a:effectRef>
+          <a:fontRef idx="minor">
+            <a:schemeClr val="lt1"/>
+          </a:fontRef>
+        </p:style>
+        <p:txBody>
+          <a:bodyPr rtlCol="0" anchor="ctr"/>
+          <a:lstStyle/>
+          <a:p>
+            <a:pPr algn="ctr"/>
+            <a:r>
+              <a:rPr lang="fr-FR" dirty="0"/>
+              <a:t>Silex </a:t>
+            </a:r>
+            <a:r>
+              <a:rPr lang="fr-FR" dirty="0"/>
+              <a:t>bridge</a:t>
+            </a:r>
+            <a:endParaRPr lang="fr-FR" dirty="0"/>
+          </a:p>
+        </p:txBody>
+      </p:sp>
+      <p:sp>
+        <p:nvSpPr>
+          <p:cNvPr id="59" name="Rectangle : coins arrondis 58"/>
+          <p:cNvSpPr/>
+          <p:nvPr/>
+        </p:nvSpPr>
+        <p:spPr>
+          <a:xfrm>
+            <a:off x="7311154" y="3452365"/>
+            <a:ext cx="2122362" cy="414716"/>
+          </a:xfrm>
+          <a:prstGeom prst="roundRect">
+            <a:avLst>
+              <a:gd name="adj" fmla="val 6322"/>
+            </a:avLst>
+          </a:prstGeom>
+        </p:spPr>
+        <p:style>
+          <a:lnRef idx="2">
+            <a:schemeClr val="accent4">
+              <a:shade val="50000"/>
+            </a:schemeClr>
+          </a:lnRef>
+          <a:fillRef idx="1">
+            <a:schemeClr val="accent4"/>
+          </a:fillRef>
+          <a:effectRef idx="0">
+            <a:schemeClr val="accent4"/>
+          </a:effectRef>
+          <a:fontRef idx="minor">
+            <a:schemeClr val="lt1"/>
+          </a:fontRef>
+        </p:style>
+        <p:txBody>
+          <a:bodyPr rtlCol="0" anchor="ctr"/>
+          <a:lstStyle/>
+          <a:p>
+            <a:pPr algn="ctr"/>
+            <a:r>
+              <a:rPr lang="fr-FR" dirty="0" err="1"/>
+              <a:t>Mouf</a:t>
+            </a:r>
+            <a:r>
+              <a:rPr lang="fr-FR" dirty="0"/>
+              <a:t> </a:t>
+            </a:r>
+            <a:r>
+              <a:rPr lang="fr-FR" dirty="0"/>
+              <a:t>bridge</a:t>
+            </a:r>
+            <a:endParaRPr lang="fr-FR" dirty="0"/>
+          </a:p>
+        </p:txBody>
+      </p:sp>
+      <p:grpSp>
+        <p:nvGrpSpPr>
+          <p:cNvPr id="2" name="Groupe 1"/>
+          <p:cNvGrpSpPr/>
+          <p:nvPr/>
+        </p:nvGrpSpPr>
+        <p:grpSpPr>
+          <a:xfrm>
+            <a:off x="6079518" y="2295870"/>
+            <a:ext cx="908153" cy="2477754"/>
+            <a:chOff x="2613743" y="2183805"/>
+            <a:chExt cx="908153" cy="2477754"/>
+          </a:xfrm>
+        </p:grpSpPr>
+        <p:sp>
+          <p:nvSpPr>
+            <p:cNvPr id="18" name="Flèche : droite 17"/>
+            <p:cNvSpPr/>
+            <p:nvPr/>
+          </p:nvSpPr>
+          <p:spPr>
+            <a:xfrm rot="18900000">
+              <a:off x="2819047" y="2833480"/>
+              <a:ext cx="664422" cy="204621"/>
+            </a:xfrm>
+            <a:prstGeom prst="rightArrow">
+              <a:avLst/>
+            </a:prstGeom>
+            <a:ln w="22225"/>
+          </p:spPr>
+          <p:style>
+            <a:lnRef idx="2">
+              <a:schemeClr val="accent4"/>
+            </a:lnRef>
+            <a:fillRef idx="1">
+              <a:schemeClr val="lt1"/>
+            </a:fillRef>
+            <a:effectRef idx="0">
+              <a:schemeClr val="accent4"/>
+            </a:effectRef>
+            <a:fontRef idx="minor">
+              <a:schemeClr val="dk1"/>
+            </a:fontRef>
+          </p:style>
+          <p:txBody>
+            <a:bodyPr rtlCol="0" anchor="ctr"/>
+            <a:lstStyle/>
+            <a:p>
+              <a:pPr algn="ctr"/>
+              <a:endParaRPr lang="fr-FR"/>
+            </a:p>
+          </p:txBody>
+        </p:sp>
+        <p:sp>
+          <p:nvSpPr>
+            <p:cNvPr id="23" name="Flèche : droite 22"/>
+            <p:cNvSpPr/>
+            <p:nvPr/>
+          </p:nvSpPr>
+          <p:spPr>
+            <a:xfrm rot="2700000">
+              <a:off x="2819049" y="3881265"/>
+              <a:ext cx="664422" cy="204621"/>
+            </a:xfrm>
+            <a:prstGeom prst="rightArrow">
+              <a:avLst/>
+            </a:prstGeom>
+            <a:ln w="22225"/>
+          </p:spPr>
+          <p:style>
+            <a:lnRef idx="2">
+              <a:schemeClr val="accent4"/>
+            </a:lnRef>
+            <a:fillRef idx="1">
+              <a:schemeClr val="lt1"/>
+            </a:fillRef>
+            <a:effectRef idx="0">
+              <a:schemeClr val="accent4"/>
+            </a:effectRef>
+            <a:fontRef idx="minor">
+              <a:schemeClr val="dk1"/>
+            </a:fontRef>
+          </p:style>
+          <p:txBody>
+            <a:bodyPr rtlCol="0" anchor="ctr"/>
+            <a:lstStyle/>
+            <a:p>
+              <a:pPr algn="ctr"/>
+              <a:endParaRPr lang="fr-FR"/>
+            </a:p>
+          </p:txBody>
+        </p:sp>
+        <p:sp>
+          <p:nvSpPr>
+            <p:cNvPr id="24" name="Flèche : droite 23"/>
+            <p:cNvSpPr/>
+            <p:nvPr/>
+          </p:nvSpPr>
+          <p:spPr>
+            <a:xfrm rot="900000">
+              <a:off x="2937226" y="3549992"/>
+              <a:ext cx="584670" cy="204621"/>
+            </a:xfrm>
+            <a:prstGeom prst="rightArrow">
+              <a:avLst/>
+            </a:prstGeom>
+            <a:ln w="22225"/>
+          </p:spPr>
+          <p:style>
+            <a:lnRef idx="2">
+              <a:schemeClr val="accent4"/>
+            </a:lnRef>
+            <a:fillRef idx="1">
+              <a:schemeClr val="lt1"/>
+            </a:fillRef>
+            <a:effectRef idx="0">
+              <a:schemeClr val="accent4"/>
+            </a:effectRef>
+            <a:fontRef idx="minor">
+              <a:schemeClr val="dk1"/>
+            </a:fontRef>
+          </p:style>
+          <p:txBody>
+            <a:bodyPr rtlCol="0" anchor="ctr"/>
+            <a:lstStyle/>
+            <a:p>
+              <a:pPr algn="ctr"/>
+              <a:endParaRPr lang="fr-FR"/>
+            </a:p>
+          </p:txBody>
+        </p:sp>
+        <p:sp>
+          <p:nvSpPr>
+            <p:cNvPr id="25" name="Flèche : droite 24"/>
+            <p:cNvSpPr/>
+            <p:nvPr/>
+          </p:nvSpPr>
+          <p:spPr>
+            <a:xfrm rot="19800000">
+              <a:off x="2914460" y="3140734"/>
+              <a:ext cx="584670" cy="204621"/>
+            </a:xfrm>
+            <a:prstGeom prst="rightArrow">
+              <a:avLst/>
+            </a:prstGeom>
+            <a:ln w="22225"/>
+          </p:spPr>
+          <p:style>
+            <a:lnRef idx="2">
+              <a:schemeClr val="accent4"/>
+            </a:lnRef>
+            <a:fillRef idx="1">
+              <a:schemeClr val="lt1"/>
+            </a:fillRef>
+            <a:effectRef idx="0">
+              <a:schemeClr val="accent4"/>
+            </a:effectRef>
+            <a:fontRef idx="minor">
+              <a:schemeClr val="dk1"/>
+            </a:fontRef>
+          </p:style>
+          <p:txBody>
+            <a:bodyPr rtlCol="0" anchor="ctr"/>
+            <a:lstStyle/>
+            <a:p>
+              <a:pPr algn="ctr"/>
+              <a:endParaRPr lang="fr-FR"/>
+            </a:p>
+          </p:txBody>
+        </p:sp>
+        <p:sp>
+          <p:nvSpPr>
+            <p:cNvPr id="70" name="Flèche : droite 69"/>
+            <p:cNvSpPr/>
+            <p:nvPr/>
+          </p:nvSpPr>
+          <p:spPr>
+            <a:xfrm rot="18435399">
+              <a:off x="2666392" y="2560993"/>
+              <a:ext cx="664422" cy="204621"/>
+            </a:xfrm>
+            <a:prstGeom prst="rightArrow">
+              <a:avLst/>
+            </a:prstGeom>
+            <a:ln w="22225"/>
+          </p:spPr>
+          <p:style>
+            <a:lnRef idx="2">
+              <a:schemeClr val="accent4"/>
+            </a:lnRef>
+            <a:fillRef idx="1">
+              <a:schemeClr val="lt1"/>
+            </a:fillRef>
+            <a:effectRef idx="0">
+              <a:schemeClr val="accent4"/>
+            </a:effectRef>
+            <a:fontRef idx="minor">
+              <a:schemeClr val="dk1"/>
+            </a:fontRef>
+          </p:style>
+          <p:txBody>
+            <a:bodyPr rtlCol="0" anchor="ctr"/>
+            <a:lstStyle/>
+            <a:p>
+              <a:pPr algn="ctr"/>
+              <a:endParaRPr lang="fr-FR"/>
+            </a:p>
+          </p:txBody>
+        </p:sp>
+        <p:sp>
+          <p:nvSpPr>
+            <p:cNvPr id="71" name="Flèche : droite 70"/>
+            <p:cNvSpPr/>
+            <p:nvPr/>
+          </p:nvSpPr>
+          <p:spPr>
+            <a:xfrm rot="18014403">
+              <a:off x="2383843" y="2413705"/>
+              <a:ext cx="664422" cy="204621"/>
+            </a:xfrm>
+            <a:prstGeom prst="rightArrow">
+              <a:avLst/>
+            </a:prstGeom>
+            <a:ln w="22225"/>
+          </p:spPr>
+          <p:style>
+            <a:lnRef idx="2">
+              <a:schemeClr val="accent4"/>
+            </a:lnRef>
+            <a:fillRef idx="1">
+              <a:schemeClr val="lt1"/>
+            </a:fillRef>
+            <a:effectRef idx="0">
+              <a:schemeClr val="accent4"/>
+            </a:effectRef>
+            <a:fontRef idx="minor">
+              <a:schemeClr val="dk1"/>
+            </a:fontRef>
+          </p:style>
+          <p:txBody>
+            <a:bodyPr rtlCol="0" anchor="ctr"/>
+            <a:lstStyle/>
+            <a:p>
+              <a:pPr algn="ctr"/>
+              <a:endParaRPr lang="fr-FR"/>
+            </a:p>
+          </p:txBody>
+        </p:sp>
+        <p:sp>
+          <p:nvSpPr>
+            <p:cNvPr id="72" name="Flèche : droite 71"/>
+            <p:cNvSpPr/>
+            <p:nvPr/>
+          </p:nvSpPr>
+          <p:spPr>
+            <a:xfrm rot="3084857">
+              <a:off x="2639540" y="4064178"/>
+              <a:ext cx="664422" cy="204621"/>
+            </a:xfrm>
+            <a:prstGeom prst="rightArrow">
+              <a:avLst/>
+            </a:prstGeom>
+            <a:ln w="22225"/>
+          </p:spPr>
+          <p:style>
+            <a:lnRef idx="2">
+              <a:schemeClr val="accent4"/>
+            </a:lnRef>
+            <a:fillRef idx="1">
+              <a:schemeClr val="lt1"/>
+            </a:fillRef>
+            <a:effectRef idx="0">
+              <a:schemeClr val="accent4"/>
+            </a:effectRef>
+            <a:fontRef idx="minor">
+              <a:schemeClr val="dk1"/>
+            </a:fontRef>
+          </p:style>
+          <p:txBody>
+            <a:bodyPr rtlCol="0" anchor="ctr"/>
+            <a:lstStyle/>
+            <a:p>
+              <a:pPr algn="ctr"/>
+              <a:endParaRPr lang="fr-FR"/>
+            </a:p>
+          </p:txBody>
+        </p:sp>
+        <p:sp>
+          <p:nvSpPr>
+            <p:cNvPr id="73" name="Flèche : droite 72"/>
+            <p:cNvSpPr/>
+            <p:nvPr/>
+          </p:nvSpPr>
+          <p:spPr>
+            <a:xfrm rot="3551136">
+              <a:off x="2418280" y="4227037"/>
+              <a:ext cx="664422" cy="204621"/>
+            </a:xfrm>
+            <a:prstGeom prst="rightArrow">
+              <a:avLst/>
+            </a:prstGeom>
+            <a:ln w="22225"/>
+          </p:spPr>
+          <p:style>
+            <a:lnRef idx="2">
+              <a:schemeClr val="accent4"/>
+            </a:lnRef>
+            <a:fillRef idx="1">
+              <a:schemeClr val="lt1"/>
+            </a:fillRef>
+            <a:effectRef idx="0">
+              <a:schemeClr val="accent4"/>
+            </a:effectRef>
+            <a:fontRef idx="minor">
+              <a:schemeClr val="dk1"/>
+            </a:fontRef>
+          </p:style>
+          <p:txBody>
+            <a:bodyPr rtlCol="0" anchor="ctr"/>
+            <a:lstStyle/>
+            <a:p>
+              <a:pPr algn="ctr"/>
+              <a:endParaRPr lang="fr-FR"/>
+            </a:p>
+          </p:txBody>
+        </p:sp>
+      </p:grpSp>
+      <p:sp>
+        <p:nvSpPr>
+          <p:cNvPr id="75" name="Flèche : droite 74"/>
+          <p:cNvSpPr/>
+          <p:nvPr/>
+        </p:nvSpPr>
+        <p:spPr>
+          <a:xfrm>
+            <a:off x="1893943" y="3432436"/>
+            <a:ext cx="518886" cy="204621"/>
+          </a:xfrm>
+          <a:prstGeom prst="rightArrow">
+            <a:avLst/>
+          </a:prstGeom>
+          <a:ln w="22225"/>
+        </p:spPr>
+        <p:style>
+          <a:lnRef idx="2">
+            <a:schemeClr val="accent3"/>
+          </a:lnRef>
+          <a:fillRef idx="1">
+            <a:schemeClr val="lt1"/>
+          </a:fillRef>
+          <a:effectRef idx="0">
+            <a:schemeClr val="accent3"/>
+          </a:effectRef>
+          <a:fontRef idx="minor">
+            <a:schemeClr val="dk1"/>
+          </a:fontRef>
+        </p:style>
+        <p:txBody>
+          <a:bodyPr rtlCol="0" anchor="ctr"/>
+          <a:lstStyle/>
+          <a:p>
+            <a:pPr algn="ctr"/>
+            <a:endParaRPr lang="fr-FR"/>
+          </a:p>
+        </p:txBody>
+      </p:sp>
+      <p:sp>
+        <p:nvSpPr>
+          <p:cNvPr id="26" name="Rectangle : coins arrondis 25"/>
+          <p:cNvSpPr/>
+          <p:nvPr/>
+        </p:nvSpPr>
+        <p:spPr>
+          <a:xfrm>
+            <a:off x="10215719" y="1441166"/>
+            <a:ext cx="2122362" cy="414716"/>
+          </a:xfrm>
+          <a:prstGeom prst="roundRect">
+            <a:avLst>
+              <a:gd name="adj" fmla="val 6322"/>
+            </a:avLst>
+          </a:prstGeom>
+        </p:spPr>
+        <p:style>
+          <a:lnRef idx="2">
+            <a:schemeClr val="accent4">
+              <a:shade val="50000"/>
+            </a:schemeClr>
+          </a:lnRef>
+          <a:fillRef idx="1">
+            <a:schemeClr val="accent4"/>
+          </a:fillRef>
+          <a:effectRef idx="0">
+            <a:schemeClr val="accent4"/>
+          </a:effectRef>
+          <a:fontRef idx="minor">
+            <a:schemeClr val="lt1"/>
+          </a:fontRef>
+        </p:style>
+        <p:txBody>
+          <a:bodyPr rtlCol="0" anchor="ctr"/>
+          <a:lstStyle/>
+          <a:p>
+            <a:pPr algn="ctr"/>
+            <a:r>
+              <a:rPr lang="fr-FR" dirty="0" err="1"/>
+              <a:t>Symfony</a:t>
+            </a:r>
+            <a:endParaRPr lang="fr-FR" dirty="0"/>
+          </a:p>
+        </p:txBody>
+      </p:sp>
+      <p:sp>
+        <p:nvSpPr>
+          <p:cNvPr id="27" name="Rectangle : coins arrondis 26"/>
+          <p:cNvSpPr/>
+          <p:nvPr/>
+        </p:nvSpPr>
+        <p:spPr>
+          <a:xfrm>
+            <a:off x="10215719" y="1941749"/>
+            <a:ext cx="2122362" cy="414716"/>
+          </a:xfrm>
+          <a:prstGeom prst="roundRect">
+            <a:avLst>
+              <a:gd name="adj" fmla="val 6322"/>
+            </a:avLst>
+          </a:prstGeom>
+        </p:spPr>
+        <p:style>
+          <a:lnRef idx="2">
+            <a:schemeClr val="accent4">
+              <a:shade val="50000"/>
+            </a:schemeClr>
+          </a:lnRef>
+          <a:fillRef idx="1">
+            <a:schemeClr val="accent4"/>
+          </a:fillRef>
+          <a:effectRef idx="0">
+            <a:schemeClr val="accent4"/>
+          </a:effectRef>
+          <a:fontRef idx="minor">
+            <a:schemeClr val="lt1"/>
+          </a:fontRef>
+        </p:style>
+        <p:txBody>
+          <a:bodyPr rtlCol="0" anchor="ctr"/>
+          <a:lstStyle/>
+          <a:p>
+            <a:pPr algn="ctr"/>
+            <a:r>
+              <a:rPr lang="fr-FR" dirty="0"/>
+              <a:t>Zend Framework</a:t>
+            </a:r>
+          </a:p>
+        </p:txBody>
+      </p:sp>
+      <p:sp>
+        <p:nvSpPr>
+          <p:cNvPr id="28" name="Rectangle : coins arrondis 27"/>
+          <p:cNvSpPr/>
+          <p:nvPr/>
+        </p:nvSpPr>
+        <p:spPr>
+          <a:xfrm>
+            <a:off x="10215719" y="2442332"/>
+            <a:ext cx="2122362" cy="414716"/>
+          </a:xfrm>
+          <a:prstGeom prst="roundRect">
+            <a:avLst>
+              <a:gd name="adj" fmla="val 6322"/>
+            </a:avLst>
+          </a:prstGeom>
+        </p:spPr>
+        <p:style>
+          <a:lnRef idx="2">
+            <a:schemeClr val="accent4">
+              <a:shade val="50000"/>
+            </a:schemeClr>
+          </a:lnRef>
+          <a:fillRef idx="1">
+            <a:schemeClr val="accent4"/>
+          </a:fillRef>
+          <a:effectRef idx="0">
+            <a:schemeClr val="accent4"/>
+          </a:effectRef>
+          <a:fontRef idx="minor">
+            <a:schemeClr val="lt1"/>
+          </a:fontRef>
+        </p:style>
+        <p:txBody>
+          <a:bodyPr rtlCol="0" anchor="ctr"/>
+          <a:lstStyle/>
+          <a:p>
+            <a:pPr algn="ctr"/>
+            <a:r>
+              <a:rPr lang="fr-FR" dirty="0" err="1"/>
+              <a:t>Laravel</a:t>
+            </a:r>
+            <a:endParaRPr lang="fr-FR" dirty="0"/>
+          </a:p>
+        </p:txBody>
+      </p:sp>
+      <p:sp>
+        <p:nvSpPr>
+          <p:cNvPr id="30" name="Flèche : droite 29"/>
+          <p:cNvSpPr/>
+          <p:nvPr/>
+        </p:nvSpPr>
+        <p:spPr>
+          <a:xfrm>
+            <a:off x="9587363" y="1552906"/>
+            <a:ext cx="518886" cy="204621"/>
+          </a:xfrm>
+          <a:prstGeom prst="rightArrow">
+            <a:avLst/>
+          </a:prstGeom>
+          <a:ln w="22225"/>
+        </p:spPr>
+        <p:style>
+          <a:lnRef idx="2">
+            <a:schemeClr val="accent4"/>
+          </a:lnRef>
+          <a:fillRef idx="1">
+            <a:schemeClr val="lt1"/>
+          </a:fillRef>
+          <a:effectRef idx="0">
+            <a:schemeClr val="accent4"/>
+          </a:effectRef>
+          <a:fontRef idx="minor">
+            <a:schemeClr val="dk1"/>
+          </a:fontRef>
+        </p:style>
+        <p:txBody>
+          <a:bodyPr rtlCol="0" anchor="ctr"/>
+          <a:lstStyle/>
+          <a:p>
+            <a:pPr algn="ctr"/>
+            <a:endParaRPr lang="fr-FR"/>
+          </a:p>
+        </p:txBody>
+      </p:sp>
+      <p:sp>
+        <p:nvSpPr>
+          <p:cNvPr id="31" name="Flèche : droite 30"/>
+          <p:cNvSpPr/>
+          <p:nvPr/>
+        </p:nvSpPr>
+        <p:spPr>
+          <a:xfrm>
+            <a:off x="9587363" y="2052697"/>
+            <a:ext cx="518886" cy="204621"/>
+          </a:xfrm>
+          <a:prstGeom prst="rightArrow">
+            <a:avLst/>
+          </a:prstGeom>
+          <a:ln w="22225"/>
+        </p:spPr>
+        <p:style>
+          <a:lnRef idx="2">
+            <a:schemeClr val="accent4"/>
+          </a:lnRef>
+          <a:fillRef idx="1">
+            <a:schemeClr val="lt1"/>
+          </a:fillRef>
+          <a:effectRef idx="0">
+            <a:schemeClr val="accent4"/>
+          </a:effectRef>
+          <a:fontRef idx="minor">
+            <a:schemeClr val="dk1"/>
+          </a:fontRef>
+        </p:style>
+        <p:txBody>
+          <a:bodyPr rtlCol="0" anchor="ctr"/>
+          <a:lstStyle/>
+          <a:p>
+            <a:pPr algn="ctr"/>
+            <a:endParaRPr lang="fr-FR"/>
+          </a:p>
+        </p:txBody>
+      </p:sp>
+      <p:sp>
+        <p:nvSpPr>
+          <p:cNvPr id="32" name="Flèche : droite 31"/>
+          <p:cNvSpPr/>
+          <p:nvPr/>
+        </p:nvSpPr>
+        <p:spPr>
+          <a:xfrm>
+            <a:off x="9587363" y="2552488"/>
+            <a:ext cx="518886" cy="204621"/>
+          </a:xfrm>
+          <a:prstGeom prst="rightArrow">
+            <a:avLst/>
+          </a:prstGeom>
+          <a:ln w="22225"/>
+        </p:spPr>
+        <p:style>
+          <a:lnRef idx="2">
+            <a:schemeClr val="accent4"/>
+          </a:lnRef>
+          <a:fillRef idx="1">
+            <a:schemeClr val="lt1"/>
+          </a:fillRef>
+          <a:effectRef idx="0">
+            <a:schemeClr val="accent4"/>
+          </a:effectRef>
+          <a:fontRef idx="minor">
+            <a:schemeClr val="dk1"/>
+          </a:fontRef>
+        </p:style>
+        <p:txBody>
+          <a:bodyPr rtlCol="0" anchor="ctr"/>
+          <a:lstStyle/>
+          <a:p>
+            <a:pPr algn="ctr"/>
+            <a:endParaRPr lang="fr-FR"/>
+          </a:p>
+        </p:txBody>
+      </p:sp>
+      <p:sp>
+        <p:nvSpPr>
+          <p:cNvPr id="36" name="Rectangle : coins arrondis 35"/>
+          <p:cNvSpPr/>
+          <p:nvPr/>
+        </p:nvSpPr>
+        <p:spPr>
+          <a:xfrm>
+            <a:off x="10215719" y="2951782"/>
+            <a:ext cx="2122362" cy="414716"/>
+          </a:xfrm>
+          <a:prstGeom prst="roundRect">
+            <a:avLst>
+              <a:gd name="adj" fmla="val 6322"/>
+            </a:avLst>
+          </a:prstGeom>
+        </p:spPr>
+        <p:style>
+          <a:lnRef idx="2">
+            <a:schemeClr val="accent4">
+              <a:shade val="50000"/>
+            </a:schemeClr>
+          </a:lnRef>
+          <a:fillRef idx="1">
+            <a:schemeClr val="accent4"/>
+          </a:fillRef>
+          <a:effectRef idx="0">
+            <a:schemeClr val="accent4"/>
+          </a:effectRef>
+          <a:fontRef idx="minor">
+            <a:schemeClr val="lt1"/>
+          </a:fontRef>
+        </p:style>
+        <p:txBody>
+          <a:bodyPr rtlCol="0" anchor="ctr"/>
+          <a:lstStyle/>
+          <a:p>
+            <a:pPr algn="ctr"/>
+            <a:r>
+              <a:rPr lang="fr-FR" dirty="0"/>
+              <a:t>Silex</a:t>
+            </a:r>
+          </a:p>
+        </p:txBody>
+      </p:sp>
+      <p:sp>
+        <p:nvSpPr>
+          <p:cNvPr id="37" name="Rectangle : coins arrondis 36"/>
+          <p:cNvSpPr/>
+          <p:nvPr/>
+        </p:nvSpPr>
+        <p:spPr>
+          <a:xfrm>
+            <a:off x="10215719" y="3452365"/>
+            <a:ext cx="2122362" cy="414716"/>
+          </a:xfrm>
+          <a:prstGeom prst="roundRect">
+            <a:avLst>
+              <a:gd name="adj" fmla="val 6322"/>
+            </a:avLst>
+          </a:prstGeom>
+        </p:spPr>
+        <p:style>
+          <a:lnRef idx="2">
+            <a:schemeClr val="accent4">
+              <a:shade val="50000"/>
+            </a:schemeClr>
+          </a:lnRef>
+          <a:fillRef idx="1">
+            <a:schemeClr val="accent4"/>
+          </a:fillRef>
+          <a:effectRef idx="0">
+            <a:schemeClr val="accent4"/>
+          </a:effectRef>
+          <a:fontRef idx="minor">
+            <a:schemeClr val="lt1"/>
+          </a:fontRef>
+        </p:style>
+        <p:txBody>
+          <a:bodyPr rtlCol="0" anchor="ctr"/>
+          <a:lstStyle/>
+          <a:p>
+            <a:pPr algn="ctr"/>
+            <a:r>
+              <a:rPr lang="fr-FR" dirty="0" err="1"/>
+              <a:t>Mouf</a:t>
+            </a:r>
+            <a:endParaRPr lang="fr-FR" dirty="0"/>
+          </a:p>
+        </p:txBody>
+      </p:sp>
+      <p:sp>
+        <p:nvSpPr>
+          <p:cNvPr id="40" name="Flèche : droite 39"/>
+          <p:cNvSpPr/>
+          <p:nvPr/>
+        </p:nvSpPr>
+        <p:spPr>
+          <a:xfrm>
+            <a:off x="9587363" y="3058770"/>
+            <a:ext cx="518886" cy="204621"/>
+          </a:xfrm>
+          <a:prstGeom prst="rightArrow">
+            <a:avLst/>
+          </a:prstGeom>
+          <a:ln w="22225"/>
+        </p:spPr>
+        <p:style>
+          <a:lnRef idx="2">
+            <a:schemeClr val="accent4"/>
+          </a:lnRef>
+          <a:fillRef idx="1">
+            <a:schemeClr val="lt1"/>
+          </a:fillRef>
+          <a:effectRef idx="0">
+            <a:schemeClr val="accent4"/>
+          </a:effectRef>
+          <a:fontRef idx="minor">
+            <a:schemeClr val="dk1"/>
+          </a:fontRef>
+        </p:style>
+        <p:txBody>
+          <a:bodyPr rtlCol="0" anchor="ctr"/>
+          <a:lstStyle/>
+          <a:p>
+            <a:pPr algn="ctr"/>
+            <a:endParaRPr lang="fr-FR"/>
+          </a:p>
+        </p:txBody>
+      </p:sp>
+      <p:sp>
+        <p:nvSpPr>
+          <p:cNvPr id="45" name="Flèche : droite 44"/>
+          <p:cNvSpPr/>
+          <p:nvPr/>
+        </p:nvSpPr>
+        <p:spPr>
+          <a:xfrm>
+            <a:off x="9587363" y="3558561"/>
+            <a:ext cx="518886" cy="204621"/>
+          </a:xfrm>
+          <a:prstGeom prst="rightArrow">
+            <a:avLst/>
+          </a:prstGeom>
+          <a:ln w="22225"/>
+        </p:spPr>
+        <p:style>
+          <a:lnRef idx="2">
+            <a:schemeClr val="accent4"/>
+          </a:lnRef>
+          <a:fillRef idx="1">
+            <a:schemeClr val="lt1"/>
+          </a:fillRef>
+          <a:effectRef idx="0">
+            <a:schemeClr val="accent4"/>
+          </a:effectRef>
+          <a:fontRef idx="minor">
+            <a:schemeClr val="dk1"/>
+          </a:fontRef>
+        </p:style>
+        <p:txBody>
+          <a:bodyPr rtlCol="0" anchor="ctr"/>
+          <a:lstStyle/>
+          <a:p>
+            <a:pPr algn="ctr"/>
+            <a:endParaRPr lang="fr-FR"/>
+          </a:p>
+        </p:txBody>
+      </p:sp>
+      <p:sp>
+        <p:nvSpPr>
+          <p:cNvPr id="53" name="Rectangle : coins arrondis 52"/>
+          <p:cNvSpPr/>
+          <p:nvPr/>
+        </p:nvSpPr>
+        <p:spPr>
+          <a:xfrm>
+            <a:off x="7311154" y="3977390"/>
+            <a:ext cx="2122362" cy="414716"/>
+          </a:xfrm>
+          <a:prstGeom prst="roundRect">
+            <a:avLst>
+              <a:gd name="adj" fmla="val 6322"/>
+            </a:avLst>
+          </a:prstGeom>
+        </p:spPr>
+        <p:style>
+          <a:lnRef idx="2">
+            <a:schemeClr val="accent4">
+              <a:shade val="50000"/>
+            </a:schemeClr>
+          </a:lnRef>
+          <a:fillRef idx="1">
+            <a:schemeClr val="accent4"/>
+          </a:fillRef>
+          <a:effectRef idx="0">
+            <a:schemeClr val="accent4"/>
+          </a:effectRef>
+          <a:fontRef idx="minor">
+            <a:schemeClr val="lt1"/>
+          </a:fontRef>
+        </p:style>
+        <p:txBody>
+          <a:bodyPr rtlCol="0" anchor="ctr"/>
+          <a:lstStyle/>
+          <a:p>
+            <a:pPr algn="ctr"/>
+            <a:r>
+              <a:rPr lang="fr-FR" dirty="0"/>
+              <a:t>PHP-DI</a:t>
+            </a:r>
+          </a:p>
+        </p:txBody>
+      </p:sp>
+      <p:sp>
+        <p:nvSpPr>
+          <p:cNvPr id="54" name="Rectangle : coins arrondis 53"/>
+          <p:cNvSpPr/>
+          <p:nvPr/>
+        </p:nvSpPr>
+        <p:spPr>
+          <a:xfrm>
+            <a:off x="7311154" y="4486840"/>
+            <a:ext cx="2122362" cy="414716"/>
+          </a:xfrm>
+          <a:prstGeom prst="roundRect">
+            <a:avLst>
+              <a:gd name="adj" fmla="val 6322"/>
+            </a:avLst>
+          </a:prstGeom>
+        </p:spPr>
+        <p:style>
+          <a:lnRef idx="2">
+            <a:schemeClr val="accent4">
+              <a:shade val="50000"/>
+            </a:schemeClr>
+          </a:lnRef>
+          <a:fillRef idx="1">
+            <a:schemeClr val="accent4"/>
+          </a:fillRef>
+          <a:effectRef idx="0">
+            <a:schemeClr val="accent4"/>
+          </a:effectRef>
+          <a:fontRef idx="minor">
+            <a:schemeClr val="lt1"/>
+          </a:fontRef>
+        </p:style>
+        <p:txBody>
+          <a:bodyPr rtlCol="0" anchor="ctr"/>
+          <a:lstStyle/>
+          <a:p>
+            <a:pPr algn="ctr"/>
+            <a:r>
+              <a:rPr lang="fr-FR" dirty="0"/>
+              <a:t>Simplex</a:t>
+            </a:r>
+          </a:p>
+        </p:txBody>
+      </p:sp>
+      <p:sp>
+        <p:nvSpPr>
+          <p:cNvPr id="55" name="Rectangle : coins arrondis 54"/>
+          <p:cNvSpPr/>
+          <p:nvPr/>
+        </p:nvSpPr>
+        <p:spPr>
+          <a:xfrm>
+            <a:off x="7311154" y="4987423"/>
+            <a:ext cx="2122362" cy="414716"/>
+          </a:xfrm>
+          <a:prstGeom prst="roundRect">
+            <a:avLst>
+              <a:gd name="adj" fmla="val 6322"/>
+            </a:avLst>
+          </a:prstGeom>
+        </p:spPr>
+        <p:style>
+          <a:lnRef idx="2">
+            <a:schemeClr val="accent4">
+              <a:shade val="50000"/>
+            </a:schemeClr>
+          </a:lnRef>
+          <a:fillRef idx="1">
+            <a:schemeClr val="accent4"/>
+          </a:fillRef>
+          <a:effectRef idx="0">
+            <a:schemeClr val="accent4"/>
+          </a:effectRef>
+          <a:fontRef idx="minor">
+            <a:schemeClr val="lt1"/>
+          </a:fontRef>
+        </p:style>
+        <p:txBody>
+          <a:bodyPr rtlCol="0" anchor="ctr"/>
+          <a:lstStyle/>
+          <a:p>
+            <a:pPr algn="ctr"/>
+            <a:r>
+              <a:rPr lang="fr-FR" dirty="0" err="1"/>
+              <a:t>Yaco</a:t>
+            </a:r>
+            <a:endParaRPr lang="fr-FR" dirty="0"/>
+          </a:p>
+        </p:txBody>
+      </p:sp>
+    </p:spTree>
+    <p:extLst>
+      <p:ext uri="{BB962C8B-B14F-4D97-AF65-F5344CB8AC3E}">
+        <p14:creationId xmlns:p14="http://schemas.microsoft.com/office/powerpoint/2010/main" val="3947279094"/>
+      </p:ext>
+    </p:extLst>
+  </p:cSld>
+  <p:clrMapOvr>
+    <a:masterClrMapping/>
+  </p:clrMapOvr>
+</p:sld>
+</file>
+
+<file path=ppt/slides/slide19.xml><?xml version="1.0" encoding="utf-8"?>
+<p:sld xmlns:a="http://schemas.openxmlformats.org/drawingml/2006/main" xmlns:r="http://schemas.openxmlformats.org/officeDocument/2006/relationships" xmlns:p="http://schemas.openxmlformats.org/presentationml/2006/main">
+  <p:cSld>
+    <p:spTree>
+      <p:nvGrpSpPr>
+        <p:cNvPr id="1" name=""/>
+        <p:cNvGrpSpPr/>
+        <p:nvPr/>
+      </p:nvGrpSpPr>
+      <p:grpSpPr>
+        <a:xfrm>
+          <a:off x="0" y="0"/>
+          <a:ext cx="0" cy="0"/>
+          <a:chOff x="0" y="0"/>
+          <a:chExt cx="0" cy="0"/>
+        </a:xfrm>
+      </p:grpSpPr>
+      <p:grpSp>
+        <p:nvGrpSpPr>
+          <p:cNvPr id="3" name="Groupe 2"/>
+          <p:cNvGrpSpPr/>
+          <p:nvPr/>
+        </p:nvGrpSpPr>
+        <p:grpSpPr>
+          <a:xfrm>
+            <a:off x="363071" y="1445648"/>
+            <a:ext cx="11611940" cy="3686033"/>
+            <a:chOff x="-139990" y="1441166"/>
+            <a:chExt cx="12478071" cy="3960973"/>
+          </a:xfrm>
+        </p:grpSpPr>
+        <p:sp>
+          <p:nvSpPr>
+            <p:cNvPr id="4" name="Rectangle : coins arrondis 3"/>
+            <p:cNvSpPr/>
+            <p:nvPr/>
+          </p:nvSpPr>
+          <p:spPr>
+            <a:xfrm>
+              <a:off x="-139990" y="3163872"/>
+              <a:ext cx="1988659" cy="741750"/>
+            </a:xfrm>
+            <a:prstGeom prst="roundRect">
+              <a:avLst>
+                <a:gd name="adj" fmla="val 6322"/>
+              </a:avLst>
+            </a:prstGeom>
+          </p:spPr>
+          <p:style>
+            <a:lnRef idx="2">
+              <a:schemeClr val="accent3">
+                <a:shade val="50000"/>
+              </a:schemeClr>
+            </a:lnRef>
+            <a:fillRef idx="1">
+              <a:schemeClr val="accent3"/>
+            </a:fillRef>
+            <a:effectRef idx="0">
+              <a:schemeClr val="accent3"/>
+            </a:effectRef>
+            <a:fontRef idx="minor">
+              <a:schemeClr val="lt1"/>
+            </a:fontRef>
+          </p:style>
+          <p:txBody>
+            <a:bodyPr rtlCol="0" anchor="ctr"/>
+            <a:lstStyle/>
+            <a:p>
+              <a:pPr algn="ctr"/>
+              <a:r>
+                <a:rPr lang="fr-FR" sz="1600" dirty="0"/>
+                <a:t>l33t/</a:t>
+              </a:r>
+              <a:r>
+                <a:rPr lang="fr-FR" sz="1600" dirty="0" err="1"/>
+                <a:t>weatherapi</a:t>
+              </a:r>
+              <a:endParaRPr lang="fr-FR" sz="1600" dirty="0">
+                <a:latin typeface="Consolas" panose="020B0609020204030204" pitchFamily="49" charset="0"/>
+              </a:endParaRPr>
+            </a:p>
+          </p:txBody>
+        </p:sp>
+        <p:sp>
+          <p:nvSpPr>
+            <p:cNvPr id="41" name="Rectangle : coins arrondis 40"/>
+            <p:cNvSpPr/>
+            <p:nvPr/>
+          </p:nvSpPr>
+          <p:spPr>
+            <a:xfrm>
+              <a:off x="7311154" y="1441166"/>
+              <a:ext cx="2122362" cy="414716"/>
+            </a:xfrm>
+            <a:prstGeom prst="roundRect">
+              <a:avLst>
+                <a:gd name="adj" fmla="val 6322"/>
+              </a:avLst>
+            </a:prstGeom>
+          </p:spPr>
+          <p:style>
+            <a:lnRef idx="2">
+              <a:schemeClr val="accent4">
+                <a:shade val="50000"/>
+              </a:schemeClr>
+            </a:lnRef>
+            <a:fillRef idx="1">
+              <a:schemeClr val="accent4"/>
+            </a:fillRef>
+            <a:effectRef idx="0">
+              <a:schemeClr val="accent4"/>
+            </a:effectRef>
+            <a:fontRef idx="minor">
+              <a:schemeClr val="lt1"/>
+            </a:fontRef>
+          </p:style>
+          <p:txBody>
+            <a:bodyPr rtlCol="0" anchor="ctr"/>
+            <a:lstStyle/>
+            <a:p>
+              <a:pPr algn="ctr"/>
+              <a:r>
+                <a:rPr lang="fr-FR" sz="1600" dirty="0" err="1"/>
+                <a:t>Symfony</a:t>
+              </a:r>
+              <a:r>
+                <a:rPr lang="fr-FR" sz="1600" dirty="0"/>
+                <a:t> bridge</a:t>
+              </a:r>
+            </a:p>
+          </p:txBody>
+        </p:sp>
+        <p:sp>
+          <p:nvSpPr>
+            <p:cNvPr id="42" name="Rectangle : coins arrondis 41"/>
+            <p:cNvSpPr/>
+            <p:nvPr/>
+          </p:nvSpPr>
+          <p:spPr>
+            <a:xfrm>
+              <a:off x="7311154" y="1941749"/>
+              <a:ext cx="2122362" cy="414716"/>
+            </a:xfrm>
+            <a:prstGeom prst="roundRect">
+              <a:avLst>
+                <a:gd name="adj" fmla="val 6322"/>
+              </a:avLst>
+            </a:prstGeom>
+          </p:spPr>
+          <p:style>
+            <a:lnRef idx="2">
+              <a:schemeClr val="accent4">
+                <a:shade val="50000"/>
+              </a:schemeClr>
+            </a:lnRef>
+            <a:fillRef idx="1">
+              <a:schemeClr val="accent4"/>
+            </a:fillRef>
+            <a:effectRef idx="0">
+              <a:schemeClr val="accent4"/>
+            </a:effectRef>
+            <a:fontRef idx="minor">
+              <a:schemeClr val="lt1"/>
+            </a:fontRef>
+          </p:style>
+          <p:txBody>
+            <a:bodyPr rtlCol="0" anchor="ctr"/>
+            <a:lstStyle/>
+            <a:p>
+              <a:pPr algn="ctr"/>
+              <a:r>
+                <a:rPr lang="fr-FR" sz="1600" dirty="0"/>
+                <a:t>ZF </a:t>
+              </a:r>
+              <a:r>
+                <a:rPr lang="fr-FR" sz="1600" dirty="0"/>
+                <a:t>bridge</a:t>
+              </a:r>
+              <a:endParaRPr lang="fr-FR" sz="1600" dirty="0"/>
+            </a:p>
+          </p:txBody>
+        </p:sp>
+        <p:sp>
+          <p:nvSpPr>
+            <p:cNvPr id="43" name="Rectangle : coins arrondis 42"/>
+            <p:cNvSpPr/>
+            <p:nvPr/>
+          </p:nvSpPr>
+          <p:spPr>
+            <a:xfrm>
+              <a:off x="7311154" y="2442332"/>
+              <a:ext cx="2122362" cy="414716"/>
+            </a:xfrm>
+            <a:prstGeom prst="roundRect">
+              <a:avLst>
+                <a:gd name="adj" fmla="val 6322"/>
+              </a:avLst>
+            </a:prstGeom>
+          </p:spPr>
+          <p:style>
+            <a:lnRef idx="2">
+              <a:schemeClr val="accent4">
+                <a:shade val="50000"/>
+              </a:schemeClr>
+            </a:lnRef>
+            <a:fillRef idx="1">
+              <a:schemeClr val="accent4"/>
+            </a:fillRef>
+            <a:effectRef idx="0">
+              <a:schemeClr val="accent4"/>
+            </a:effectRef>
+            <a:fontRef idx="minor">
+              <a:schemeClr val="lt1"/>
+            </a:fontRef>
+          </p:style>
+          <p:txBody>
+            <a:bodyPr rtlCol="0" anchor="ctr"/>
+            <a:lstStyle/>
+            <a:p>
+              <a:pPr algn="ctr"/>
+              <a:r>
+                <a:rPr lang="fr-FR" sz="1600" dirty="0" err="1"/>
+                <a:t>Laravel</a:t>
+              </a:r>
+              <a:r>
+                <a:rPr lang="fr-FR" sz="1600" dirty="0"/>
+                <a:t> </a:t>
+              </a:r>
+              <a:r>
+                <a:rPr lang="fr-FR" sz="1600" dirty="0"/>
+                <a:t>bridge</a:t>
+              </a:r>
+              <a:endParaRPr lang="fr-FR" sz="1600" dirty="0"/>
+            </a:p>
+          </p:txBody>
+        </p:sp>
+        <p:sp>
+          <p:nvSpPr>
+            <p:cNvPr id="51" name="Rectangle : coins arrondis 50"/>
+            <p:cNvSpPr/>
+            <p:nvPr/>
+          </p:nvSpPr>
+          <p:spPr>
+            <a:xfrm>
+              <a:off x="2456026" y="3157978"/>
+              <a:ext cx="3623492" cy="740532"/>
+            </a:xfrm>
+            <a:prstGeom prst="roundRect">
+              <a:avLst>
+                <a:gd name="adj" fmla="val 6322"/>
+              </a:avLst>
+            </a:prstGeom>
+            <a:solidFill>
+              <a:schemeClr val="accent3">
+                <a:lumMod val="60000"/>
+                <a:lumOff val="40000"/>
+              </a:schemeClr>
+            </a:solidFill>
+            <a:ln>
+              <a:solidFill>
+                <a:schemeClr val="accent3">
+                  <a:shade val="50000"/>
+                </a:schemeClr>
+              </a:solidFill>
+            </a:ln>
+          </p:spPr>
+          <p:style>
+            <a:lnRef idx="2">
+              <a:schemeClr val="accent3">
+                <a:shade val="50000"/>
+              </a:schemeClr>
+            </a:lnRef>
+            <a:fillRef idx="1">
+              <a:schemeClr val="accent3"/>
+            </a:fillRef>
+            <a:effectRef idx="0">
+              <a:schemeClr val="accent3"/>
+            </a:effectRef>
+            <a:fontRef idx="minor">
+              <a:schemeClr val="lt1"/>
+            </a:fontRef>
+          </p:style>
+          <p:txBody>
+            <a:bodyPr rtlCol="0" anchor="ctr"/>
+            <a:lstStyle/>
+            <a:p>
+              <a:pPr algn="ctr"/>
+              <a:r>
+                <a:rPr lang="fr-FR" sz="1600" dirty="0"/>
+                <a:t>l33t/</a:t>
+              </a:r>
+              <a:r>
+                <a:rPr lang="fr-FR" sz="1600" dirty="0" err="1"/>
+                <a:t>weatherapi</a:t>
+              </a:r>
+              <a:r>
+                <a:rPr lang="fr-FR" sz="1600" dirty="0"/>
+                <a:t>-</a:t>
+              </a:r>
+              <a:r>
+                <a:rPr lang="fr-FR" sz="1600" dirty="0" err="1"/>
+                <a:t>universal</a:t>
+              </a:r>
+              <a:r>
+                <a:rPr lang="fr-FR" sz="1600" dirty="0"/>
+                <a:t>-module</a:t>
+              </a:r>
+            </a:p>
+          </p:txBody>
+        </p:sp>
+        <p:sp>
+          <p:nvSpPr>
+            <p:cNvPr id="58" name="Rectangle : coins arrondis 57"/>
+            <p:cNvSpPr/>
+            <p:nvPr/>
+          </p:nvSpPr>
+          <p:spPr>
+            <a:xfrm>
+              <a:off x="7311154" y="2951782"/>
+              <a:ext cx="2122362" cy="414716"/>
+            </a:xfrm>
+            <a:prstGeom prst="roundRect">
+              <a:avLst>
+                <a:gd name="adj" fmla="val 6322"/>
+              </a:avLst>
+            </a:prstGeom>
+          </p:spPr>
+          <p:style>
+            <a:lnRef idx="2">
+              <a:schemeClr val="accent4">
+                <a:shade val="50000"/>
+              </a:schemeClr>
+            </a:lnRef>
+            <a:fillRef idx="1">
+              <a:schemeClr val="accent4"/>
+            </a:fillRef>
+            <a:effectRef idx="0">
+              <a:schemeClr val="accent4"/>
+            </a:effectRef>
+            <a:fontRef idx="minor">
+              <a:schemeClr val="lt1"/>
+            </a:fontRef>
+          </p:style>
+          <p:txBody>
+            <a:bodyPr rtlCol="0" anchor="ctr"/>
+            <a:lstStyle/>
+            <a:p>
+              <a:pPr algn="ctr"/>
+              <a:r>
+                <a:rPr lang="fr-FR" sz="1600" dirty="0"/>
+                <a:t>Silex </a:t>
+              </a:r>
+              <a:r>
+                <a:rPr lang="fr-FR" sz="1600" dirty="0"/>
+                <a:t>bridge</a:t>
+              </a:r>
+              <a:endParaRPr lang="fr-FR" sz="1600" dirty="0"/>
+            </a:p>
+          </p:txBody>
+        </p:sp>
+        <p:sp>
+          <p:nvSpPr>
+            <p:cNvPr id="59" name="Rectangle : coins arrondis 58"/>
+            <p:cNvSpPr/>
+            <p:nvPr/>
+          </p:nvSpPr>
+          <p:spPr>
+            <a:xfrm>
+              <a:off x="7311154" y="3452365"/>
+              <a:ext cx="2122362" cy="414716"/>
+            </a:xfrm>
+            <a:prstGeom prst="roundRect">
+              <a:avLst>
+                <a:gd name="adj" fmla="val 6322"/>
+              </a:avLst>
+            </a:prstGeom>
+          </p:spPr>
+          <p:style>
+            <a:lnRef idx="2">
+              <a:schemeClr val="accent4">
+                <a:shade val="50000"/>
+              </a:schemeClr>
+            </a:lnRef>
+            <a:fillRef idx="1">
+              <a:schemeClr val="accent4"/>
+            </a:fillRef>
+            <a:effectRef idx="0">
+              <a:schemeClr val="accent4"/>
+            </a:effectRef>
+            <a:fontRef idx="minor">
+              <a:schemeClr val="lt1"/>
+            </a:fontRef>
+          </p:style>
+          <p:txBody>
+            <a:bodyPr rtlCol="0" anchor="ctr"/>
+            <a:lstStyle/>
+            <a:p>
+              <a:pPr algn="ctr"/>
+              <a:r>
+                <a:rPr lang="fr-FR" sz="1600" dirty="0" err="1"/>
+                <a:t>Mouf</a:t>
+              </a:r>
+              <a:r>
+                <a:rPr lang="fr-FR" sz="1600" dirty="0"/>
+                <a:t> </a:t>
+              </a:r>
+              <a:r>
+                <a:rPr lang="fr-FR" sz="1600" dirty="0"/>
+                <a:t>bridge</a:t>
+              </a:r>
+              <a:endParaRPr lang="fr-FR" sz="1600" dirty="0"/>
+            </a:p>
+          </p:txBody>
+        </p:sp>
+        <p:grpSp>
+          <p:nvGrpSpPr>
+            <p:cNvPr id="2" name="Groupe 1"/>
+            <p:cNvGrpSpPr/>
+            <p:nvPr/>
+          </p:nvGrpSpPr>
+          <p:grpSpPr>
+            <a:xfrm>
+              <a:off x="6079518" y="2295870"/>
+              <a:ext cx="908153" cy="2477754"/>
+              <a:chOff x="2613743" y="2183805"/>
+              <a:chExt cx="908153" cy="2477754"/>
+            </a:xfrm>
+          </p:grpSpPr>
+          <p:sp>
+            <p:nvSpPr>
+              <p:cNvPr id="18" name="Flèche : droite 17"/>
+              <p:cNvSpPr/>
+              <p:nvPr/>
+            </p:nvSpPr>
+            <p:spPr>
+              <a:xfrm rot="18900000">
+                <a:off x="2819047" y="2833480"/>
+                <a:ext cx="664422" cy="204621"/>
+              </a:xfrm>
+              <a:prstGeom prst="rightArrow">
+                <a:avLst/>
+              </a:prstGeom>
+              <a:ln w="22225"/>
+            </p:spPr>
+            <p:style>
+              <a:lnRef idx="2">
+                <a:schemeClr val="accent4"/>
+              </a:lnRef>
+              <a:fillRef idx="1">
+                <a:schemeClr val="lt1"/>
+              </a:fillRef>
+              <a:effectRef idx="0">
+                <a:schemeClr val="accent4"/>
+              </a:effectRef>
+              <a:fontRef idx="minor">
+                <a:schemeClr val="dk1"/>
+              </a:fontRef>
+            </p:style>
+            <p:txBody>
+              <a:bodyPr rtlCol="0" anchor="ctr"/>
+              <a:lstStyle/>
+              <a:p>
+                <a:pPr algn="ctr"/>
+                <a:endParaRPr lang="fr-FR" sz="1600"/>
+              </a:p>
+            </p:txBody>
+          </p:sp>
+          <p:sp>
+            <p:nvSpPr>
+              <p:cNvPr id="23" name="Flèche : droite 22"/>
+              <p:cNvSpPr/>
+              <p:nvPr/>
+            </p:nvSpPr>
+            <p:spPr>
+              <a:xfrm rot="2700000">
+                <a:off x="2819049" y="3881265"/>
+                <a:ext cx="664422" cy="204621"/>
+              </a:xfrm>
+              <a:prstGeom prst="rightArrow">
+                <a:avLst/>
+              </a:prstGeom>
+              <a:ln w="22225"/>
+            </p:spPr>
+            <p:style>
+              <a:lnRef idx="2">
+                <a:schemeClr val="accent4"/>
+              </a:lnRef>
+              <a:fillRef idx="1">
+                <a:schemeClr val="lt1"/>
+              </a:fillRef>
+              <a:effectRef idx="0">
+                <a:schemeClr val="accent4"/>
+              </a:effectRef>
+              <a:fontRef idx="minor">
+                <a:schemeClr val="dk1"/>
+              </a:fontRef>
+            </p:style>
+            <p:txBody>
+              <a:bodyPr rtlCol="0" anchor="ctr"/>
+              <a:lstStyle/>
+              <a:p>
+                <a:pPr algn="ctr"/>
+                <a:endParaRPr lang="fr-FR" sz="1600"/>
+              </a:p>
+            </p:txBody>
+          </p:sp>
+          <p:sp>
+            <p:nvSpPr>
+              <p:cNvPr id="24" name="Flèche : droite 23"/>
+              <p:cNvSpPr/>
+              <p:nvPr/>
+            </p:nvSpPr>
+            <p:spPr>
+              <a:xfrm rot="900000">
+                <a:off x="2937226" y="3549992"/>
+                <a:ext cx="584670" cy="204621"/>
+              </a:xfrm>
+              <a:prstGeom prst="rightArrow">
+                <a:avLst/>
+              </a:prstGeom>
+              <a:ln w="22225"/>
+            </p:spPr>
+            <p:style>
+              <a:lnRef idx="2">
+                <a:schemeClr val="accent4"/>
+              </a:lnRef>
+              <a:fillRef idx="1">
+                <a:schemeClr val="lt1"/>
+              </a:fillRef>
+              <a:effectRef idx="0">
+                <a:schemeClr val="accent4"/>
+              </a:effectRef>
+              <a:fontRef idx="minor">
+                <a:schemeClr val="dk1"/>
+              </a:fontRef>
+            </p:style>
+            <p:txBody>
+              <a:bodyPr rtlCol="0" anchor="ctr"/>
+              <a:lstStyle/>
+              <a:p>
+                <a:pPr algn="ctr"/>
+                <a:endParaRPr lang="fr-FR" sz="1600"/>
+              </a:p>
+            </p:txBody>
+          </p:sp>
+          <p:sp>
+            <p:nvSpPr>
+              <p:cNvPr id="25" name="Flèche : droite 24"/>
+              <p:cNvSpPr/>
+              <p:nvPr/>
+            </p:nvSpPr>
+            <p:spPr>
+              <a:xfrm rot="19800000">
+                <a:off x="2914460" y="3140734"/>
+                <a:ext cx="584670" cy="204621"/>
+              </a:xfrm>
+              <a:prstGeom prst="rightArrow">
+                <a:avLst/>
+              </a:prstGeom>
+              <a:ln w="22225"/>
+            </p:spPr>
+            <p:style>
+              <a:lnRef idx="2">
+                <a:schemeClr val="accent4"/>
+              </a:lnRef>
+              <a:fillRef idx="1">
+                <a:schemeClr val="lt1"/>
+              </a:fillRef>
+              <a:effectRef idx="0">
+                <a:schemeClr val="accent4"/>
+              </a:effectRef>
+              <a:fontRef idx="minor">
+                <a:schemeClr val="dk1"/>
+              </a:fontRef>
+            </p:style>
+            <p:txBody>
+              <a:bodyPr rtlCol="0" anchor="ctr"/>
+              <a:lstStyle/>
+              <a:p>
+                <a:pPr algn="ctr"/>
+                <a:endParaRPr lang="fr-FR" sz="1600"/>
+              </a:p>
+            </p:txBody>
+          </p:sp>
+          <p:sp>
+            <p:nvSpPr>
+              <p:cNvPr id="70" name="Flèche : droite 69"/>
+              <p:cNvSpPr/>
+              <p:nvPr/>
+            </p:nvSpPr>
+            <p:spPr>
+              <a:xfrm rot="18435399">
+                <a:off x="2666392" y="2560993"/>
+                <a:ext cx="664422" cy="204621"/>
+              </a:xfrm>
+              <a:prstGeom prst="rightArrow">
+                <a:avLst/>
+              </a:prstGeom>
+              <a:ln w="22225"/>
+            </p:spPr>
+            <p:style>
+              <a:lnRef idx="2">
+                <a:schemeClr val="accent4"/>
+              </a:lnRef>
+              <a:fillRef idx="1">
+                <a:schemeClr val="lt1"/>
+              </a:fillRef>
+              <a:effectRef idx="0">
+                <a:schemeClr val="accent4"/>
+              </a:effectRef>
+              <a:fontRef idx="minor">
+                <a:schemeClr val="dk1"/>
+              </a:fontRef>
+            </p:style>
+            <p:txBody>
+              <a:bodyPr rtlCol="0" anchor="ctr"/>
+              <a:lstStyle/>
+              <a:p>
+                <a:pPr algn="ctr"/>
+                <a:endParaRPr lang="fr-FR" sz="1600"/>
+              </a:p>
+            </p:txBody>
+          </p:sp>
+          <p:sp>
+            <p:nvSpPr>
+              <p:cNvPr id="71" name="Flèche : droite 70"/>
+              <p:cNvSpPr/>
+              <p:nvPr/>
+            </p:nvSpPr>
+            <p:spPr>
+              <a:xfrm rot="18014403">
+                <a:off x="2383843" y="2413705"/>
+                <a:ext cx="664422" cy="204621"/>
+              </a:xfrm>
+              <a:prstGeom prst="rightArrow">
+                <a:avLst/>
+              </a:prstGeom>
+              <a:ln w="22225"/>
+            </p:spPr>
+            <p:style>
+              <a:lnRef idx="2">
+                <a:schemeClr val="accent4"/>
+              </a:lnRef>
+              <a:fillRef idx="1">
+                <a:schemeClr val="lt1"/>
+              </a:fillRef>
+              <a:effectRef idx="0">
+                <a:schemeClr val="accent4"/>
+              </a:effectRef>
+              <a:fontRef idx="minor">
+                <a:schemeClr val="dk1"/>
+              </a:fontRef>
+            </p:style>
+            <p:txBody>
+              <a:bodyPr rtlCol="0" anchor="ctr"/>
+              <a:lstStyle/>
+              <a:p>
+                <a:pPr algn="ctr"/>
+                <a:endParaRPr lang="fr-FR" sz="1600"/>
+              </a:p>
+            </p:txBody>
+          </p:sp>
+          <p:sp>
+            <p:nvSpPr>
+              <p:cNvPr id="72" name="Flèche : droite 71"/>
+              <p:cNvSpPr/>
+              <p:nvPr/>
+            </p:nvSpPr>
+            <p:spPr>
+              <a:xfrm rot="3084857">
+                <a:off x="2639540" y="4064178"/>
+                <a:ext cx="664422" cy="204621"/>
+              </a:xfrm>
+              <a:prstGeom prst="rightArrow">
+                <a:avLst/>
+              </a:prstGeom>
+              <a:ln w="22225"/>
+            </p:spPr>
+            <p:style>
+              <a:lnRef idx="2">
+                <a:schemeClr val="accent4"/>
+              </a:lnRef>
+              <a:fillRef idx="1">
+                <a:schemeClr val="lt1"/>
+              </a:fillRef>
+              <a:effectRef idx="0">
+                <a:schemeClr val="accent4"/>
+              </a:effectRef>
+              <a:fontRef idx="minor">
+                <a:schemeClr val="dk1"/>
+              </a:fontRef>
+            </p:style>
+            <p:txBody>
+              <a:bodyPr rtlCol="0" anchor="ctr"/>
+              <a:lstStyle/>
+              <a:p>
+                <a:pPr algn="ctr"/>
+                <a:endParaRPr lang="fr-FR" sz="1600"/>
+              </a:p>
+            </p:txBody>
+          </p:sp>
+          <p:sp>
+            <p:nvSpPr>
+              <p:cNvPr id="73" name="Flèche : droite 72"/>
+              <p:cNvSpPr/>
+              <p:nvPr/>
+            </p:nvSpPr>
+            <p:spPr>
+              <a:xfrm rot="3551136">
+                <a:off x="2418280" y="4227037"/>
+                <a:ext cx="664422" cy="204621"/>
+              </a:xfrm>
+              <a:prstGeom prst="rightArrow">
+                <a:avLst/>
+              </a:prstGeom>
+              <a:ln w="22225"/>
+            </p:spPr>
+            <p:style>
+              <a:lnRef idx="2">
+                <a:schemeClr val="accent4"/>
+              </a:lnRef>
+              <a:fillRef idx="1">
+                <a:schemeClr val="lt1"/>
+              </a:fillRef>
+              <a:effectRef idx="0">
+                <a:schemeClr val="accent4"/>
+              </a:effectRef>
+              <a:fontRef idx="minor">
+                <a:schemeClr val="dk1"/>
+              </a:fontRef>
+            </p:style>
+            <p:txBody>
+              <a:bodyPr rtlCol="0" anchor="ctr"/>
+              <a:lstStyle/>
+              <a:p>
+                <a:pPr algn="ctr"/>
+                <a:endParaRPr lang="fr-FR" sz="1600"/>
+              </a:p>
+            </p:txBody>
+          </p:sp>
+        </p:grpSp>
+        <p:sp>
+          <p:nvSpPr>
+            <p:cNvPr id="75" name="Flèche : droite 74"/>
+            <p:cNvSpPr/>
+            <p:nvPr/>
+          </p:nvSpPr>
+          <p:spPr>
+            <a:xfrm>
+              <a:off x="1893943" y="3432436"/>
+              <a:ext cx="518886" cy="204621"/>
+            </a:xfrm>
+            <a:prstGeom prst="rightArrow">
+              <a:avLst/>
+            </a:prstGeom>
+            <a:ln w="22225"/>
+          </p:spPr>
+          <p:style>
+            <a:lnRef idx="2">
+              <a:schemeClr val="accent3"/>
+            </a:lnRef>
+            <a:fillRef idx="1">
+              <a:schemeClr val="lt1"/>
+            </a:fillRef>
+            <a:effectRef idx="0">
+              <a:schemeClr val="accent3"/>
+            </a:effectRef>
+            <a:fontRef idx="minor">
+              <a:schemeClr val="dk1"/>
+            </a:fontRef>
+          </p:style>
+          <p:txBody>
+            <a:bodyPr rtlCol="0" anchor="ctr"/>
+            <a:lstStyle/>
+            <a:p>
+              <a:pPr algn="ctr"/>
+              <a:endParaRPr lang="fr-FR" sz="1600"/>
+            </a:p>
+          </p:txBody>
+        </p:sp>
+        <p:sp>
+          <p:nvSpPr>
+            <p:cNvPr id="26" name="Rectangle : coins arrondis 25"/>
+            <p:cNvSpPr/>
+            <p:nvPr/>
+          </p:nvSpPr>
+          <p:spPr>
+            <a:xfrm>
+              <a:off x="10215719" y="1441166"/>
+              <a:ext cx="2122362" cy="414716"/>
+            </a:xfrm>
+            <a:prstGeom prst="roundRect">
+              <a:avLst>
+                <a:gd name="adj" fmla="val 6322"/>
+              </a:avLst>
+            </a:prstGeom>
+          </p:spPr>
+          <p:style>
+            <a:lnRef idx="2">
+              <a:schemeClr val="accent4">
+                <a:shade val="50000"/>
+              </a:schemeClr>
+            </a:lnRef>
+            <a:fillRef idx="1">
+              <a:schemeClr val="accent4"/>
+            </a:fillRef>
+            <a:effectRef idx="0">
+              <a:schemeClr val="accent4"/>
+            </a:effectRef>
+            <a:fontRef idx="minor">
+              <a:schemeClr val="lt1"/>
+            </a:fontRef>
+          </p:style>
+          <p:txBody>
+            <a:bodyPr rtlCol="0" anchor="ctr"/>
+            <a:lstStyle/>
+            <a:p>
+              <a:pPr algn="ctr"/>
+              <a:r>
+                <a:rPr lang="fr-FR" sz="1600" dirty="0" err="1"/>
+                <a:t>Symfony</a:t>
+              </a:r>
+              <a:endParaRPr lang="fr-FR" sz="1600" dirty="0"/>
+            </a:p>
+          </p:txBody>
+        </p:sp>
+        <p:sp>
+          <p:nvSpPr>
+            <p:cNvPr id="27" name="Rectangle : coins arrondis 26"/>
+            <p:cNvSpPr/>
+            <p:nvPr/>
+          </p:nvSpPr>
+          <p:spPr>
+            <a:xfrm>
+              <a:off x="10215719" y="1941749"/>
+              <a:ext cx="2122362" cy="414716"/>
+            </a:xfrm>
+            <a:prstGeom prst="roundRect">
+              <a:avLst>
+                <a:gd name="adj" fmla="val 6322"/>
+              </a:avLst>
+            </a:prstGeom>
+          </p:spPr>
+          <p:style>
+            <a:lnRef idx="2">
+              <a:schemeClr val="accent4">
+                <a:shade val="50000"/>
+              </a:schemeClr>
+            </a:lnRef>
+            <a:fillRef idx="1">
+              <a:schemeClr val="accent4"/>
+            </a:fillRef>
+            <a:effectRef idx="0">
+              <a:schemeClr val="accent4"/>
+            </a:effectRef>
+            <a:fontRef idx="minor">
+              <a:schemeClr val="lt1"/>
+            </a:fontRef>
+          </p:style>
+          <p:txBody>
+            <a:bodyPr rtlCol="0" anchor="ctr"/>
+            <a:lstStyle/>
+            <a:p>
+              <a:pPr algn="ctr"/>
+              <a:r>
+                <a:rPr lang="fr-FR" sz="1600" dirty="0"/>
+                <a:t>Zend Framework</a:t>
+              </a:r>
+            </a:p>
+          </p:txBody>
+        </p:sp>
+        <p:sp>
+          <p:nvSpPr>
+            <p:cNvPr id="28" name="Rectangle : coins arrondis 27"/>
+            <p:cNvSpPr/>
+            <p:nvPr/>
+          </p:nvSpPr>
+          <p:spPr>
+            <a:xfrm>
+              <a:off x="10215719" y="2442332"/>
+              <a:ext cx="2122362" cy="414716"/>
+            </a:xfrm>
+            <a:prstGeom prst="roundRect">
+              <a:avLst>
+                <a:gd name="adj" fmla="val 6322"/>
+              </a:avLst>
+            </a:prstGeom>
+          </p:spPr>
+          <p:style>
+            <a:lnRef idx="2">
+              <a:schemeClr val="accent4">
+                <a:shade val="50000"/>
+              </a:schemeClr>
+            </a:lnRef>
+            <a:fillRef idx="1">
+              <a:schemeClr val="accent4"/>
+            </a:fillRef>
+            <a:effectRef idx="0">
+              <a:schemeClr val="accent4"/>
+            </a:effectRef>
+            <a:fontRef idx="minor">
+              <a:schemeClr val="lt1"/>
+            </a:fontRef>
+          </p:style>
+          <p:txBody>
+            <a:bodyPr rtlCol="0" anchor="ctr"/>
+            <a:lstStyle/>
+            <a:p>
+              <a:pPr algn="ctr"/>
+              <a:r>
+                <a:rPr lang="fr-FR" sz="1600" dirty="0" err="1"/>
+                <a:t>Laravel</a:t>
+              </a:r>
+              <a:endParaRPr lang="fr-FR" sz="1600" dirty="0"/>
+            </a:p>
+          </p:txBody>
+        </p:sp>
+        <p:sp>
+          <p:nvSpPr>
+            <p:cNvPr id="30" name="Flèche : droite 29"/>
+            <p:cNvSpPr/>
+            <p:nvPr/>
+          </p:nvSpPr>
+          <p:spPr>
+            <a:xfrm>
+              <a:off x="9587363" y="1552906"/>
+              <a:ext cx="518886" cy="204621"/>
+            </a:xfrm>
+            <a:prstGeom prst="rightArrow">
+              <a:avLst/>
+            </a:prstGeom>
+            <a:ln w="22225"/>
+          </p:spPr>
+          <p:style>
+            <a:lnRef idx="2">
+              <a:schemeClr val="accent4"/>
+            </a:lnRef>
+            <a:fillRef idx="1">
+              <a:schemeClr val="lt1"/>
+            </a:fillRef>
+            <a:effectRef idx="0">
+              <a:schemeClr val="accent4"/>
+            </a:effectRef>
+            <a:fontRef idx="minor">
+              <a:schemeClr val="dk1"/>
+            </a:fontRef>
+          </p:style>
+          <p:txBody>
+            <a:bodyPr rtlCol="0" anchor="ctr"/>
+            <a:lstStyle/>
+            <a:p>
+              <a:pPr algn="ctr"/>
+              <a:endParaRPr lang="fr-FR" sz="1600"/>
+            </a:p>
+          </p:txBody>
+        </p:sp>
+        <p:sp>
+          <p:nvSpPr>
+            <p:cNvPr id="31" name="Flèche : droite 30"/>
+            <p:cNvSpPr/>
+            <p:nvPr/>
+          </p:nvSpPr>
+          <p:spPr>
+            <a:xfrm>
+              <a:off x="9587363" y="2052697"/>
+              <a:ext cx="518886" cy="204621"/>
+            </a:xfrm>
+            <a:prstGeom prst="rightArrow">
+              <a:avLst/>
+            </a:prstGeom>
+            <a:ln w="22225"/>
+          </p:spPr>
+          <p:style>
+            <a:lnRef idx="2">
+              <a:schemeClr val="accent4"/>
+            </a:lnRef>
+            <a:fillRef idx="1">
+              <a:schemeClr val="lt1"/>
+            </a:fillRef>
+            <a:effectRef idx="0">
+              <a:schemeClr val="accent4"/>
+            </a:effectRef>
+            <a:fontRef idx="minor">
+              <a:schemeClr val="dk1"/>
+            </a:fontRef>
+          </p:style>
+          <p:txBody>
+            <a:bodyPr rtlCol="0" anchor="ctr"/>
+            <a:lstStyle/>
+            <a:p>
+              <a:pPr algn="ctr"/>
+              <a:endParaRPr lang="fr-FR" sz="1600"/>
+            </a:p>
+          </p:txBody>
+        </p:sp>
+        <p:sp>
+          <p:nvSpPr>
+            <p:cNvPr id="32" name="Flèche : droite 31"/>
+            <p:cNvSpPr/>
+            <p:nvPr/>
+          </p:nvSpPr>
+          <p:spPr>
+            <a:xfrm>
+              <a:off x="9587363" y="2552488"/>
+              <a:ext cx="518886" cy="204621"/>
+            </a:xfrm>
+            <a:prstGeom prst="rightArrow">
+              <a:avLst/>
+            </a:prstGeom>
+            <a:ln w="22225"/>
+          </p:spPr>
+          <p:style>
+            <a:lnRef idx="2">
+              <a:schemeClr val="accent4"/>
+            </a:lnRef>
+            <a:fillRef idx="1">
+              <a:schemeClr val="lt1"/>
+            </a:fillRef>
+            <a:effectRef idx="0">
+              <a:schemeClr val="accent4"/>
+            </a:effectRef>
+            <a:fontRef idx="minor">
+              <a:schemeClr val="dk1"/>
+            </a:fontRef>
+          </p:style>
+          <p:txBody>
+            <a:bodyPr rtlCol="0" anchor="ctr"/>
+            <a:lstStyle/>
+            <a:p>
+              <a:pPr algn="ctr"/>
+              <a:endParaRPr lang="fr-FR" sz="1600"/>
+            </a:p>
+          </p:txBody>
+        </p:sp>
+        <p:sp>
+          <p:nvSpPr>
+            <p:cNvPr id="36" name="Rectangle : coins arrondis 35"/>
+            <p:cNvSpPr/>
+            <p:nvPr/>
+          </p:nvSpPr>
+          <p:spPr>
+            <a:xfrm>
+              <a:off x="10215719" y="2951782"/>
+              <a:ext cx="2122362" cy="414716"/>
+            </a:xfrm>
+            <a:prstGeom prst="roundRect">
+              <a:avLst>
+                <a:gd name="adj" fmla="val 6322"/>
+              </a:avLst>
+            </a:prstGeom>
+          </p:spPr>
+          <p:style>
+            <a:lnRef idx="2">
+              <a:schemeClr val="accent4">
+                <a:shade val="50000"/>
+              </a:schemeClr>
+            </a:lnRef>
+            <a:fillRef idx="1">
+              <a:schemeClr val="accent4"/>
+            </a:fillRef>
+            <a:effectRef idx="0">
+              <a:schemeClr val="accent4"/>
+            </a:effectRef>
+            <a:fontRef idx="minor">
+              <a:schemeClr val="lt1"/>
+            </a:fontRef>
+          </p:style>
+          <p:txBody>
+            <a:bodyPr rtlCol="0" anchor="ctr"/>
+            <a:lstStyle/>
+            <a:p>
+              <a:pPr algn="ctr"/>
+              <a:r>
+                <a:rPr lang="fr-FR" sz="1600" dirty="0"/>
+                <a:t>Silex</a:t>
+              </a:r>
+            </a:p>
+          </p:txBody>
+        </p:sp>
+        <p:sp>
+          <p:nvSpPr>
+            <p:cNvPr id="37" name="Rectangle : coins arrondis 36"/>
+            <p:cNvSpPr/>
+            <p:nvPr/>
+          </p:nvSpPr>
+          <p:spPr>
+            <a:xfrm>
+              <a:off x="10215719" y="3452365"/>
+              <a:ext cx="2122362" cy="414716"/>
+            </a:xfrm>
+            <a:prstGeom prst="roundRect">
+              <a:avLst>
+                <a:gd name="adj" fmla="val 6322"/>
+              </a:avLst>
+            </a:prstGeom>
+          </p:spPr>
+          <p:style>
+            <a:lnRef idx="2">
+              <a:schemeClr val="accent4">
+                <a:shade val="50000"/>
+              </a:schemeClr>
+            </a:lnRef>
+            <a:fillRef idx="1">
+              <a:schemeClr val="accent4"/>
+            </a:fillRef>
+            <a:effectRef idx="0">
+              <a:schemeClr val="accent4"/>
+            </a:effectRef>
+            <a:fontRef idx="minor">
+              <a:schemeClr val="lt1"/>
+            </a:fontRef>
+          </p:style>
+          <p:txBody>
+            <a:bodyPr rtlCol="0" anchor="ctr"/>
+            <a:lstStyle/>
+            <a:p>
+              <a:pPr algn="ctr"/>
+              <a:r>
+                <a:rPr lang="fr-FR" sz="1600" dirty="0" err="1"/>
+                <a:t>Mouf</a:t>
+              </a:r>
+              <a:endParaRPr lang="fr-FR" sz="1600" dirty="0"/>
+            </a:p>
+          </p:txBody>
+        </p:sp>
+        <p:sp>
+          <p:nvSpPr>
+            <p:cNvPr id="40" name="Flèche : droite 39"/>
+            <p:cNvSpPr/>
+            <p:nvPr/>
+          </p:nvSpPr>
+          <p:spPr>
+            <a:xfrm>
+              <a:off x="9587363" y="3058770"/>
+              <a:ext cx="518886" cy="204621"/>
+            </a:xfrm>
+            <a:prstGeom prst="rightArrow">
+              <a:avLst/>
+            </a:prstGeom>
+            <a:ln w="22225"/>
+          </p:spPr>
+          <p:style>
+            <a:lnRef idx="2">
+              <a:schemeClr val="accent4"/>
+            </a:lnRef>
+            <a:fillRef idx="1">
+              <a:schemeClr val="lt1"/>
+            </a:fillRef>
+            <a:effectRef idx="0">
+              <a:schemeClr val="accent4"/>
+            </a:effectRef>
+            <a:fontRef idx="minor">
+              <a:schemeClr val="dk1"/>
+            </a:fontRef>
+          </p:style>
+          <p:txBody>
+            <a:bodyPr rtlCol="0" anchor="ctr"/>
+            <a:lstStyle/>
+            <a:p>
+              <a:pPr algn="ctr"/>
+              <a:endParaRPr lang="fr-FR" sz="1600"/>
+            </a:p>
+          </p:txBody>
+        </p:sp>
+        <p:sp>
+          <p:nvSpPr>
+            <p:cNvPr id="45" name="Flèche : droite 44"/>
+            <p:cNvSpPr/>
+            <p:nvPr/>
+          </p:nvSpPr>
+          <p:spPr>
+            <a:xfrm>
+              <a:off x="9587363" y="3558561"/>
+              <a:ext cx="518886" cy="204621"/>
+            </a:xfrm>
+            <a:prstGeom prst="rightArrow">
+              <a:avLst/>
+            </a:prstGeom>
+            <a:ln w="22225"/>
+          </p:spPr>
+          <p:style>
+            <a:lnRef idx="2">
+              <a:schemeClr val="accent4"/>
+            </a:lnRef>
+            <a:fillRef idx="1">
+              <a:schemeClr val="lt1"/>
+            </a:fillRef>
+            <a:effectRef idx="0">
+              <a:schemeClr val="accent4"/>
+            </a:effectRef>
+            <a:fontRef idx="minor">
+              <a:schemeClr val="dk1"/>
+            </a:fontRef>
+          </p:style>
+          <p:txBody>
+            <a:bodyPr rtlCol="0" anchor="ctr"/>
+            <a:lstStyle/>
+            <a:p>
+              <a:pPr algn="ctr"/>
+              <a:endParaRPr lang="fr-FR" sz="1600"/>
+            </a:p>
+          </p:txBody>
+        </p:sp>
+        <p:sp>
+          <p:nvSpPr>
+            <p:cNvPr id="53" name="Rectangle : coins arrondis 52"/>
+            <p:cNvSpPr/>
+            <p:nvPr/>
+          </p:nvSpPr>
+          <p:spPr>
+            <a:xfrm>
+              <a:off x="7311154" y="3977390"/>
+              <a:ext cx="2122362" cy="414716"/>
+            </a:xfrm>
+            <a:prstGeom prst="roundRect">
+              <a:avLst>
+                <a:gd name="adj" fmla="val 6322"/>
+              </a:avLst>
+            </a:prstGeom>
+          </p:spPr>
+          <p:style>
+            <a:lnRef idx="2">
+              <a:schemeClr val="accent4">
+                <a:shade val="50000"/>
+              </a:schemeClr>
+            </a:lnRef>
+            <a:fillRef idx="1">
+              <a:schemeClr val="accent4"/>
+            </a:fillRef>
+            <a:effectRef idx="0">
+              <a:schemeClr val="accent4"/>
+            </a:effectRef>
+            <a:fontRef idx="minor">
+              <a:schemeClr val="lt1"/>
+            </a:fontRef>
+          </p:style>
+          <p:txBody>
+            <a:bodyPr rtlCol="0" anchor="ctr"/>
+            <a:lstStyle/>
+            <a:p>
+              <a:pPr algn="ctr"/>
+              <a:r>
+                <a:rPr lang="fr-FR" sz="1600" dirty="0"/>
+                <a:t>PHP-DI</a:t>
+              </a:r>
+            </a:p>
+          </p:txBody>
+        </p:sp>
+        <p:sp>
+          <p:nvSpPr>
+            <p:cNvPr id="54" name="Rectangle : coins arrondis 53"/>
+            <p:cNvSpPr/>
+            <p:nvPr/>
+          </p:nvSpPr>
+          <p:spPr>
+            <a:xfrm>
+              <a:off x="7311154" y="4486840"/>
+              <a:ext cx="2122362" cy="414716"/>
+            </a:xfrm>
+            <a:prstGeom prst="roundRect">
+              <a:avLst>
+                <a:gd name="adj" fmla="val 6322"/>
+              </a:avLst>
+            </a:prstGeom>
+          </p:spPr>
+          <p:style>
+            <a:lnRef idx="2">
+              <a:schemeClr val="accent4">
+                <a:shade val="50000"/>
+              </a:schemeClr>
+            </a:lnRef>
+            <a:fillRef idx="1">
+              <a:schemeClr val="accent4"/>
+            </a:fillRef>
+            <a:effectRef idx="0">
+              <a:schemeClr val="accent4"/>
+            </a:effectRef>
+            <a:fontRef idx="minor">
+              <a:schemeClr val="lt1"/>
+            </a:fontRef>
+          </p:style>
+          <p:txBody>
+            <a:bodyPr rtlCol="0" anchor="ctr"/>
+            <a:lstStyle/>
+            <a:p>
+              <a:pPr algn="ctr"/>
+              <a:r>
+                <a:rPr lang="fr-FR" sz="1600" dirty="0"/>
+                <a:t>Simplex</a:t>
+              </a:r>
+            </a:p>
+          </p:txBody>
+        </p:sp>
+        <p:sp>
+          <p:nvSpPr>
+            <p:cNvPr id="55" name="Rectangle : coins arrondis 54"/>
+            <p:cNvSpPr/>
+            <p:nvPr/>
+          </p:nvSpPr>
+          <p:spPr>
+            <a:xfrm>
+              <a:off x="7311154" y="4987423"/>
+              <a:ext cx="2122362" cy="414716"/>
+            </a:xfrm>
+            <a:prstGeom prst="roundRect">
+              <a:avLst>
+                <a:gd name="adj" fmla="val 6322"/>
+              </a:avLst>
+            </a:prstGeom>
+          </p:spPr>
+          <p:style>
+            <a:lnRef idx="2">
+              <a:schemeClr val="accent4">
+                <a:shade val="50000"/>
+              </a:schemeClr>
+            </a:lnRef>
+            <a:fillRef idx="1">
+              <a:schemeClr val="accent4"/>
+            </a:fillRef>
+            <a:effectRef idx="0">
+              <a:schemeClr val="accent4"/>
+            </a:effectRef>
+            <a:fontRef idx="minor">
+              <a:schemeClr val="lt1"/>
+            </a:fontRef>
+          </p:style>
+          <p:txBody>
+            <a:bodyPr rtlCol="0" anchor="ctr"/>
+            <a:lstStyle/>
+            <a:p>
+              <a:pPr algn="ctr"/>
+              <a:r>
+                <a:rPr lang="fr-FR" sz="1600" dirty="0" err="1"/>
+                <a:t>Yaco</a:t>
+              </a:r>
+              <a:endParaRPr lang="fr-FR" sz="1600" dirty="0"/>
+            </a:p>
+          </p:txBody>
+        </p:sp>
+      </p:grpSp>
+    </p:spTree>
+    <p:extLst>
+      <p:ext uri="{BB962C8B-B14F-4D97-AF65-F5344CB8AC3E}">
+        <p14:creationId xmlns:p14="http://schemas.microsoft.com/office/powerpoint/2010/main" val="3163472384"/>
+      </p:ext>
+    </p:extLst>
+  </p:cSld>
+  <p:clrMapOvr>
+    <a:masterClrMapping/>
+  </p:clrMapOvr>
+</p:sld>
+</file>
+
 <file path=ppt/slides/slide2.xml><?xml version="1.0" encoding="utf-8"?>
 <p:sld xmlns:a="http://schemas.openxmlformats.org/drawingml/2006/main" xmlns:r="http://schemas.openxmlformats.org/officeDocument/2006/relationships" xmlns:p="http://schemas.openxmlformats.org/presentationml/2006/main">
   <p:cSld>
